--- a/active_learning_workshop.pptx
+++ b/active_learning_workshop.pptx
@@ -6,19 +6,24 @@
     <p:sldMasterId id="2147484501" r:id="rId5"/>
   </p:sldMasterIdLst>
   <p:notesMasterIdLst>
-    <p:notesMasterId r:id="rId13"/>
+    <p:notesMasterId r:id="rId18"/>
   </p:notesMasterIdLst>
   <p:handoutMasterIdLst>
-    <p:handoutMasterId r:id="rId14"/>
+    <p:handoutMasterId r:id="rId19"/>
   </p:handoutMasterIdLst>
   <p:sldIdLst>
     <p:sldId id="1502" r:id="rId6"/>
     <p:sldId id="1563" r:id="rId7"/>
     <p:sldId id="1564" r:id="rId8"/>
-    <p:sldId id="1530" r:id="rId9"/>
-    <p:sldId id="1550" r:id="rId10"/>
-    <p:sldId id="1535" r:id="rId11"/>
-    <p:sldId id="1516" r:id="rId12"/>
+    <p:sldId id="312" r:id="rId9"/>
+    <p:sldId id="1504" r:id="rId10"/>
+    <p:sldId id="1505" r:id="rId11"/>
+    <p:sldId id="1565" r:id="rId12"/>
+    <p:sldId id="1571" r:id="rId13"/>
+    <p:sldId id="1530" r:id="rId14"/>
+    <p:sldId id="1550" r:id="rId15"/>
+    <p:sldId id="1535" r:id="rId16"/>
+    <p:sldId id="1516" r:id="rId17"/>
   </p:sldIdLst>
   <p:sldSz cx="12436475" cy="6994525"/>
   <p:notesSz cx="6858000" cy="9144000"/>
@@ -125,6 +130,11 @@
             <p14:sldId id="1502"/>
             <p14:sldId id="1563"/>
             <p14:sldId id="1564"/>
+            <p14:sldId id="312"/>
+            <p14:sldId id="1504"/>
+            <p14:sldId id="1505"/>
+            <p14:sldId id="1565"/>
+            <p14:sldId id="1571"/>
             <p14:sldId id="1530"/>
             <p14:sldId id="1550"/>
             <p14:sldId id="1535"/>
@@ -264,7 +274,7 @@
               <a:rPr lang="en-US" smtClean="0">
                 <a:latin typeface="Segoe UI" pitchFamily="34" charset="0"/>
               </a:rPr>
-              <a:t>6/11/2018 10:55 PM</a:t>
+              <a:t>6/12/2018 1:08 PM</a:t>
             </a:fld>
             <a:endParaRPr lang="en-US" dirty="0">
               <a:latin typeface="Segoe UI" pitchFamily="34" charset="0"/>
@@ -561,7 +571,7 @@
           <a:p>
             <a:fld id="{D18B56EA-E28F-4F92-9F16-7A6F2501B303}" type="datetime8">
               <a:rPr lang="en-US" smtClean="0"/>
-              <a:t>6/11/2018 10:55 PM</a:t>
+              <a:t>6/12/2018 1:07 PM</a:t>
             </a:fld>
             <a:endParaRPr lang="en-US" dirty="0"/>
           </a:p>
@@ -947,7 +957,7 @@
           <a:p>
             <a:fld id="{3313C66B-7AF5-40BA-8933-D16874FF94CC}" type="datetime8">
               <a:rPr lang="en-US" smtClean="0"/>
-              <a:t>6/11/2018 11:38 PM</a:t>
+              <a:t>6/12/2018 1:07 PM</a:t>
             </a:fld>
             <a:endParaRPr lang="en-US" dirty="0"/>
           </a:p>
@@ -1132,7 +1142,7 @@
           <a:p>
             <a:fld id="{D18B56EA-E28F-4F92-9F16-7A6F2501B303}" type="datetime8">
               <a:rPr lang="en-US" smtClean="0"/>
-              <a:t>6/11/2018 10:55 PM</a:t>
+              <a:t>6/12/2018 1:07 PM</a:t>
             </a:fld>
             <a:endParaRPr lang="en-US" dirty="0"/>
           </a:p>
@@ -1219,18 +1229,18 @@
           <a:bodyPr/>
           <a:lstStyle/>
           <a:p>
-            <a:endParaRPr lang="en-US" dirty="0"/>
+            <a:endParaRPr lang="en-US"/>
           </a:p>
         </p:txBody>
       </p:sp>
       <p:sp>
         <p:nvSpPr>
-          <p:cNvPr id="4" name="Header Placeholder 3"/>
+          <p:cNvPr id="4" name="Slide Number Placeholder 3"/>
           <p:cNvSpPr>
             <a:spLocks noGrp="1"/>
           </p:cNvSpPr>
           <p:nvPr>
-            <p:ph type="hdr" sz="quarter" idx="10"/>
+            <p:ph type="sldNum" sz="quarter" idx="10"/>
           </p:nvPr>
         </p:nvSpPr>
         <p:spPr/>
@@ -1238,119 +1248,78 @@
           <a:bodyPr/>
           <a:lstStyle/>
           <a:p>
-            <a:r>
-              <a:rPr lang="en-US"/>
-              <a:t>Machine Learning, Analytics, &amp; Data Science Conference</a:t>
-            </a:r>
-            <a:endParaRPr lang="en-US" dirty="0"/>
-          </a:p>
-        </p:txBody>
-      </p:sp>
-      <p:sp>
-        <p:nvSpPr>
-          <p:cNvPr id="5" name="Footer Placeholder 4"/>
-          <p:cNvSpPr>
-            <a:spLocks noGrp="1"/>
-          </p:cNvSpPr>
-          <p:nvPr>
-            <p:ph type="ftr" sz="quarter" idx="11"/>
-          </p:nvPr>
-        </p:nvSpPr>
-        <p:spPr/>
-        <p:txBody>
-          <a:bodyPr/>
-          <a:lstStyle/>
-          <a:p>
-            <a:pPr defTabSz="914099" eaLnBrk="0" hangingPunct="0"/>
-            <a:r>
-              <a:rPr lang="en-US" sz="400">
-                <a:gradFill>
-                  <a:gsLst>
-                    <a:gs pos="0">
-                      <a:prstClr val="black"/>
-                    </a:gs>
-                    <a:gs pos="100000">
-                      <a:prstClr val="black"/>
-                    </a:gs>
-                  </a:gsLst>
-                  <a:lin ang="5400000" scaled="0"/>
-                </a:gradFill>
+            <a:pPr marL="0" marR="0" lvl="0" indent="0" algn="r" defTabSz="932742" rtl="0" eaLnBrk="1" fontAlgn="auto" latinLnBrk="0" hangingPunct="1">
+              <a:lnSpc>
+                <a:spcPct val="100000"/>
+              </a:lnSpc>
+              <a:spcBef>
+                <a:spcPts val="0"/>
+              </a:spcBef>
+              <a:spcAft>
+                <a:spcPts val="0"/>
+              </a:spcAft>
+              <a:buClrTx/>
+              <a:buSzTx/>
+              <a:buFontTx/>
+              <a:buNone/>
+              <a:tabLst/>
+              <a:defRPr/>
+            </a:pPr>
+            <a:fld id="{01F2A70B-78F2-4DCF-B53B-C990D2FAFB8A}" type="slidenum">
+              <a:rPr kumimoji="0" lang="en-US" sz="1200" b="0" i="0" u="none" strike="noStrike" kern="1200" cap="none" spc="0" normalizeH="0" baseline="0" noProof="0" smtClean="0">
+                <a:ln>
+                  <a:noFill/>
+                </a:ln>
+                <a:solidFill>
+                  <a:prstClr val="black"/>
+                </a:solidFill>
+                <a:effectLst/>
+                <a:uLnTx/>
+                <a:uFillTx/>
                 <a:latin typeface="Segoe UI" pitchFamily="34" charset="0"/>
-                <a:ea typeface="Segoe UI" pitchFamily="34" charset="0"/>
-                <a:cs typeface="Segoe UI" pitchFamily="34" charset="0"/>
+                <a:ea typeface="+mn-ea"/>
+                <a:cs typeface="+mn-cs"/>
               </a:rPr>
-              <a:t>© Microsoft Corporation. All rights reserved. MICROSOFT MAKES NO WARRANTIES, EXPRESS, IMPLIED OR STATUTORY, AS TO THE INFORMATION IN THIS PRESENTATION.</a:t>
-            </a:r>
-            <a:endParaRPr lang="en-US" sz="400" dirty="0">
-              <a:gradFill>
-                <a:gsLst>
-                  <a:gs pos="0">
-                    <a:prstClr val="black"/>
-                  </a:gs>
-                  <a:gs pos="100000">
-                    <a:prstClr val="black"/>
-                  </a:gs>
-                </a:gsLst>
-                <a:lin ang="5400000" scaled="0"/>
-              </a:gradFill>
-              <a:latin typeface="Segoe UI" pitchFamily="34" charset="0"/>
-              <a:ea typeface="Segoe UI" pitchFamily="34" charset="0"/>
-              <a:cs typeface="Segoe UI" pitchFamily="34" charset="0"/>
-            </a:endParaRPr>
-          </a:p>
-        </p:txBody>
-      </p:sp>
-      <p:sp>
-        <p:nvSpPr>
-          <p:cNvPr id="6" name="Date Placeholder 5"/>
-          <p:cNvSpPr>
-            <a:spLocks noGrp="1"/>
-          </p:cNvSpPr>
-          <p:nvPr>
-            <p:ph type="dt" idx="12"/>
-          </p:nvPr>
-        </p:nvSpPr>
-        <p:spPr/>
-        <p:txBody>
-          <a:bodyPr/>
-          <a:lstStyle/>
-          <a:p>
-            <a:fld id="{D18B56EA-E28F-4F92-9F16-7A6F2501B303}" type="datetime8">
-              <a:rPr lang="en-US" smtClean="0"/>
-              <a:t>6/12/2018 10:12 AM</a:t>
-            </a:fld>
-            <a:endParaRPr lang="en-US" dirty="0"/>
-          </a:p>
-        </p:txBody>
-      </p:sp>
-      <p:sp>
-        <p:nvSpPr>
-          <p:cNvPr id="7" name="Slide Number Placeholder 6"/>
-          <p:cNvSpPr>
-            <a:spLocks noGrp="1"/>
-          </p:cNvSpPr>
-          <p:nvPr>
-            <p:ph type="sldNum" sz="quarter" idx="13"/>
-          </p:nvPr>
-        </p:nvSpPr>
-        <p:spPr/>
-        <p:txBody>
-          <a:bodyPr/>
-          <a:lstStyle/>
-          <a:p>
-            <a:fld id="{B4008EB6-D09E-4580-8CD6-DDB14511944F}" type="slidenum">
-              <a:rPr lang="en-US" smtClean="0"/>
-              <a:pPr/>
+              <a:pPr marL="0" marR="0" lvl="0" indent="0" algn="r" defTabSz="932742" rtl="0" eaLnBrk="1" fontAlgn="auto" latinLnBrk="0" hangingPunct="1">
+                <a:lnSpc>
+                  <a:spcPct val="100000"/>
+                </a:lnSpc>
+                <a:spcBef>
+                  <a:spcPts val="0"/>
+                </a:spcBef>
+                <a:spcAft>
+                  <a:spcPts val="0"/>
+                </a:spcAft>
+                <a:buClrTx/>
+                <a:buSzTx/>
+                <a:buFontTx/>
+                <a:buNone/>
+                <a:tabLst/>
+                <a:defRPr/>
+              </a:pPr>
               <a:t>4</a:t>
             </a:fld>
-            <a:endParaRPr lang="en-US" dirty="0"/>
+            <a:endParaRPr kumimoji="0" lang="en-US" sz="1200" b="0" i="0" u="none" strike="noStrike" kern="1200" cap="none" spc="0" normalizeH="0" baseline="0" noProof="0">
+              <a:ln>
+                <a:noFill/>
+              </a:ln>
+              <a:solidFill>
+                <a:prstClr val="black"/>
+              </a:solidFill>
+              <a:effectLst/>
+              <a:uLnTx/>
+              <a:uFillTx/>
+              <a:latin typeface="Segoe UI" pitchFamily="34" charset="0"/>
+              <a:ea typeface="+mn-ea"/>
+              <a:cs typeface="+mn-cs"/>
+            </a:endParaRPr>
           </a:p>
         </p:txBody>
       </p:sp>
     </p:spTree>
     <p:extLst>
       <p:ext uri="{BB962C8B-B14F-4D97-AF65-F5344CB8AC3E}">
-        <p14:creationId xmlns:p14="http://schemas.microsoft.com/office/powerpoint/2010/main" val="8758104"/>
+        <p14:creationId xmlns:p14="http://schemas.microsoft.com/office/powerpoint/2010/main" val="2838043006"/>
       </p:ext>
     </p:extLst>
   </p:cSld>
@@ -1404,7 +1373,7 @@
           <a:bodyPr/>
           <a:lstStyle/>
           <a:p>
-            <a:endParaRPr lang="en-US"/>
+            <a:endParaRPr lang="en-US" dirty="0"/>
           </a:p>
         </p:txBody>
       </p:sp>
@@ -1502,7 +1471,7 @@
           <a:p>
             <a:fld id="{D18B56EA-E28F-4F92-9F16-7A6F2501B303}" type="datetime8">
               <a:rPr lang="en-US" smtClean="0"/>
-              <a:t>6/11/2018 10:55 PM</a:t>
+              <a:t>6/12/2018 1:07 PM</a:t>
             </a:fld>
             <a:endParaRPr lang="en-US" dirty="0"/>
           </a:p>
@@ -1526,7 +1495,7 @@
             <a:fld id="{B4008EB6-D09E-4580-8CD6-DDB14511944F}" type="slidenum">
               <a:rPr lang="en-US" smtClean="0"/>
               <a:pPr/>
-              <a:t>5</a:t>
+              <a:t>9</a:t>
             </a:fld>
             <a:endParaRPr lang="en-US" dirty="0"/>
           </a:p>
@@ -1535,7 +1504,7 @@
     </p:spTree>
     <p:extLst>
       <p:ext uri="{BB962C8B-B14F-4D97-AF65-F5344CB8AC3E}">
-        <p14:creationId xmlns:p14="http://schemas.microsoft.com/office/powerpoint/2010/main" val="2849406380"/>
+        <p14:creationId xmlns:p14="http://schemas.microsoft.com/office/powerpoint/2010/main" val="8758104"/>
       </p:ext>
     </p:extLst>
   </p:cSld>
@@ -1589,7 +1558,7 @@
           <a:bodyPr/>
           <a:lstStyle/>
           <a:p>
-            <a:endParaRPr lang="en-US" dirty="0"/>
+            <a:endParaRPr lang="en-US"/>
           </a:p>
         </p:txBody>
       </p:sp>
@@ -1687,7 +1656,7 @@
           <a:p>
             <a:fld id="{D18B56EA-E28F-4F92-9F16-7A6F2501B303}" type="datetime8">
               <a:rPr lang="en-US" smtClean="0"/>
-              <a:t>6/11/2018 10:55 PM</a:t>
+              <a:t>6/12/2018 1:07 PM</a:t>
             </a:fld>
             <a:endParaRPr lang="en-US" dirty="0"/>
           </a:p>
@@ -1711,7 +1680,192 @@
             <a:fld id="{B4008EB6-D09E-4580-8CD6-DDB14511944F}" type="slidenum">
               <a:rPr lang="en-US" smtClean="0"/>
               <a:pPr/>
-              <a:t>6</a:t>
+              <a:t>10</a:t>
+            </a:fld>
+            <a:endParaRPr lang="en-US" dirty="0"/>
+          </a:p>
+        </p:txBody>
+      </p:sp>
+    </p:spTree>
+    <p:extLst>
+      <p:ext uri="{BB962C8B-B14F-4D97-AF65-F5344CB8AC3E}">
+        <p14:creationId xmlns:p14="http://schemas.microsoft.com/office/powerpoint/2010/main" val="2849406380"/>
+      </p:ext>
+    </p:extLst>
+  </p:cSld>
+  <p:clrMapOvr>
+    <a:masterClrMapping/>
+  </p:clrMapOvr>
+</p:notes>
+</file>
+
+<file path=ppt/notesSlides/notesSlide6.xml><?xml version="1.0" encoding="utf-8"?>
+<p:notes xmlns:a="http://schemas.openxmlformats.org/drawingml/2006/main" xmlns:r="http://schemas.openxmlformats.org/officeDocument/2006/relationships" xmlns:p="http://schemas.openxmlformats.org/presentationml/2006/main">
+  <p:cSld>
+    <p:spTree>
+      <p:nvGrpSpPr>
+        <p:cNvPr id="1" name=""/>
+        <p:cNvGrpSpPr/>
+        <p:nvPr/>
+      </p:nvGrpSpPr>
+      <p:grpSpPr>
+        <a:xfrm>
+          <a:off x="0" y="0"/>
+          <a:ext cx="0" cy="0"/>
+          <a:chOff x="0" y="0"/>
+          <a:chExt cx="0" cy="0"/>
+        </a:xfrm>
+      </p:grpSpPr>
+      <p:sp>
+        <p:nvSpPr>
+          <p:cNvPr id="2" name="Slide Image Placeholder 1"/>
+          <p:cNvSpPr>
+            <a:spLocks noGrp="1" noRot="1" noChangeAspect="1"/>
+          </p:cNvSpPr>
+          <p:nvPr>
+            <p:ph type="sldImg"/>
+          </p:nvPr>
+        </p:nvSpPr>
+        <p:spPr/>
+      </p:sp>
+      <p:sp>
+        <p:nvSpPr>
+          <p:cNvPr id="3" name="Notes Placeholder 2"/>
+          <p:cNvSpPr>
+            <a:spLocks noGrp="1"/>
+          </p:cNvSpPr>
+          <p:nvPr>
+            <p:ph type="body" idx="1"/>
+          </p:nvPr>
+        </p:nvSpPr>
+        <p:spPr/>
+        <p:txBody>
+          <a:bodyPr/>
+          <a:lstStyle/>
+          <a:p>
+            <a:endParaRPr lang="en-US" dirty="0"/>
+          </a:p>
+        </p:txBody>
+      </p:sp>
+      <p:sp>
+        <p:nvSpPr>
+          <p:cNvPr id="4" name="Header Placeholder 3"/>
+          <p:cNvSpPr>
+            <a:spLocks noGrp="1"/>
+          </p:cNvSpPr>
+          <p:nvPr>
+            <p:ph type="hdr" sz="quarter" idx="10"/>
+          </p:nvPr>
+        </p:nvSpPr>
+        <p:spPr/>
+        <p:txBody>
+          <a:bodyPr/>
+          <a:lstStyle/>
+          <a:p>
+            <a:r>
+              <a:rPr lang="en-US"/>
+              <a:t>Machine Learning, Analytics, &amp; Data Science Conference</a:t>
+            </a:r>
+            <a:endParaRPr lang="en-US" dirty="0"/>
+          </a:p>
+        </p:txBody>
+      </p:sp>
+      <p:sp>
+        <p:nvSpPr>
+          <p:cNvPr id="5" name="Footer Placeholder 4"/>
+          <p:cNvSpPr>
+            <a:spLocks noGrp="1"/>
+          </p:cNvSpPr>
+          <p:nvPr>
+            <p:ph type="ftr" sz="quarter" idx="11"/>
+          </p:nvPr>
+        </p:nvSpPr>
+        <p:spPr/>
+        <p:txBody>
+          <a:bodyPr/>
+          <a:lstStyle/>
+          <a:p>
+            <a:pPr defTabSz="914099" eaLnBrk="0" hangingPunct="0"/>
+            <a:r>
+              <a:rPr lang="en-US" sz="400">
+                <a:gradFill>
+                  <a:gsLst>
+                    <a:gs pos="0">
+                      <a:prstClr val="black"/>
+                    </a:gs>
+                    <a:gs pos="100000">
+                      <a:prstClr val="black"/>
+                    </a:gs>
+                  </a:gsLst>
+                  <a:lin ang="5400000" scaled="0"/>
+                </a:gradFill>
+                <a:latin typeface="Segoe UI" pitchFamily="34" charset="0"/>
+                <a:ea typeface="Segoe UI" pitchFamily="34" charset="0"/>
+                <a:cs typeface="Segoe UI" pitchFamily="34" charset="0"/>
+              </a:rPr>
+              <a:t>© Microsoft Corporation. All rights reserved. MICROSOFT MAKES NO WARRANTIES, EXPRESS, IMPLIED OR STATUTORY, AS TO THE INFORMATION IN THIS PRESENTATION.</a:t>
+            </a:r>
+            <a:endParaRPr lang="en-US" sz="400" dirty="0">
+              <a:gradFill>
+                <a:gsLst>
+                  <a:gs pos="0">
+                    <a:prstClr val="black"/>
+                  </a:gs>
+                  <a:gs pos="100000">
+                    <a:prstClr val="black"/>
+                  </a:gs>
+                </a:gsLst>
+                <a:lin ang="5400000" scaled="0"/>
+              </a:gradFill>
+              <a:latin typeface="Segoe UI" pitchFamily="34" charset="0"/>
+              <a:ea typeface="Segoe UI" pitchFamily="34" charset="0"/>
+              <a:cs typeface="Segoe UI" pitchFamily="34" charset="0"/>
+            </a:endParaRPr>
+          </a:p>
+        </p:txBody>
+      </p:sp>
+      <p:sp>
+        <p:nvSpPr>
+          <p:cNvPr id="6" name="Date Placeholder 5"/>
+          <p:cNvSpPr>
+            <a:spLocks noGrp="1"/>
+          </p:cNvSpPr>
+          <p:nvPr>
+            <p:ph type="dt" idx="12"/>
+          </p:nvPr>
+        </p:nvSpPr>
+        <p:spPr/>
+        <p:txBody>
+          <a:bodyPr/>
+          <a:lstStyle/>
+          <a:p>
+            <a:fld id="{D18B56EA-E28F-4F92-9F16-7A6F2501B303}" type="datetime8">
+              <a:rPr lang="en-US" smtClean="0"/>
+              <a:t>6/12/2018 1:07 PM</a:t>
+            </a:fld>
+            <a:endParaRPr lang="en-US" dirty="0"/>
+          </a:p>
+        </p:txBody>
+      </p:sp>
+      <p:sp>
+        <p:nvSpPr>
+          <p:cNvPr id="7" name="Slide Number Placeholder 6"/>
+          <p:cNvSpPr>
+            <a:spLocks noGrp="1"/>
+          </p:cNvSpPr>
+          <p:nvPr>
+            <p:ph type="sldNum" sz="quarter" idx="13"/>
+          </p:nvPr>
+        </p:nvSpPr>
+        <p:spPr/>
+        <p:txBody>
+          <a:bodyPr/>
+          <a:lstStyle/>
+          <a:p>
+            <a:fld id="{B4008EB6-D09E-4580-8CD6-DDB14511944F}" type="slidenum">
+              <a:rPr lang="en-US" smtClean="0"/>
+              <a:pPr/>
+              <a:t>11</a:t>
             </a:fld>
             <a:endParaRPr lang="en-US" dirty="0"/>
           </a:p>
@@ -1730,7 +1884,7 @@
 </p:notes>
 </file>
 
-<file path=ppt/notesSlides/notesSlide6.xml><?xml version="1.0" encoding="utf-8"?>
+<file path=ppt/notesSlides/notesSlide7.xml><?xml version="1.0" encoding="utf-8"?>
 <p:notes xmlns:a="http://schemas.openxmlformats.org/drawingml/2006/main" xmlns:r="http://schemas.openxmlformats.org/officeDocument/2006/relationships" xmlns:p="http://schemas.openxmlformats.org/presentationml/2006/main">
   <p:cSld>
     <p:spTree>
@@ -1840,7 +1994,7 @@
                   <a:prstClr val="black"/>
                 </a:solidFill>
               </a:rPr>
-              <a:t>6/11/2018 10:55 PM</a:t>
+              <a:t>6/12/2018 1:07 PM</a:t>
             </a:fld>
             <a:endParaRPr lang="en-US" dirty="0">
               <a:solidFill>
@@ -1872,7 +2026,7 @@
                 </a:solidFill>
               </a:rPr>
               <a:pPr/>
-              <a:t>7</a:t>
+              <a:t>12</a:t>
             </a:fld>
             <a:endParaRPr lang="en-US" dirty="0">
               <a:solidFill>
@@ -3959,6 +4113,351 @@
 </file>
 
 <file path=ppt/slideLayouts/slideLayout20.xml><?xml version="1.0" encoding="utf-8"?>
+<p:sldLayout xmlns:a="http://schemas.openxmlformats.org/drawingml/2006/main" xmlns:r="http://schemas.openxmlformats.org/officeDocument/2006/relationships" xmlns:p="http://schemas.openxmlformats.org/presentationml/2006/main" showMasterSp="0" userDrawn="1">
+  <p:cSld name="1_Title and Content">
+    <p:bg>
+      <p:bgRef idx="1001">
+        <a:schemeClr val="bg2"/>
+      </p:bgRef>
+    </p:bg>
+    <p:spTree>
+      <p:nvGrpSpPr>
+        <p:cNvPr id="1" name=""/>
+        <p:cNvGrpSpPr/>
+        <p:nvPr/>
+      </p:nvGrpSpPr>
+      <p:grpSpPr>
+        <a:xfrm>
+          <a:off x="0" y="0"/>
+          <a:ext cx="0" cy="0"/>
+          <a:chOff x="0" y="0"/>
+          <a:chExt cx="0" cy="0"/>
+        </a:xfrm>
+      </p:grpSpPr>
+      <p:sp>
+        <p:nvSpPr>
+          <p:cNvPr id="3" name="Content Placeholder 2"/>
+          <p:cNvSpPr>
+            <a:spLocks noGrp="1"/>
+          </p:cNvSpPr>
+          <p:nvPr>
+            <p:ph idx="1"/>
+          </p:nvPr>
+        </p:nvSpPr>
+        <p:spPr>
+          <a:xfrm>
+            <a:off x="277005" y="1902764"/>
+            <a:ext cx="11887198" cy="2308324"/>
+          </a:xfrm>
+        </p:spPr>
+        <p:txBody>
+          <a:bodyPr/>
+          <a:lstStyle>
+            <a:lvl2pPr marL="559451">
+              <a:defRPr/>
+            </a:lvl2pPr>
+            <a:lvl3pPr marL="792555">
+              <a:defRPr/>
+            </a:lvl3pPr>
+            <a:lvl4pPr marL="1025659">
+              <a:defRPr/>
+            </a:lvl4pPr>
+            <a:lvl5pPr marL="1258764">
+              <a:defRPr/>
+            </a:lvl5pPr>
+            <a:lvl6pPr marL="1491868">
+              <a:defRPr baseline="0"/>
+            </a:lvl6pPr>
+            <a:lvl7pPr marL="1724973">
+              <a:defRPr baseline="0"/>
+            </a:lvl7pPr>
+            <a:lvl8pPr marL="1958076">
+              <a:defRPr baseline="0"/>
+            </a:lvl8pPr>
+            <a:lvl9pPr marL="2191181">
+              <a:defRPr baseline="0"/>
+            </a:lvl9pPr>
+          </a:lstStyle>
+          <a:p>
+            <a:pPr lvl="0"/>
+            <a:r>
+              <a:rPr lang="en-US"/>
+              <a:t>Click to edit Master text styles</a:t>
+            </a:r>
+          </a:p>
+          <a:p>
+            <a:pPr lvl="1"/>
+            <a:r>
+              <a:rPr lang="en-US"/>
+              <a:t>Second level</a:t>
+            </a:r>
+          </a:p>
+          <a:p>
+            <a:pPr lvl="2"/>
+            <a:r>
+              <a:rPr lang="en-US"/>
+              <a:t>Third level</a:t>
+            </a:r>
+          </a:p>
+          <a:p>
+            <a:pPr lvl="3"/>
+            <a:r>
+              <a:rPr lang="en-US"/>
+              <a:t>Fourth level</a:t>
+            </a:r>
+          </a:p>
+          <a:p>
+            <a:pPr lvl="4"/>
+            <a:r>
+              <a:rPr lang="en-US"/>
+              <a:t>Fifth level</a:t>
+            </a:r>
+            <a:endParaRPr/>
+          </a:p>
+        </p:txBody>
+      </p:sp>
+      <p:sp>
+        <p:nvSpPr>
+          <p:cNvPr id="7" name="Title 6">
+            <a:extLst>
+              <a:ext uri="{FF2B5EF4-FFF2-40B4-BE49-F238E27FC236}">
+                <a16:creationId xmlns:a16="http://schemas.microsoft.com/office/drawing/2014/main" id="{AD987A9E-9DAD-DB42-8DF7-34A5B9704978}"/>
+              </a:ext>
+            </a:extLst>
+          </p:cNvPr>
+          <p:cNvSpPr>
+            <a:spLocks noGrp="1"/>
+          </p:cNvSpPr>
+          <p:nvPr>
+            <p:ph type="title"/>
+          </p:nvPr>
+        </p:nvSpPr>
+        <p:spPr/>
+        <p:txBody>
+          <a:bodyPr/>
+          <a:lstStyle/>
+          <a:p>
+            <a:r>
+              <a:rPr lang="en-US"/>
+              <a:t>Click to edit Master title style</a:t>
+            </a:r>
+          </a:p>
+        </p:txBody>
+      </p:sp>
+    </p:spTree>
+    <p:extLst>
+      <p:ext uri="{BB962C8B-B14F-4D97-AF65-F5344CB8AC3E}">
+        <p14:creationId xmlns:p14="http://schemas.microsoft.com/office/powerpoint/2010/main" val="1647663562"/>
+      </p:ext>
+    </p:extLst>
+  </p:cSld>
+  <p:clrMapOvr>
+    <a:overrideClrMapping bg1="lt1" tx1="dk1" bg2="lt2" tx2="dk2" accent1="accent1" accent2="accent2" accent3="accent3" accent4="accent4" accent5="accent5" accent6="accent6" hlink="hlink" folHlink="folHlink"/>
+  </p:clrMapOvr>
+  <mc:AlternateContent xmlns:mc="http://schemas.openxmlformats.org/markup-compatibility/2006" xmlns:p14="http://schemas.microsoft.com/office/powerpoint/2010/main">
+    <mc:Choice Requires="p14">
+      <p:transition spd="med" p14:dur="700">
+        <p:fade/>
+      </p:transition>
+    </mc:Choice>
+    <mc:Fallback xmlns="">
+      <p:transition spd="med">
+        <p:fade/>
+      </p:transition>
+    </mc:Fallback>
+  </mc:AlternateContent>
+</p:sldLayout>
+</file>
+
+<file path=ppt/slideLayouts/slideLayout21.xml><?xml version="1.0" encoding="utf-8"?>
+<p:sldLayout xmlns:a="http://schemas.openxmlformats.org/drawingml/2006/main" xmlns:r="http://schemas.openxmlformats.org/officeDocument/2006/relationships" xmlns:p="http://schemas.openxmlformats.org/presentationml/2006/main" type="obj">
+  <p:cSld name="2_Title and Content">
+    <p:spTree>
+      <p:nvGrpSpPr>
+        <p:cNvPr id="1" name=""/>
+        <p:cNvGrpSpPr/>
+        <p:nvPr/>
+      </p:nvGrpSpPr>
+      <p:grpSpPr>
+        <a:xfrm>
+          <a:off x="0" y="0"/>
+          <a:ext cx="0" cy="0"/>
+          <a:chOff x="0" y="0"/>
+          <a:chExt cx="0" cy="0"/>
+        </a:xfrm>
+      </p:grpSpPr>
+      <p:sp>
+        <p:nvSpPr>
+          <p:cNvPr id="2" name="Title 1"/>
+          <p:cNvSpPr>
+            <a:spLocks noGrp="1"/>
+          </p:cNvSpPr>
+          <p:nvPr>
+            <p:ph type="title"/>
+          </p:nvPr>
+        </p:nvSpPr>
+        <p:spPr/>
+        <p:txBody>
+          <a:bodyPr/>
+          <a:lstStyle>
+            <a:lvl1pPr algn="l">
+              <a:defRPr b="1"/>
+            </a:lvl1pPr>
+          </a:lstStyle>
+          <a:p>
+            <a:r>
+              <a:rPr lang="en-US"/>
+              <a:t>Click to edit Master title style</a:t>
+            </a:r>
+            <a:endParaRPr lang="en-US" dirty="0"/>
+          </a:p>
+        </p:txBody>
+      </p:sp>
+      <p:sp>
+        <p:nvSpPr>
+          <p:cNvPr id="3" name="Content Placeholder 2"/>
+          <p:cNvSpPr>
+            <a:spLocks noGrp="1"/>
+          </p:cNvSpPr>
+          <p:nvPr>
+            <p:ph idx="1"/>
+          </p:nvPr>
+        </p:nvSpPr>
+        <p:spPr/>
+        <p:txBody>
+          <a:bodyPr/>
+          <a:lstStyle/>
+          <a:p>
+            <a:pPr lvl="0"/>
+            <a:r>
+              <a:rPr lang="en-US"/>
+              <a:t>Edit Master text styles</a:t>
+            </a:r>
+          </a:p>
+          <a:p>
+            <a:pPr lvl="1"/>
+            <a:r>
+              <a:rPr lang="en-US"/>
+              <a:t>Second level</a:t>
+            </a:r>
+          </a:p>
+          <a:p>
+            <a:pPr lvl="2"/>
+            <a:r>
+              <a:rPr lang="en-US"/>
+              <a:t>Third level</a:t>
+            </a:r>
+          </a:p>
+          <a:p>
+            <a:pPr lvl="3"/>
+            <a:r>
+              <a:rPr lang="en-US"/>
+              <a:t>Fourth level</a:t>
+            </a:r>
+          </a:p>
+          <a:p>
+            <a:pPr lvl="4"/>
+            <a:r>
+              <a:rPr lang="en-US"/>
+              <a:t>Fifth level</a:t>
+            </a:r>
+            <a:endParaRPr lang="en-US" dirty="0"/>
+          </a:p>
+        </p:txBody>
+      </p:sp>
+      <p:sp>
+        <p:nvSpPr>
+          <p:cNvPr id="17" name="Slide Number Placeholder 5"/>
+          <p:cNvSpPr>
+            <a:spLocks noGrp="1"/>
+          </p:cNvSpPr>
+          <p:nvPr>
+            <p:ph type="sldNum" sz="quarter" idx="4"/>
+          </p:nvPr>
+        </p:nvSpPr>
+        <p:spPr>
+          <a:xfrm>
+            <a:off x="11254044" y="6545732"/>
+            <a:ext cx="681936" cy="433931"/>
+          </a:xfrm>
+          <a:prstGeom prst="rect">
+            <a:avLst/>
+          </a:prstGeom>
+        </p:spPr>
+        <p:txBody>
+          <a:bodyPr/>
+          <a:lstStyle>
+            <a:lvl1pPr algn="r">
+              <a:defRPr sz="1360" b="1">
+                <a:solidFill>
+                  <a:schemeClr val="bg1"/>
+                </a:solidFill>
+              </a:defRPr>
+            </a:lvl1pPr>
+          </a:lstStyle>
+          <a:p>
+            <a:fld id="{83D1FC35-8581-2540-BBFB-5CB35188AE81}" type="slidenum">
+              <a:rPr lang="en-US" smtClean="0"/>
+              <a:pPr/>
+              <a:t>‹#›</a:t>
+            </a:fld>
+            <a:endParaRPr lang="en-US" dirty="0"/>
+          </a:p>
+        </p:txBody>
+      </p:sp>
+      <p:sp>
+        <p:nvSpPr>
+          <p:cNvPr id="18" name="Footer Placeholder 5"/>
+          <p:cNvSpPr>
+            <a:spLocks noGrp="1"/>
+          </p:cNvSpPr>
+          <p:nvPr>
+            <p:ph type="ftr" sz="quarter" idx="3"/>
+          </p:nvPr>
+        </p:nvSpPr>
+        <p:spPr>
+          <a:xfrm>
+            <a:off x="2658927" y="6510632"/>
+            <a:ext cx="7876955" cy="433928"/>
+          </a:xfrm>
+          <a:prstGeom prst="rect">
+            <a:avLst/>
+          </a:prstGeom>
+        </p:spPr>
+        <p:txBody>
+          <a:bodyPr/>
+          <a:lstStyle>
+            <a:lvl1pPr algn="ctr">
+              <a:defRPr sz="1360" b="1">
+                <a:solidFill>
+                  <a:schemeClr val="bg1"/>
+                </a:solidFill>
+              </a:defRPr>
+            </a:lvl1pPr>
+          </a:lstStyle>
+          <a:p>
+            <a:r>
+              <a:rPr lang="en-US"/>
+              <a:t>put your #assignedhashtag here by setting the footer in view-header/footer</a:t>
+            </a:r>
+            <a:endParaRPr lang="en-US" dirty="0"/>
+          </a:p>
+        </p:txBody>
+      </p:sp>
+    </p:spTree>
+    <p:extLst>
+      <p:ext uri="{BB962C8B-B14F-4D97-AF65-F5344CB8AC3E}">
+        <p14:creationId xmlns:p14="http://schemas.microsoft.com/office/powerpoint/2010/main" val="638010345"/>
+      </p:ext>
+    </p:extLst>
+  </p:cSld>
+  <p:clrMapOvr>
+    <a:masterClrMapping/>
+  </p:clrMapOvr>
+</p:sldLayout>
+</file>
+
+<file path=ppt/slideLayouts/slideLayout22.xml><?xml version="1.0" encoding="utf-8"?>
 <p:sldLayout xmlns:a="http://schemas.openxmlformats.org/drawingml/2006/main" xmlns:r="http://schemas.openxmlformats.org/officeDocument/2006/relationships" xmlns:p="http://schemas.openxmlformats.org/presentationml/2006/main" preserve="1" userDrawn="1">
   <p:cSld name="Title Slide 1">
     <p:spTree>
@@ -4166,7 +4665,7 @@
 </p:sldLayout>
 </file>
 
-<file path=ppt/slideLayouts/slideLayout21.xml><?xml version="1.0" encoding="utf-8"?>
+<file path=ppt/slideLayouts/slideLayout23.xml><?xml version="1.0" encoding="utf-8"?>
 <p:sldLayout xmlns:a="http://schemas.openxmlformats.org/drawingml/2006/main" xmlns:r="http://schemas.openxmlformats.org/officeDocument/2006/relationships" xmlns:p="http://schemas.openxmlformats.org/presentationml/2006/main" preserve="1" userDrawn="1">
   <p:cSld name="Title Slide 2">
     <p:spTree>
@@ -4450,7 +4949,7 @@
 </p:sldLayout>
 </file>
 
-<file path=ppt/slideLayouts/slideLayout22.xml><?xml version="1.0" encoding="utf-8"?>
+<file path=ppt/slideLayouts/slideLayout24.xml><?xml version="1.0" encoding="utf-8"?>
 <p:sldLayout xmlns:a="http://schemas.openxmlformats.org/drawingml/2006/main" xmlns:r="http://schemas.openxmlformats.org/officeDocument/2006/relationships" xmlns:p="http://schemas.openxmlformats.org/presentationml/2006/main" preserve="1" userDrawn="1">
   <p:cSld name="Title Slide 3">
     <p:spTree>
@@ -4763,7 +5262,7 @@
 </p:sldLayout>
 </file>
 
-<file path=ppt/slideLayouts/slideLayout23.xml><?xml version="1.0" encoding="utf-8"?>
+<file path=ppt/slideLayouts/slideLayout25.xml><?xml version="1.0" encoding="utf-8"?>
 <p:sldLayout xmlns:a="http://schemas.openxmlformats.org/drawingml/2006/main" xmlns:r="http://schemas.openxmlformats.org/officeDocument/2006/relationships" xmlns:p="http://schemas.openxmlformats.org/presentationml/2006/main" preserve="1" userDrawn="1">
   <p:cSld name="Title Slide 4">
     <p:spTree>
@@ -5077,7 +5576,7 @@
 </p:sldLayout>
 </file>
 
-<file path=ppt/slideLayouts/slideLayout24.xml><?xml version="1.0" encoding="utf-8"?>
+<file path=ppt/slideLayouts/slideLayout26.xml><?xml version="1.0" encoding="utf-8"?>
 <p:sldLayout xmlns:a="http://schemas.openxmlformats.org/drawingml/2006/main" xmlns:r="http://schemas.openxmlformats.org/officeDocument/2006/relationships" xmlns:p="http://schemas.openxmlformats.org/presentationml/2006/main" preserve="1" userDrawn="1">
   <p:cSld name="Title Slide 5">
     <p:spTree>
@@ -5391,7 +5890,7 @@
 </p:sldLayout>
 </file>
 
-<file path=ppt/slideLayouts/slideLayout25.xml><?xml version="1.0" encoding="utf-8"?>
+<file path=ppt/slideLayouts/slideLayout27.xml><?xml version="1.0" encoding="utf-8"?>
 <p:sldLayout xmlns:a="http://schemas.openxmlformats.org/drawingml/2006/main" xmlns:r="http://schemas.openxmlformats.org/officeDocument/2006/relationships" xmlns:p="http://schemas.openxmlformats.org/presentationml/2006/main" preserve="1" userDrawn="1">
   <p:cSld name="Title Slide 6">
     <p:spTree>
@@ -5706,7 +6205,7 @@
 </p:sldLayout>
 </file>
 
-<file path=ppt/slideLayouts/slideLayout26.xml><?xml version="1.0" encoding="utf-8"?>
+<file path=ppt/slideLayouts/slideLayout28.xml><?xml version="1.0" encoding="utf-8"?>
 <p:sldLayout xmlns:a="http://schemas.openxmlformats.org/drawingml/2006/main" xmlns:r="http://schemas.openxmlformats.org/officeDocument/2006/relationships" xmlns:p="http://schemas.openxmlformats.org/presentationml/2006/main" preserve="1" userDrawn="1">
   <p:cSld name="Title Slide 7">
     <p:spTree>
@@ -6023,7 +6522,7 @@
 </p:sldLayout>
 </file>
 
-<file path=ppt/slideLayouts/slideLayout27.xml><?xml version="1.0" encoding="utf-8"?>
+<file path=ppt/slideLayouts/slideLayout29.xml><?xml version="1.0" encoding="utf-8"?>
 <p:sldLayout xmlns:a="http://schemas.openxmlformats.org/drawingml/2006/main" xmlns:r="http://schemas.openxmlformats.org/officeDocument/2006/relationships" xmlns:p="http://schemas.openxmlformats.org/presentationml/2006/main" preserve="1" userDrawn="1">
   <p:cSld name="Title Slide 8 ">
     <p:spTree>
@@ -6339,7 +6838,152 @@
 </p:sldLayout>
 </file>
 
-<file path=ppt/slideLayouts/slideLayout28.xml><?xml version="1.0" encoding="utf-8"?>
+<file path=ppt/slideLayouts/slideLayout3.xml><?xml version="1.0" encoding="utf-8"?>
+<p:sldLayout xmlns:a="http://schemas.openxmlformats.org/drawingml/2006/main" xmlns:r="http://schemas.openxmlformats.org/officeDocument/2006/relationships" xmlns:p="http://schemas.openxmlformats.org/presentationml/2006/main" preserve="1" userDrawn="1">
+  <p:cSld name="Title &amp; Non-bulleted text">
+    <p:spTree>
+      <p:nvGrpSpPr>
+        <p:cNvPr id="1" name=""/>
+        <p:cNvGrpSpPr/>
+        <p:nvPr/>
+      </p:nvGrpSpPr>
+      <p:grpSpPr>
+        <a:xfrm>
+          <a:off x="0" y="0"/>
+          <a:ext cx="0" cy="0"/>
+          <a:chOff x="0" y="0"/>
+          <a:chExt cx="0" cy="0"/>
+        </a:xfrm>
+      </p:grpSpPr>
+      <p:sp>
+        <p:nvSpPr>
+          <p:cNvPr id="2" name="Title 1"/>
+          <p:cNvSpPr>
+            <a:spLocks noGrp="1"/>
+          </p:cNvSpPr>
+          <p:nvPr>
+            <p:ph type="title"/>
+          </p:nvPr>
+        </p:nvSpPr>
+        <p:spPr/>
+        <p:txBody>
+          <a:bodyPr/>
+          <a:lstStyle/>
+          <a:p>
+            <a:r>
+              <a:rPr lang="en-US"/>
+              <a:t>Click to edit Master title style</a:t>
+            </a:r>
+            <a:endParaRPr lang="en-US" dirty="0"/>
+          </a:p>
+        </p:txBody>
+      </p:sp>
+      <p:sp>
+        <p:nvSpPr>
+          <p:cNvPr id="4" name="Text Placeholder 3"/>
+          <p:cNvSpPr>
+            <a:spLocks noGrp="1"/>
+          </p:cNvSpPr>
+          <p:nvPr>
+            <p:ph type="body" sz="quarter" idx="10"/>
+          </p:nvPr>
+        </p:nvSpPr>
+        <p:spPr>
+          <a:xfrm>
+            <a:off x="274638" y="1212850"/>
+            <a:ext cx="11888787" cy="2308324"/>
+          </a:xfrm>
+        </p:spPr>
+        <p:txBody>
+          <a:bodyPr>
+            <a:spAutoFit/>
+          </a:bodyPr>
+          <a:lstStyle>
+            <a:lvl1pPr marL="0" indent="0">
+              <a:buNone/>
+              <a:defRPr/>
+            </a:lvl1pPr>
+            <a:lvl2pPr marL="228600" indent="0">
+              <a:buNone/>
+              <a:defRPr/>
+            </a:lvl2pPr>
+            <a:lvl3pPr marL="457200" indent="0">
+              <a:buNone/>
+              <a:defRPr/>
+            </a:lvl3pPr>
+            <a:lvl4pPr marL="685800" indent="0">
+              <a:buNone/>
+              <a:defRPr/>
+            </a:lvl4pPr>
+            <a:lvl5pPr marL="914400" indent="0">
+              <a:buNone/>
+              <a:defRPr/>
+            </a:lvl5pPr>
+          </a:lstStyle>
+          <a:p>
+            <a:pPr lvl="0"/>
+            <a:r>
+              <a:rPr lang="en-US"/>
+              <a:t>Edit Master text styles</a:t>
+            </a:r>
+          </a:p>
+          <a:p>
+            <a:pPr lvl="1"/>
+            <a:r>
+              <a:rPr lang="en-US"/>
+              <a:t>Second level</a:t>
+            </a:r>
+          </a:p>
+          <a:p>
+            <a:pPr lvl="2"/>
+            <a:r>
+              <a:rPr lang="en-US"/>
+              <a:t>Third level</a:t>
+            </a:r>
+          </a:p>
+          <a:p>
+            <a:pPr lvl="3"/>
+            <a:r>
+              <a:rPr lang="en-US"/>
+              <a:t>Fourth level</a:t>
+            </a:r>
+          </a:p>
+          <a:p>
+            <a:pPr lvl="4"/>
+            <a:r>
+              <a:rPr lang="en-US"/>
+              <a:t>Fifth level</a:t>
+            </a:r>
+            <a:endParaRPr lang="en-US" dirty="0"/>
+          </a:p>
+        </p:txBody>
+      </p:sp>
+    </p:spTree>
+    <p:extLst>
+      <p:ext uri="{BB962C8B-B14F-4D97-AF65-F5344CB8AC3E}">
+        <p14:creationId xmlns:p14="http://schemas.microsoft.com/office/powerpoint/2010/main" val="1701319586"/>
+      </p:ext>
+    </p:extLst>
+  </p:cSld>
+  <p:clrMapOvr>
+    <a:masterClrMapping/>
+  </p:clrMapOvr>
+  <mc:AlternateContent xmlns:mc="http://schemas.openxmlformats.org/markup-compatibility/2006" xmlns:p14="http://schemas.microsoft.com/office/powerpoint/2010/main">
+    <mc:Choice Requires="p14">
+      <p:transition spd="med" p14:dur="700">
+        <p:fade/>
+      </p:transition>
+    </mc:Choice>
+    <mc:Fallback xmlns="">
+      <p:transition spd="med">
+        <p:fade/>
+      </p:transition>
+    </mc:Fallback>
+  </mc:AlternateContent>
+</p:sldLayout>
+</file>
+
+<file path=ppt/slideLayouts/slideLayout30.xml><?xml version="1.0" encoding="utf-8"?>
 <p:sldLayout xmlns:a="http://schemas.openxmlformats.org/drawingml/2006/main" xmlns:r="http://schemas.openxmlformats.org/officeDocument/2006/relationships" xmlns:p="http://schemas.openxmlformats.org/presentationml/2006/main" preserve="1" userDrawn="1">
   <p:cSld name="Demo slide">
     <p:spTree>
@@ -6553,7 +7197,7 @@
 </p:sldLayout>
 </file>
 
-<file path=ppt/slideLayouts/slideLayout29.xml><?xml version="1.0" encoding="utf-8"?>
+<file path=ppt/slideLayouts/slideLayout31.xml><?xml version="1.0" encoding="utf-8"?>
 <p:sldLayout xmlns:a="http://schemas.openxmlformats.org/drawingml/2006/main" xmlns:r="http://schemas.openxmlformats.org/officeDocument/2006/relationships" xmlns:p="http://schemas.openxmlformats.org/presentationml/2006/main" preserve="1" userDrawn="1">
   <p:cSld name="Video slide">
     <p:spTree>
@@ -6715,152 +7359,7 @@
 </p:sldLayout>
 </file>
 
-<file path=ppt/slideLayouts/slideLayout3.xml><?xml version="1.0" encoding="utf-8"?>
-<p:sldLayout xmlns:a="http://schemas.openxmlformats.org/drawingml/2006/main" xmlns:r="http://schemas.openxmlformats.org/officeDocument/2006/relationships" xmlns:p="http://schemas.openxmlformats.org/presentationml/2006/main" preserve="1" userDrawn="1">
-  <p:cSld name="Title &amp; Non-bulleted text">
-    <p:spTree>
-      <p:nvGrpSpPr>
-        <p:cNvPr id="1" name=""/>
-        <p:cNvGrpSpPr/>
-        <p:nvPr/>
-      </p:nvGrpSpPr>
-      <p:grpSpPr>
-        <a:xfrm>
-          <a:off x="0" y="0"/>
-          <a:ext cx="0" cy="0"/>
-          <a:chOff x="0" y="0"/>
-          <a:chExt cx="0" cy="0"/>
-        </a:xfrm>
-      </p:grpSpPr>
-      <p:sp>
-        <p:nvSpPr>
-          <p:cNvPr id="2" name="Title 1"/>
-          <p:cNvSpPr>
-            <a:spLocks noGrp="1"/>
-          </p:cNvSpPr>
-          <p:nvPr>
-            <p:ph type="title"/>
-          </p:nvPr>
-        </p:nvSpPr>
-        <p:spPr/>
-        <p:txBody>
-          <a:bodyPr/>
-          <a:lstStyle/>
-          <a:p>
-            <a:r>
-              <a:rPr lang="en-US"/>
-              <a:t>Click to edit Master title style</a:t>
-            </a:r>
-            <a:endParaRPr lang="en-US" dirty="0"/>
-          </a:p>
-        </p:txBody>
-      </p:sp>
-      <p:sp>
-        <p:nvSpPr>
-          <p:cNvPr id="4" name="Text Placeholder 3"/>
-          <p:cNvSpPr>
-            <a:spLocks noGrp="1"/>
-          </p:cNvSpPr>
-          <p:nvPr>
-            <p:ph type="body" sz="quarter" idx="10"/>
-          </p:nvPr>
-        </p:nvSpPr>
-        <p:spPr>
-          <a:xfrm>
-            <a:off x="274638" y="1212850"/>
-            <a:ext cx="11888787" cy="2308324"/>
-          </a:xfrm>
-        </p:spPr>
-        <p:txBody>
-          <a:bodyPr>
-            <a:spAutoFit/>
-          </a:bodyPr>
-          <a:lstStyle>
-            <a:lvl1pPr marL="0" indent="0">
-              <a:buNone/>
-              <a:defRPr/>
-            </a:lvl1pPr>
-            <a:lvl2pPr marL="228600" indent="0">
-              <a:buNone/>
-              <a:defRPr/>
-            </a:lvl2pPr>
-            <a:lvl3pPr marL="457200" indent="0">
-              <a:buNone/>
-              <a:defRPr/>
-            </a:lvl3pPr>
-            <a:lvl4pPr marL="685800" indent="0">
-              <a:buNone/>
-              <a:defRPr/>
-            </a:lvl4pPr>
-            <a:lvl5pPr marL="914400" indent="0">
-              <a:buNone/>
-              <a:defRPr/>
-            </a:lvl5pPr>
-          </a:lstStyle>
-          <a:p>
-            <a:pPr lvl="0"/>
-            <a:r>
-              <a:rPr lang="en-US"/>
-              <a:t>Edit Master text styles</a:t>
-            </a:r>
-          </a:p>
-          <a:p>
-            <a:pPr lvl="1"/>
-            <a:r>
-              <a:rPr lang="en-US"/>
-              <a:t>Second level</a:t>
-            </a:r>
-          </a:p>
-          <a:p>
-            <a:pPr lvl="2"/>
-            <a:r>
-              <a:rPr lang="en-US"/>
-              <a:t>Third level</a:t>
-            </a:r>
-          </a:p>
-          <a:p>
-            <a:pPr lvl="3"/>
-            <a:r>
-              <a:rPr lang="en-US"/>
-              <a:t>Fourth level</a:t>
-            </a:r>
-          </a:p>
-          <a:p>
-            <a:pPr lvl="4"/>
-            <a:r>
-              <a:rPr lang="en-US"/>
-              <a:t>Fifth level</a:t>
-            </a:r>
-            <a:endParaRPr lang="en-US" dirty="0"/>
-          </a:p>
-        </p:txBody>
-      </p:sp>
-    </p:spTree>
-    <p:extLst>
-      <p:ext uri="{BB962C8B-B14F-4D97-AF65-F5344CB8AC3E}">
-        <p14:creationId xmlns:p14="http://schemas.microsoft.com/office/powerpoint/2010/main" val="1701319586"/>
-      </p:ext>
-    </p:extLst>
-  </p:cSld>
-  <p:clrMapOvr>
-    <a:masterClrMapping/>
-  </p:clrMapOvr>
-  <mc:AlternateContent xmlns:mc="http://schemas.openxmlformats.org/markup-compatibility/2006" xmlns:p14="http://schemas.microsoft.com/office/powerpoint/2010/main">
-    <mc:Choice Requires="p14">
-      <p:transition spd="med" p14:dur="700">
-        <p:fade/>
-      </p:transition>
-    </mc:Choice>
-    <mc:Fallback xmlns="">
-      <p:transition spd="med">
-        <p:fade/>
-      </p:transition>
-    </mc:Fallback>
-  </mc:AlternateContent>
-</p:sldLayout>
-</file>
-
-<file path=ppt/slideLayouts/slideLayout30.xml><?xml version="1.0" encoding="utf-8"?>
+<file path=ppt/slideLayouts/slideLayout32.xml><?xml version="1.0" encoding="utf-8"?>
 <p:sldLayout xmlns:a="http://schemas.openxmlformats.org/drawingml/2006/main" xmlns:r="http://schemas.openxmlformats.org/officeDocument/2006/relationships" xmlns:p="http://schemas.openxmlformats.org/presentationml/2006/main" preserve="1" userDrawn="1">
   <p:cSld name="Section Title Accent Color 1">
     <p:bg>
@@ -6945,7 +7444,7 @@
 </p:sldLayout>
 </file>
 
-<file path=ppt/slideLayouts/slideLayout31.xml><?xml version="1.0" encoding="utf-8"?>
+<file path=ppt/slideLayouts/slideLayout33.xml><?xml version="1.0" encoding="utf-8"?>
 <p:sldLayout xmlns:a="http://schemas.openxmlformats.org/drawingml/2006/main" xmlns:r="http://schemas.openxmlformats.org/officeDocument/2006/relationships" xmlns:p="http://schemas.openxmlformats.org/presentationml/2006/main" preserve="1" userDrawn="1">
   <p:cSld name="Section Title Accent Color 2">
     <p:bg>
@@ -7030,7 +7529,7 @@
 </p:sldLayout>
 </file>
 
-<file path=ppt/slideLayouts/slideLayout32.xml><?xml version="1.0" encoding="utf-8"?>
+<file path=ppt/slideLayouts/slideLayout34.xml><?xml version="1.0" encoding="utf-8"?>
 <p:sldLayout xmlns:a="http://schemas.openxmlformats.org/drawingml/2006/main" xmlns:r="http://schemas.openxmlformats.org/officeDocument/2006/relationships" xmlns:p="http://schemas.openxmlformats.org/presentationml/2006/main" preserve="1" userDrawn="1">
   <p:cSld name="Section Title Accent Color 3">
     <p:bg>
@@ -7115,7 +7614,7 @@
 </p:sldLayout>
 </file>
 
-<file path=ppt/slideLayouts/slideLayout33.xml><?xml version="1.0" encoding="utf-8"?>
+<file path=ppt/slideLayouts/slideLayout35.xml><?xml version="1.0" encoding="utf-8"?>
 <p:sldLayout xmlns:a="http://schemas.openxmlformats.org/drawingml/2006/main" xmlns:r="http://schemas.openxmlformats.org/officeDocument/2006/relationships" xmlns:p="http://schemas.openxmlformats.org/presentationml/2006/main" preserve="1" userDrawn="1">
   <p:cSld name="Title &amp; 2-color Non-bulleted text">
     <p:spTree>
@@ -7262,7 +7761,7 @@
 </p:sldLayout>
 </file>
 
-<file path=ppt/slideLayouts/slideLayout34.xml><?xml version="1.0" encoding="utf-8"?>
+<file path=ppt/slideLayouts/slideLayout36.xml><?xml version="1.0" encoding="utf-8"?>
 <p:sldLayout xmlns:a="http://schemas.openxmlformats.org/drawingml/2006/main" xmlns:r="http://schemas.openxmlformats.org/officeDocument/2006/relationships" xmlns:p="http://schemas.openxmlformats.org/presentationml/2006/main" preserve="1" userDrawn="1">
   <p:cSld name="Title &amp; Non-bulleted text">
     <p:spTree>
@@ -7409,7 +7908,7 @@
 </p:sldLayout>
 </file>
 
-<file path=ppt/slideLayouts/slideLayout35.xml><?xml version="1.0" encoding="utf-8"?>
+<file path=ppt/slideLayouts/slideLayout37.xml><?xml version="1.0" encoding="utf-8"?>
 <p:sldLayout xmlns:a="http://schemas.openxmlformats.org/drawingml/2006/main" xmlns:r="http://schemas.openxmlformats.org/officeDocument/2006/relationships" xmlns:p="http://schemas.openxmlformats.org/presentationml/2006/main" preserve="1" userDrawn="1">
   <p:cSld name="Title and Content">
     <p:spTree>
@@ -7523,7 +8022,7 @@
 </p:sldLayout>
 </file>
 
-<file path=ppt/slideLayouts/slideLayout36.xml><?xml version="1.0" encoding="utf-8"?>
+<file path=ppt/slideLayouts/slideLayout38.xml><?xml version="1.0" encoding="utf-8"?>
 <p:sldLayout xmlns:a="http://schemas.openxmlformats.org/drawingml/2006/main" xmlns:r="http://schemas.openxmlformats.org/officeDocument/2006/relationships" xmlns:p="http://schemas.openxmlformats.org/presentationml/2006/main" preserve="1" userDrawn="1">
   <p:cSld name="Title and Content 1st level color text">
     <p:spTree>
@@ -7653,7 +8152,7 @@
 </p:sldLayout>
 </file>
 
-<file path=ppt/slideLayouts/slideLayout37.xml><?xml version="1.0" encoding="utf-8"?>
+<file path=ppt/slideLayouts/slideLayout39.xml><?xml version="1.0" encoding="utf-8"?>
 <p:sldLayout xmlns:a="http://schemas.openxmlformats.org/drawingml/2006/main" xmlns:r="http://schemas.openxmlformats.org/officeDocument/2006/relationships" xmlns:p="http://schemas.openxmlformats.org/presentationml/2006/main" preserve="1" userDrawn="1">
   <p:cSld name="Two Column 2-color Non-bulleted">
     <p:spTree>
@@ -7911,7 +8410,129 @@
 </p:sldLayout>
 </file>
 
-<file path=ppt/slideLayouts/slideLayout38.xml><?xml version="1.0" encoding="utf-8"?>
+<file path=ppt/slideLayouts/slideLayout4.xml><?xml version="1.0" encoding="utf-8"?>
+<p:sldLayout xmlns:a="http://schemas.openxmlformats.org/drawingml/2006/main" xmlns:r="http://schemas.openxmlformats.org/officeDocument/2006/relationships" xmlns:p="http://schemas.openxmlformats.org/presentationml/2006/main" preserve="1" userDrawn="1">
+  <p:cSld name="Title and Content">
+    <p:spTree>
+      <p:nvGrpSpPr>
+        <p:cNvPr id="1" name=""/>
+        <p:cNvGrpSpPr/>
+        <p:nvPr/>
+      </p:nvGrpSpPr>
+      <p:grpSpPr>
+        <a:xfrm>
+          <a:off x="0" y="0"/>
+          <a:ext cx="0" cy="0"/>
+          <a:chOff x="0" y="0"/>
+          <a:chExt cx="0" cy="0"/>
+        </a:xfrm>
+      </p:grpSpPr>
+      <p:sp>
+        <p:nvSpPr>
+          <p:cNvPr id="6" name="Title 5"/>
+          <p:cNvSpPr>
+            <a:spLocks noGrp="1"/>
+          </p:cNvSpPr>
+          <p:nvPr>
+            <p:ph type="title"/>
+          </p:nvPr>
+        </p:nvSpPr>
+        <p:spPr/>
+        <p:txBody>
+          <a:bodyPr/>
+          <a:lstStyle/>
+          <a:p>
+            <a:r>
+              <a:rPr lang="en-US"/>
+              <a:t>Click to edit Master title style</a:t>
+            </a:r>
+            <a:endParaRPr lang="en-US" dirty="0"/>
+          </a:p>
+        </p:txBody>
+      </p:sp>
+      <p:sp>
+        <p:nvSpPr>
+          <p:cNvPr id="3" name="Text Placeholder 2"/>
+          <p:cNvSpPr>
+            <a:spLocks noGrp="1"/>
+          </p:cNvSpPr>
+          <p:nvPr>
+            <p:ph type="body" sz="quarter" idx="10"/>
+          </p:nvPr>
+        </p:nvSpPr>
+        <p:spPr>
+          <a:xfrm>
+            <a:off x="274702" y="1211287"/>
+            <a:ext cx="11888787" cy="5484813"/>
+          </a:xfrm>
+        </p:spPr>
+        <p:txBody>
+          <a:bodyPr/>
+          <a:lstStyle/>
+          <a:p>
+            <a:pPr lvl="0"/>
+            <a:r>
+              <a:rPr lang="en-US"/>
+              <a:t>Edit Master text styles</a:t>
+            </a:r>
+          </a:p>
+          <a:p>
+            <a:pPr lvl="1"/>
+            <a:r>
+              <a:rPr lang="en-US"/>
+              <a:t>Second level</a:t>
+            </a:r>
+          </a:p>
+          <a:p>
+            <a:pPr lvl="2"/>
+            <a:r>
+              <a:rPr lang="en-US"/>
+              <a:t>Third level</a:t>
+            </a:r>
+          </a:p>
+          <a:p>
+            <a:pPr lvl="3"/>
+            <a:r>
+              <a:rPr lang="en-US"/>
+              <a:t>Fourth level</a:t>
+            </a:r>
+          </a:p>
+          <a:p>
+            <a:pPr lvl="4"/>
+            <a:r>
+              <a:rPr lang="en-US"/>
+              <a:t>Fifth level</a:t>
+            </a:r>
+            <a:endParaRPr lang="en-US" dirty="0"/>
+          </a:p>
+        </p:txBody>
+      </p:sp>
+    </p:spTree>
+    <p:extLst>
+      <p:ext uri="{BB962C8B-B14F-4D97-AF65-F5344CB8AC3E}">
+        <p14:creationId xmlns:p14="http://schemas.microsoft.com/office/powerpoint/2010/main" val="1585784415"/>
+      </p:ext>
+    </p:extLst>
+  </p:cSld>
+  <p:clrMapOvr>
+    <a:masterClrMapping/>
+  </p:clrMapOvr>
+  <mc:AlternateContent xmlns:mc="http://schemas.openxmlformats.org/markup-compatibility/2006" xmlns:p14="http://schemas.microsoft.com/office/powerpoint/2010/main">
+    <mc:Choice Requires="p14">
+      <p:transition spd="med" p14:dur="700">
+        <p:fade/>
+      </p:transition>
+    </mc:Choice>
+    <mc:Fallback xmlns="">
+      <p:transition spd="med">
+        <p:fade/>
+      </p:transition>
+    </mc:Fallback>
+  </mc:AlternateContent>
+</p:sldLayout>
+</file>
+
+<file path=ppt/slideLayouts/slideLayout40.xml><?xml version="1.0" encoding="utf-8"?>
 <p:sldLayout xmlns:a="http://schemas.openxmlformats.org/drawingml/2006/main" xmlns:r="http://schemas.openxmlformats.org/officeDocument/2006/relationships" xmlns:p="http://schemas.openxmlformats.org/presentationml/2006/main" preserve="1" userDrawn="1">
   <p:cSld name="Two Column Non-bulleted text">
     <p:spTree>
@@ -8145,7 +8766,7 @@
 </p:sldLayout>
 </file>
 
-<file path=ppt/slideLayouts/slideLayout39.xml><?xml version="1.0" encoding="utf-8"?>
+<file path=ppt/slideLayouts/slideLayout41.xml><?xml version="1.0" encoding="utf-8"?>
 <p:sldLayout xmlns:a="http://schemas.openxmlformats.org/drawingml/2006/main" xmlns:r="http://schemas.openxmlformats.org/officeDocument/2006/relationships" xmlns:p="http://schemas.openxmlformats.org/presentationml/2006/main" preserve="1" userDrawn="1">
   <p:cSld name="Two Column Bullet text">
     <p:spTree>
@@ -8371,129 +8992,7 @@
 </p:sldLayout>
 </file>
 
-<file path=ppt/slideLayouts/slideLayout4.xml><?xml version="1.0" encoding="utf-8"?>
-<p:sldLayout xmlns:a="http://schemas.openxmlformats.org/drawingml/2006/main" xmlns:r="http://schemas.openxmlformats.org/officeDocument/2006/relationships" xmlns:p="http://schemas.openxmlformats.org/presentationml/2006/main" preserve="1" userDrawn="1">
-  <p:cSld name="Title and Content">
-    <p:spTree>
-      <p:nvGrpSpPr>
-        <p:cNvPr id="1" name=""/>
-        <p:cNvGrpSpPr/>
-        <p:nvPr/>
-      </p:nvGrpSpPr>
-      <p:grpSpPr>
-        <a:xfrm>
-          <a:off x="0" y="0"/>
-          <a:ext cx="0" cy="0"/>
-          <a:chOff x="0" y="0"/>
-          <a:chExt cx="0" cy="0"/>
-        </a:xfrm>
-      </p:grpSpPr>
-      <p:sp>
-        <p:nvSpPr>
-          <p:cNvPr id="6" name="Title 5"/>
-          <p:cNvSpPr>
-            <a:spLocks noGrp="1"/>
-          </p:cNvSpPr>
-          <p:nvPr>
-            <p:ph type="title"/>
-          </p:nvPr>
-        </p:nvSpPr>
-        <p:spPr/>
-        <p:txBody>
-          <a:bodyPr/>
-          <a:lstStyle/>
-          <a:p>
-            <a:r>
-              <a:rPr lang="en-US"/>
-              <a:t>Click to edit Master title style</a:t>
-            </a:r>
-            <a:endParaRPr lang="en-US" dirty="0"/>
-          </a:p>
-        </p:txBody>
-      </p:sp>
-      <p:sp>
-        <p:nvSpPr>
-          <p:cNvPr id="3" name="Text Placeholder 2"/>
-          <p:cNvSpPr>
-            <a:spLocks noGrp="1"/>
-          </p:cNvSpPr>
-          <p:nvPr>
-            <p:ph type="body" sz="quarter" idx="10"/>
-          </p:nvPr>
-        </p:nvSpPr>
-        <p:spPr>
-          <a:xfrm>
-            <a:off x="274702" y="1211287"/>
-            <a:ext cx="11888787" cy="5484813"/>
-          </a:xfrm>
-        </p:spPr>
-        <p:txBody>
-          <a:bodyPr/>
-          <a:lstStyle/>
-          <a:p>
-            <a:pPr lvl="0"/>
-            <a:r>
-              <a:rPr lang="en-US"/>
-              <a:t>Edit Master text styles</a:t>
-            </a:r>
-          </a:p>
-          <a:p>
-            <a:pPr lvl="1"/>
-            <a:r>
-              <a:rPr lang="en-US"/>
-              <a:t>Second level</a:t>
-            </a:r>
-          </a:p>
-          <a:p>
-            <a:pPr lvl="2"/>
-            <a:r>
-              <a:rPr lang="en-US"/>
-              <a:t>Third level</a:t>
-            </a:r>
-          </a:p>
-          <a:p>
-            <a:pPr lvl="3"/>
-            <a:r>
-              <a:rPr lang="en-US"/>
-              <a:t>Fourth level</a:t>
-            </a:r>
-          </a:p>
-          <a:p>
-            <a:pPr lvl="4"/>
-            <a:r>
-              <a:rPr lang="en-US"/>
-              <a:t>Fifth level</a:t>
-            </a:r>
-            <a:endParaRPr lang="en-US" dirty="0"/>
-          </a:p>
-        </p:txBody>
-      </p:sp>
-    </p:spTree>
-    <p:extLst>
-      <p:ext uri="{BB962C8B-B14F-4D97-AF65-F5344CB8AC3E}">
-        <p14:creationId xmlns:p14="http://schemas.microsoft.com/office/powerpoint/2010/main" val="1585784415"/>
-      </p:ext>
-    </p:extLst>
-  </p:cSld>
-  <p:clrMapOvr>
-    <a:masterClrMapping/>
-  </p:clrMapOvr>
-  <mc:AlternateContent xmlns:mc="http://schemas.openxmlformats.org/markup-compatibility/2006" xmlns:p14="http://schemas.microsoft.com/office/powerpoint/2010/main">
-    <mc:Choice Requires="p14">
-      <p:transition spd="med" p14:dur="700">
-        <p:fade/>
-      </p:transition>
-    </mc:Choice>
-    <mc:Fallback xmlns="">
-      <p:transition spd="med">
-        <p:fade/>
-      </p:transition>
-    </mc:Fallback>
-  </mc:AlternateContent>
-</p:sldLayout>
-</file>
-
-<file path=ppt/slideLayouts/slideLayout40.xml><?xml version="1.0" encoding="utf-8"?>
+<file path=ppt/slideLayouts/slideLayout42.xml><?xml version="1.0" encoding="utf-8"?>
 <p:sldLayout xmlns:a="http://schemas.openxmlformats.org/drawingml/2006/main" xmlns:r="http://schemas.openxmlformats.org/officeDocument/2006/relationships" xmlns:p="http://schemas.openxmlformats.org/presentationml/2006/main" preserve="1" userDrawn="1">
   <p:cSld name="Two Column Bullet text 1st level color">
     <p:spTree>
@@ -8743,7 +9242,7 @@
 </p:sldLayout>
 </file>
 
-<file path=ppt/slideLayouts/slideLayout41.xml><?xml version="1.0" encoding="utf-8"?>
+<file path=ppt/slideLayouts/slideLayout43.xml><?xml version="1.0" encoding="utf-8"?>
 <p:sldLayout xmlns:a="http://schemas.openxmlformats.org/drawingml/2006/main" xmlns:r="http://schemas.openxmlformats.org/officeDocument/2006/relationships" xmlns:p="http://schemas.openxmlformats.org/presentationml/2006/main" preserve="1" userDrawn="1">
   <p:cSld name="Title Only">
     <p:spTree>
@@ -8798,7 +9297,7 @@
 </p:sldLayout>
 </file>
 
-<file path=ppt/slideLayouts/slideLayout42.xml><?xml version="1.0" encoding="utf-8"?>
+<file path=ppt/slideLayouts/slideLayout44.xml><?xml version="1.0" encoding="utf-8"?>
 <p:sldLayout xmlns:a="http://schemas.openxmlformats.org/drawingml/2006/main" xmlns:r="http://schemas.openxmlformats.org/officeDocument/2006/relationships" xmlns:p="http://schemas.openxmlformats.org/presentationml/2006/main" preserve="1" userDrawn="1">
   <p:cSld name="Blank">
     <p:spTree>
@@ -8831,7 +9330,7 @@
 </p:sldLayout>
 </file>
 
-<file path=ppt/slideLayouts/slideLayout43.xml><?xml version="1.0" encoding="utf-8"?>
+<file path=ppt/slideLayouts/slideLayout45.xml><?xml version="1.0" encoding="utf-8"?>
 <p:sldLayout xmlns:a="http://schemas.openxmlformats.org/drawingml/2006/main" xmlns:r="http://schemas.openxmlformats.org/officeDocument/2006/relationships" xmlns:p="http://schemas.openxmlformats.org/presentationml/2006/main" preserve="1" userDrawn="1">
   <p:cSld name="Blank Accent Color 1">
     <p:bg>
@@ -8872,7 +9371,7 @@
 </p:sldLayout>
 </file>
 
-<file path=ppt/slideLayouts/slideLayout44.xml><?xml version="1.0" encoding="utf-8"?>
+<file path=ppt/slideLayouts/slideLayout46.xml><?xml version="1.0" encoding="utf-8"?>
 <p:sldLayout xmlns:a="http://schemas.openxmlformats.org/drawingml/2006/main" xmlns:r="http://schemas.openxmlformats.org/officeDocument/2006/relationships" xmlns:p="http://schemas.openxmlformats.org/presentationml/2006/main" preserve="1" userDrawn="1">
   <p:cSld name="Blank Accent Color 2">
     <p:bg>
@@ -8913,7 +9412,7 @@
 </p:sldLayout>
 </file>
 
-<file path=ppt/slideLayouts/slideLayout45.xml><?xml version="1.0" encoding="utf-8"?>
+<file path=ppt/slideLayouts/slideLayout47.xml><?xml version="1.0" encoding="utf-8"?>
 <p:sldLayout xmlns:a="http://schemas.openxmlformats.org/drawingml/2006/main" xmlns:r="http://schemas.openxmlformats.org/officeDocument/2006/relationships" xmlns:p="http://schemas.openxmlformats.org/presentationml/2006/main" preserve="1" userDrawn="1">
   <p:cSld name="Blank Accent Color 3">
     <p:bg>
@@ -8954,7 +9453,7 @@
 </p:sldLayout>
 </file>
 
-<file path=ppt/slideLayouts/slideLayout46.xml><?xml version="1.0" encoding="utf-8"?>
+<file path=ppt/slideLayouts/slideLayout48.xml><?xml version="1.0" encoding="utf-8"?>
 <p:sldLayout xmlns:a="http://schemas.openxmlformats.org/drawingml/2006/main" xmlns:r="http://schemas.openxmlformats.org/officeDocument/2006/relationships" xmlns:p="http://schemas.openxmlformats.org/presentationml/2006/main" preserve="1" userDrawn="1">
   <p:cSld name="Developer Code Layout">
     <p:spTree>
@@ -9234,7 +9733,7 @@
 </p:sldLayout>
 </file>
 
-<file path=ppt/slideLayouts/slideLayout47.xml><?xml version="1.0" encoding="utf-8"?>
+<file path=ppt/slideLayouts/slideLayout49.xml><?xml version="1.0" encoding="utf-8"?>
 <p:sldLayout xmlns:a="http://schemas.openxmlformats.org/drawingml/2006/main" xmlns:r="http://schemas.openxmlformats.org/officeDocument/2006/relationships" xmlns:p="http://schemas.openxmlformats.org/presentationml/2006/main" preserve="1" userDrawn="1">
   <p:cSld name="Black Notes slide Layout">
     <p:bg bwMode="black">
@@ -9555,7 +10054,410 @@
 </p:sldLayout>
 </file>
 
-<file path=ppt/slideLayouts/slideLayout48.xml><?xml version="1.0" encoding="utf-8"?>
+<file path=ppt/slideLayouts/slideLayout5.xml><?xml version="1.0" encoding="utf-8"?>
+<p:sldLayout xmlns:a="http://schemas.openxmlformats.org/drawingml/2006/main" xmlns:r="http://schemas.openxmlformats.org/officeDocument/2006/relationships" xmlns:p="http://schemas.openxmlformats.org/presentationml/2006/main" preserve="1" userDrawn="1">
+  <p:cSld name="Two Column Non-bulleted text">
+    <p:spTree>
+      <p:nvGrpSpPr>
+        <p:cNvPr id="1" name=""/>
+        <p:cNvGrpSpPr/>
+        <p:nvPr/>
+      </p:nvGrpSpPr>
+      <p:grpSpPr>
+        <a:xfrm>
+          <a:off x="0" y="0"/>
+          <a:ext cx="0" cy="0"/>
+          <a:chOff x="0" y="0"/>
+          <a:chExt cx="0" cy="0"/>
+        </a:xfrm>
+      </p:grpSpPr>
+      <p:sp>
+        <p:nvSpPr>
+          <p:cNvPr id="2" name="Title 1"/>
+          <p:cNvSpPr>
+            <a:spLocks noGrp="1"/>
+          </p:cNvSpPr>
+          <p:nvPr>
+            <p:ph type="title"/>
+          </p:nvPr>
+        </p:nvSpPr>
+        <p:spPr/>
+        <p:txBody>
+          <a:bodyPr/>
+          <a:lstStyle/>
+          <a:p>
+            <a:r>
+              <a:rPr lang="en-US"/>
+              <a:t>Click to edit Master title style</a:t>
+            </a:r>
+            <a:endParaRPr lang="en-US" dirty="0"/>
+          </a:p>
+        </p:txBody>
+      </p:sp>
+      <p:sp>
+        <p:nvSpPr>
+          <p:cNvPr id="4" name="Text Placeholder 3"/>
+          <p:cNvSpPr>
+            <a:spLocks noGrp="1"/>
+          </p:cNvSpPr>
+          <p:nvPr>
+            <p:ph type="body" sz="quarter" idx="10"/>
+          </p:nvPr>
+        </p:nvSpPr>
+        <p:spPr>
+          <a:xfrm>
+            <a:off x="274639" y="1211287"/>
+            <a:ext cx="5486399" cy="2157514"/>
+          </a:xfrm>
+        </p:spPr>
+        <p:txBody>
+          <a:bodyPr wrap="square">
+            <a:spAutoFit/>
+          </a:bodyPr>
+          <a:lstStyle>
+            <a:lvl1pPr marL="0" indent="0">
+              <a:spcBef>
+                <a:spcPts val="1224"/>
+              </a:spcBef>
+              <a:buClr>
+                <a:schemeClr val="tx1"/>
+              </a:buClr>
+              <a:buFont typeface="Wingdings" panose="05000000000000000000" pitchFamily="2" charset="2"/>
+              <a:buNone/>
+              <a:defRPr sz="3000" b="0">
+                <a:latin typeface="+mn-lt"/>
+              </a:defRPr>
+            </a:lvl1pPr>
+            <a:lvl2pPr marL="255588" indent="0">
+              <a:buFont typeface="Wingdings" panose="05000000000000000000" pitchFamily="2" charset="2"/>
+              <a:buNone/>
+              <a:defRPr sz="2400" b="0"/>
+            </a:lvl2pPr>
+            <a:lvl3pPr marL="450850" indent="0">
+              <a:buFont typeface="Wingdings" panose="05000000000000000000" pitchFamily="2" charset="2"/>
+              <a:buNone/>
+              <a:tabLst/>
+              <a:defRPr sz="2200" b="0"/>
+            </a:lvl3pPr>
+            <a:lvl4pPr marL="652462" indent="0">
+              <a:buFont typeface="Wingdings" panose="05000000000000000000" pitchFamily="2" charset="2"/>
+              <a:buNone/>
+              <a:defRPr sz="2200" b="0"/>
+            </a:lvl4pPr>
+            <a:lvl5pPr marL="854075" indent="0">
+              <a:buFont typeface="Wingdings" panose="05000000000000000000" pitchFamily="2" charset="2"/>
+              <a:buNone/>
+              <a:tabLst/>
+              <a:defRPr sz="2200" b="0"/>
+            </a:lvl5pPr>
+          </a:lstStyle>
+          <a:p>
+            <a:pPr lvl="0"/>
+            <a:r>
+              <a:rPr lang="en-US"/>
+              <a:t>Edit Master text styles</a:t>
+            </a:r>
+          </a:p>
+          <a:p>
+            <a:pPr lvl="1"/>
+            <a:r>
+              <a:rPr lang="en-US"/>
+              <a:t>Second level</a:t>
+            </a:r>
+          </a:p>
+          <a:p>
+            <a:pPr lvl="2"/>
+            <a:r>
+              <a:rPr lang="en-US"/>
+              <a:t>Third level</a:t>
+            </a:r>
+          </a:p>
+          <a:p>
+            <a:pPr lvl="3"/>
+            <a:r>
+              <a:rPr lang="en-US"/>
+              <a:t>Fourth level</a:t>
+            </a:r>
+          </a:p>
+          <a:p>
+            <a:pPr lvl="4"/>
+            <a:r>
+              <a:rPr lang="en-US"/>
+              <a:t>Fifth level</a:t>
+            </a:r>
+            <a:endParaRPr lang="en-US" dirty="0"/>
+          </a:p>
+        </p:txBody>
+      </p:sp>
+      <p:sp>
+        <p:nvSpPr>
+          <p:cNvPr id="5" name="Text Placeholder 3"/>
+          <p:cNvSpPr>
+            <a:spLocks noGrp="1"/>
+          </p:cNvSpPr>
+          <p:nvPr>
+            <p:ph type="body" sz="quarter" idx="11"/>
+          </p:nvPr>
+        </p:nvSpPr>
+        <p:spPr>
+          <a:xfrm>
+            <a:off x="6675439" y="1211287"/>
+            <a:ext cx="5486399" cy="2123658"/>
+          </a:xfrm>
+        </p:spPr>
+        <p:txBody>
+          <a:bodyPr wrap="square">
+            <a:spAutoFit/>
+          </a:bodyPr>
+          <a:lstStyle>
+            <a:lvl1pPr marL="0" indent="0">
+              <a:spcBef>
+                <a:spcPts val="1224"/>
+              </a:spcBef>
+              <a:buClr>
+                <a:schemeClr val="tx1"/>
+              </a:buClr>
+              <a:buFont typeface="Arial" panose="020B0604020202020204" pitchFamily="34" charset="0"/>
+              <a:buNone/>
+              <a:defRPr lang="en-US" sz="3000" b="0" kern="1200" spc="0" baseline="0" dirty="0">
+                <a:gradFill>
+                  <a:gsLst>
+                    <a:gs pos="1250">
+                      <a:schemeClr val="tx1"/>
+                    </a:gs>
+                    <a:gs pos="100000">
+                      <a:schemeClr val="tx1"/>
+                    </a:gs>
+                  </a:gsLst>
+                  <a:lin ang="5400000" scaled="0"/>
+                </a:gradFill>
+                <a:latin typeface="+mn-lt"/>
+                <a:ea typeface="+mn-ea"/>
+                <a:cs typeface="+mn-cs"/>
+              </a:defRPr>
+            </a:lvl1pPr>
+            <a:lvl2pPr marL="255588" indent="0">
+              <a:buFont typeface="Arial" panose="020B0604020202020204" pitchFamily="34" charset="0"/>
+              <a:buNone/>
+              <a:defRPr lang="en-US" sz="2400" b="0" kern="1200" spc="0" baseline="0" dirty="0">
+                <a:gradFill>
+                  <a:gsLst>
+                    <a:gs pos="1250">
+                      <a:schemeClr val="tx1"/>
+                    </a:gs>
+                    <a:gs pos="100000">
+                      <a:schemeClr val="tx1"/>
+                    </a:gs>
+                  </a:gsLst>
+                  <a:lin ang="5400000" scaled="0"/>
+                </a:gradFill>
+                <a:latin typeface="+mn-lt"/>
+                <a:ea typeface="+mn-ea"/>
+                <a:cs typeface="+mn-cs"/>
+              </a:defRPr>
+            </a:lvl2pPr>
+            <a:lvl3pPr marL="450850" indent="0">
+              <a:buFont typeface="Arial" panose="020B0604020202020204" pitchFamily="34" charset="0"/>
+              <a:buNone/>
+              <a:tabLst/>
+              <a:defRPr lang="en-US" sz="2200" b="0" kern="1200" spc="0" baseline="0" dirty="0">
+                <a:gradFill>
+                  <a:gsLst>
+                    <a:gs pos="1250">
+                      <a:schemeClr val="tx1"/>
+                    </a:gs>
+                    <a:gs pos="100000">
+                      <a:schemeClr val="tx1"/>
+                    </a:gs>
+                  </a:gsLst>
+                  <a:lin ang="5400000" scaled="0"/>
+                </a:gradFill>
+                <a:latin typeface="+mn-lt"/>
+                <a:ea typeface="+mn-ea"/>
+                <a:cs typeface="+mn-cs"/>
+              </a:defRPr>
+            </a:lvl3pPr>
+            <a:lvl4pPr marL="652462" indent="0">
+              <a:buFont typeface="Arial" panose="020B0604020202020204" pitchFamily="34" charset="0"/>
+              <a:buNone/>
+              <a:defRPr lang="en-US" sz="2200" b="0" kern="1200" spc="0" baseline="0" dirty="0">
+                <a:gradFill>
+                  <a:gsLst>
+                    <a:gs pos="1250">
+                      <a:schemeClr val="tx1"/>
+                    </a:gs>
+                    <a:gs pos="100000">
+                      <a:schemeClr val="tx1"/>
+                    </a:gs>
+                  </a:gsLst>
+                  <a:lin ang="5400000" scaled="0"/>
+                </a:gradFill>
+                <a:latin typeface="+mn-lt"/>
+                <a:ea typeface="+mn-ea"/>
+                <a:cs typeface="+mn-cs"/>
+              </a:defRPr>
+            </a:lvl4pPr>
+            <a:lvl5pPr marL="854075" indent="0">
+              <a:buFont typeface="Arial" panose="020B0604020202020204" pitchFamily="34" charset="0"/>
+              <a:buNone/>
+              <a:tabLst/>
+              <a:defRPr lang="en-US" sz="2200" b="0" kern="1200" spc="0" baseline="0" dirty="0">
+                <a:gradFill>
+                  <a:gsLst>
+                    <a:gs pos="1250">
+                      <a:schemeClr val="tx1"/>
+                    </a:gs>
+                    <a:gs pos="100000">
+                      <a:schemeClr val="tx1"/>
+                    </a:gs>
+                  </a:gsLst>
+                  <a:lin ang="5400000" scaled="0"/>
+                </a:gradFill>
+                <a:latin typeface="+mn-lt"/>
+                <a:ea typeface="+mn-ea"/>
+                <a:cs typeface="+mn-cs"/>
+              </a:defRPr>
+            </a:lvl5pPr>
+          </a:lstStyle>
+          <a:p>
+            <a:pPr marL="514350" marR="0" lvl="0" indent="-514350" algn="l" defTabSz="932742" rtl="0" eaLnBrk="1" fontAlgn="auto" latinLnBrk="0" hangingPunct="1">
+              <a:lnSpc>
+                <a:spcPct val="90000"/>
+              </a:lnSpc>
+              <a:spcBef>
+                <a:spcPts val="1224"/>
+              </a:spcBef>
+              <a:spcAft>
+                <a:spcPts val="0"/>
+              </a:spcAft>
+              <a:buClr>
+                <a:schemeClr val="tx1"/>
+              </a:buClr>
+              <a:buSzPct val="90000"/>
+              <a:tabLst/>
+            </a:pPr>
+            <a:r>
+              <a:rPr lang="en-US"/>
+              <a:t>Edit Master text styles</a:t>
+            </a:r>
+          </a:p>
+          <a:p>
+            <a:pPr marL="514350" marR="0" lvl="1" indent="-514350" algn="l" defTabSz="932742" rtl="0" eaLnBrk="1" fontAlgn="auto" latinLnBrk="0" hangingPunct="1">
+              <a:lnSpc>
+                <a:spcPct val="90000"/>
+              </a:lnSpc>
+              <a:spcBef>
+                <a:spcPts val="1224"/>
+              </a:spcBef>
+              <a:spcAft>
+                <a:spcPts val="0"/>
+              </a:spcAft>
+              <a:buClr>
+                <a:schemeClr val="tx1"/>
+              </a:buClr>
+              <a:buSzPct val="90000"/>
+              <a:tabLst/>
+            </a:pPr>
+            <a:r>
+              <a:rPr lang="en-US"/>
+              <a:t>Second level</a:t>
+            </a:r>
+          </a:p>
+          <a:p>
+            <a:pPr marL="514350" marR="0" lvl="2" indent="-514350" algn="l" defTabSz="932742" rtl="0" eaLnBrk="1" fontAlgn="auto" latinLnBrk="0" hangingPunct="1">
+              <a:lnSpc>
+                <a:spcPct val="90000"/>
+              </a:lnSpc>
+              <a:spcBef>
+                <a:spcPts val="1224"/>
+              </a:spcBef>
+              <a:spcAft>
+                <a:spcPts val="0"/>
+              </a:spcAft>
+              <a:buClr>
+                <a:schemeClr val="tx1"/>
+              </a:buClr>
+              <a:buSzPct val="90000"/>
+              <a:tabLst/>
+            </a:pPr>
+            <a:r>
+              <a:rPr lang="en-US"/>
+              <a:t>Third level</a:t>
+            </a:r>
+          </a:p>
+          <a:p>
+            <a:pPr marL="514350" marR="0" lvl="3" indent="-514350" algn="l" defTabSz="932742" rtl="0" eaLnBrk="1" fontAlgn="auto" latinLnBrk="0" hangingPunct="1">
+              <a:lnSpc>
+                <a:spcPct val="90000"/>
+              </a:lnSpc>
+              <a:spcBef>
+                <a:spcPts val="1224"/>
+              </a:spcBef>
+              <a:spcAft>
+                <a:spcPts val="0"/>
+              </a:spcAft>
+              <a:buClr>
+                <a:schemeClr val="tx1"/>
+              </a:buClr>
+              <a:buSzPct val="90000"/>
+              <a:tabLst/>
+            </a:pPr>
+            <a:r>
+              <a:rPr lang="en-US"/>
+              <a:t>Fourth level</a:t>
+            </a:r>
+          </a:p>
+          <a:p>
+            <a:pPr marL="514350" marR="0" lvl="4" indent="-514350" algn="l" defTabSz="932742" rtl="0" eaLnBrk="1" fontAlgn="auto" latinLnBrk="0" hangingPunct="1">
+              <a:lnSpc>
+                <a:spcPct val="90000"/>
+              </a:lnSpc>
+              <a:spcBef>
+                <a:spcPts val="1224"/>
+              </a:spcBef>
+              <a:spcAft>
+                <a:spcPts val="0"/>
+              </a:spcAft>
+              <a:buClr>
+                <a:schemeClr val="tx1"/>
+              </a:buClr>
+              <a:buSzPct val="90000"/>
+              <a:tabLst/>
+            </a:pPr>
+            <a:r>
+              <a:rPr lang="en-US"/>
+              <a:t>Fifth level</a:t>
+            </a:r>
+            <a:endParaRPr lang="en-US" dirty="0"/>
+          </a:p>
+        </p:txBody>
+      </p:sp>
+    </p:spTree>
+    <p:extLst>
+      <p:ext uri="{BB962C8B-B14F-4D97-AF65-F5344CB8AC3E}">
+        <p14:creationId xmlns:p14="http://schemas.microsoft.com/office/powerpoint/2010/main" val="2886365969"/>
+      </p:ext>
+    </p:extLst>
+  </p:cSld>
+  <p:clrMapOvr>
+    <a:masterClrMapping/>
+  </p:clrMapOvr>
+  <mc:AlternateContent xmlns:mc="http://schemas.openxmlformats.org/markup-compatibility/2006" xmlns:p14="http://schemas.microsoft.com/office/powerpoint/2010/main">
+    <mc:Choice Requires="p14">
+      <p:transition spd="med" p14:dur="700">
+        <p:fade/>
+      </p:transition>
+    </mc:Choice>
+    <mc:Fallback xmlns="">
+      <p:transition spd="med">
+        <p:fade/>
+      </p:transition>
+    </mc:Fallback>
+  </mc:AlternateContent>
+</p:sldLayout>
+</file>
+
+<file path=ppt/slideLayouts/slideLayout50.xml><?xml version="1.0" encoding="utf-8"?>
 <p:sldLayout xmlns:a="http://schemas.openxmlformats.org/drawingml/2006/main" xmlns:r="http://schemas.openxmlformats.org/officeDocument/2006/relationships" xmlns:p="http://schemas.openxmlformats.org/presentationml/2006/main" type="twoObj">
   <p:cSld name="Two Content">
     <p:spTree>
@@ -9839,409 +10741,6 @@
   <p:clrMapOvr>
     <a:masterClrMapping/>
   </p:clrMapOvr>
-</p:sldLayout>
-</file>
-
-<file path=ppt/slideLayouts/slideLayout5.xml><?xml version="1.0" encoding="utf-8"?>
-<p:sldLayout xmlns:a="http://schemas.openxmlformats.org/drawingml/2006/main" xmlns:r="http://schemas.openxmlformats.org/officeDocument/2006/relationships" xmlns:p="http://schemas.openxmlformats.org/presentationml/2006/main" preserve="1" userDrawn="1">
-  <p:cSld name="Two Column Non-bulleted text">
-    <p:spTree>
-      <p:nvGrpSpPr>
-        <p:cNvPr id="1" name=""/>
-        <p:cNvGrpSpPr/>
-        <p:nvPr/>
-      </p:nvGrpSpPr>
-      <p:grpSpPr>
-        <a:xfrm>
-          <a:off x="0" y="0"/>
-          <a:ext cx="0" cy="0"/>
-          <a:chOff x="0" y="0"/>
-          <a:chExt cx="0" cy="0"/>
-        </a:xfrm>
-      </p:grpSpPr>
-      <p:sp>
-        <p:nvSpPr>
-          <p:cNvPr id="2" name="Title 1"/>
-          <p:cNvSpPr>
-            <a:spLocks noGrp="1"/>
-          </p:cNvSpPr>
-          <p:nvPr>
-            <p:ph type="title"/>
-          </p:nvPr>
-        </p:nvSpPr>
-        <p:spPr/>
-        <p:txBody>
-          <a:bodyPr/>
-          <a:lstStyle/>
-          <a:p>
-            <a:r>
-              <a:rPr lang="en-US"/>
-              <a:t>Click to edit Master title style</a:t>
-            </a:r>
-            <a:endParaRPr lang="en-US" dirty="0"/>
-          </a:p>
-        </p:txBody>
-      </p:sp>
-      <p:sp>
-        <p:nvSpPr>
-          <p:cNvPr id="4" name="Text Placeholder 3"/>
-          <p:cNvSpPr>
-            <a:spLocks noGrp="1"/>
-          </p:cNvSpPr>
-          <p:nvPr>
-            <p:ph type="body" sz="quarter" idx="10"/>
-          </p:nvPr>
-        </p:nvSpPr>
-        <p:spPr>
-          <a:xfrm>
-            <a:off x="274639" y="1211287"/>
-            <a:ext cx="5486399" cy="2157514"/>
-          </a:xfrm>
-        </p:spPr>
-        <p:txBody>
-          <a:bodyPr wrap="square">
-            <a:spAutoFit/>
-          </a:bodyPr>
-          <a:lstStyle>
-            <a:lvl1pPr marL="0" indent="0">
-              <a:spcBef>
-                <a:spcPts val="1224"/>
-              </a:spcBef>
-              <a:buClr>
-                <a:schemeClr val="tx1"/>
-              </a:buClr>
-              <a:buFont typeface="Wingdings" panose="05000000000000000000" pitchFamily="2" charset="2"/>
-              <a:buNone/>
-              <a:defRPr sz="3000" b="0">
-                <a:latin typeface="+mn-lt"/>
-              </a:defRPr>
-            </a:lvl1pPr>
-            <a:lvl2pPr marL="255588" indent="0">
-              <a:buFont typeface="Wingdings" panose="05000000000000000000" pitchFamily="2" charset="2"/>
-              <a:buNone/>
-              <a:defRPr sz="2400" b="0"/>
-            </a:lvl2pPr>
-            <a:lvl3pPr marL="450850" indent="0">
-              <a:buFont typeface="Wingdings" panose="05000000000000000000" pitchFamily="2" charset="2"/>
-              <a:buNone/>
-              <a:tabLst/>
-              <a:defRPr sz="2200" b="0"/>
-            </a:lvl3pPr>
-            <a:lvl4pPr marL="652462" indent="0">
-              <a:buFont typeface="Wingdings" panose="05000000000000000000" pitchFamily="2" charset="2"/>
-              <a:buNone/>
-              <a:defRPr sz="2200" b="0"/>
-            </a:lvl4pPr>
-            <a:lvl5pPr marL="854075" indent="0">
-              <a:buFont typeface="Wingdings" panose="05000000000000000000" pitchFamily="2" charset="2"/>
-              <a:buNone/>
-              <a:tabLst/>
-              <a:defRPr sz="2200" b="0"/>
-            </a:lvl5pPr>
-          </a:lstStyle>
-          <a:p>
-            <a:pPr lvl="0"/>
-            <a:r>
-              <a:rPr lang="en-US"/>
-              <a:t>Edit Master text styles</a:t>
-            </a:r>
-          </a:p>
-          <a:p>
-            <a:pPr lvl="1"/>
-            <a:r>
-              <a:rPr lang="en-US"/>
-              <a:t>Second level</a:t>
-            </a:r>
-          </a:p>
-          <a:p>
-            <a:pPr lvl="2"/>
-            <a:r>
-              <a:rPr lang="en-US"/>
-              <a:t>Third level</a:t>
-            </a:r>
-          </a:p>
-          <a:p>
-            <a:pPr lvl="3"/>
-            <a:r>
-              <a:rPr lang="en-US"/>
-              <a:t>Fourth level</a:t>
-            </a:r>
-          </a:p>
-          <a:p>
-            <a:pPr lvl="4"/>
-            <a:r>
-              <a:rPr lang="en-US"/>
-              <a:t>Fifth level</a:t>
-            </a:r>
-            <a:endParaRPr lang="en-US" dirty="0"/>
-          </a:p>
-        </p:txBody>
-      </p:sp>
-      <p:sp>
-        <p:nvSpPr>
-          <p:cNvPr id="5" name="Text Placeholder 3"/>
-          <p:cNvSpPr>
-            <a:spLocks noGrp="1"/>
-          </p:cNvSpPr>
-          <p:nvPr>
-            <p:ph type="body" sz="quarter" idx="11"/>
-          </p:nvPr>
-        </p:nvSpPr>
-        <p:spPr>
-          <a:xfrm>
-            <a:off x="6675439" y="1211287"/>
-            <a:ext cx="5486399" cy="2123658"/>
-          </a:xfrm>
-        </p:spPr>
-        <p:txBody>
-          <a:bodyPr wrap="square">
-            <a:spAutoFit/>
-          </a:bodyPr>
-          <a:lstStyle>
-            <a:lvl1pPr marL="0" indent="0">
-              <a:spcBef>
-                <a:spcPts val="1224"/>
-              </a:spcBef>
-              <a:buClr>
-                <a:schemeClr val="tx1"/>
-              </a:buClr>
-              <a:buFont typeface="Arial" panose="020B0604020202020204" pitchFamily="34" charset="0"/>
-              <a:buNone/>
-              <a:defRPr lang="en-US" sz="3000" b="0" kern="1200" spc="0" baseline="0" dirty="0">
-                <a:gradFill>
-                  <a:gsLst>
-                    <a:gs pos="1250">
-                      <a:schemeClr val="tx1"/>
-                    </a:gs>
-                    <a:gs pos="100000">
-                      <a:schemeClr val="tx1"/>
-                    </a:gs>
-                  </a:gsLst>
-                  <a:lin ang="5400000" scaled="0"/>
-                </a:gradFill>
-                <a:latin typeface="+mn-lt"/>
-                <a:ea typeface="+mn-ea"/>
-                <a:cs typeface="+mn-cs"/>
-              </a:defRPr>
-            </a:lvl1pPr>
-            <a:lvl2pPr marL="255588" indent="0">
-              <a:buFont typeface="Arial" panose="020B0604020202020204" pitchFamily="34" charset="0"/>
-              <a:buNone/>
-              <a:defRPr lang="en-US" sz="2400" b="0" kern="1200" spc="0" baseline="0" dirty="0">
-                <a:gradFill>
-                  <a:gsLst>
-                    <a:gs pos="1250">
-                      <a:schemeClr val="tx1"/>
-                    </a:gs>
-                    <a:gs pos="100000">
-                      <a:schemeClr val="tx1"/>
-                    </a:gs>
-                  </a:gsLst>
-                  <a:lin ang="5400000" scaled="0"/>
-                </a:gradFill>
-                <a:latin typeface="+mn-lt"/>
-                <a:ea typeface="+mn-ea"/>
-                <a:cs typeface="+mn-cs"/>
-              </a:defRPr>
-            </a:lvl2pPr>
-            <a:lvl3pPr marL="450850" indent="0">
-              <a:buFont typeface="Arial" panose="020B0604020202020204" pitchFamily="34" charset="0"/>
-              <a:buNone/>
-              <a:tabLst/>
-              <a:defRPr lang="en-US" sz="2200" b="0" kern="1200" spc="0" baseline="0" dirty="0">
-                <a:gradFill>
-                  <a:gsLst>
-                    <a:gs pos="1250">
-                      <a:schemeClr val="tx1"/>
-                    </a:gs>
-                    <a:gs pos="100000">
-                      <a:schemeClr val="tx1"/>
-                    </a:gs>
-                  </a:gsLst>
-                  <a:lin ang="5400000" scaled="0"/>
-                </a:gradFill>
-                <a:latin typeface="+mn-lt"/>
-                <a:ea typeface="+mn-ea"/>
-                <a:cs typeface="+mn-cs"/>
-              </a:defRPr>
-            </a:lvl3pPr>
-            <a:lvl4pPr marL="652462" indent="0">
-              <a:buFont typeface="Arial" panose="020B0604020202020204" pitchFamily="34" charset="0"/>
-              <a:buNone/>
-              <a:defRPr lang="en-US" sz="2200" b="0" kern="1200" spc="0" baseline="0" dirty="0">
-                <a:gradFill>
-                  <a:gsLst>
-                    <a:gs pos="1250">
-                      <a:schemeClr val="tx1"/>
-                    </a:gs>
-                    <a:gs pos="100000">
-                      <a:schemeClr val="tx1"/>
-                    </a:gs>
-                  </a:gsLst>
-                  <a:lin ang="5400000" scaled="0"/>
-                </a:gradFill>
-                <a:latin typeface="+mn-lt"/>
-                <a:ea typeface="+mn-ea"/>
-                <a:cs typeface="+mn-cs"/>
-              </a:defRPr>
-            </a:lvl4pPr>
-            <a:lvl5pPr marL="854075" indent="0">
-              <a:buFont typeface="Arial" panose="020B0604020202020204" pitchFamily="34" charset="0"/>
-              <a:buNone/>
-              <a:tabLst/>
-              <a:defRPr lang="en-US" sz="2200" b="0" kern="1200" spc="0" baseline="0" dirty="0">
-                <a:gradFill>
-                  <a:gsLst>
-                    <a:gs pos="1250">
-                      <a:schemeClr val="tx1"/>
-                    </a:gs>
-                    <a:gs pos="100000">
-                      <a:schemeClr val="tx1"/>
-                    </a:gs>
-                  </a:gsLst>
-                  <a:lin ang="5400000" scaled="0"/>
-                </a:gradFill>
-                <a:latin typeface="+mn-lt"/>
-                <a:ea typeface="+mn-ea"/>
-                <a:cs typeface="+mn-cs"/>
-              </a:defRPr>
-            </a:lvl5pPr>
-          </a:lstStyle>
-          <a:p>
-            <a:pPr marL="514350" marR="0" lvl="0" indent="-514350" algn="l" defTabSz="932742" rtl="0" eaLnBrk="1" fontAlgn="auto" latinLnBrk="0" hangingPunct="1">
-              <a:lnSpc>
-                <a:spcPct val="90000"/>
-              </a:lnSpc>
-              <a:spcBef>
-                <a:spcPts val="1224"/>
-              </a:spcBef>
-              <a:spcAft>
-                <a:spcPts val="0"/>
-              </a:spcAft>
-              <a:buClr>
-                <a:schemeClr val="tx1"/>
-              </a:buClr>
-              <a:buSzPct val="90000"/>
-              <a:tabLst/>
-            </a:pPr>
-            <a:r>
-              <a:rPr lang="en-US"/>
-              <a:t>Edit Master text styles</a:t>
-            </a:r>
-          </a:p>
-          <a:p>
-            <a:pPr marL="514350" marR="0" lvl="1" indent="-514350" algn="l" defTabSz="932742" rtl="0" eaLnBrk="1" fontAlgn="auto" latinLnBrk="0" hangingPunct="1">
-              <a:lnSpc>
-                <a:spcPct val="90000"/>
-              </a:lnSpc>
-              <a:spcBef>
-                <a:spcPts val="1224"/>
-              </a:spcBef>
-              <a:spcAft>
-                <a:spcPts val="0"/>
-              </a:spcAft>
-              <a:buClr>
-                <a:schemeClr val="tx1"/>
-              </a:buClr>
-              <a:buSzPct val="90000"/>
-              <a:tabLst/>
-            </a:pPr>
-            <a:r>
-              <a:rPr lang="en-US"/>
-              <a:t>Second level</a:t>
-            </a:r>
-          </a:p>
-          <a:p>
-            <a:pPr marL="514350" marR="0" lvl="2" indent="-514350" algn="l" defTabSz="932742" rtl="0" eaLnBrk="1" fontAlgn="auto" latinLnBrk="0" hangingPunct="1">
-              <a:lnSpc>
-                <a:spcPct val="90000"/>
-              </a:lnSpc>
-              <a:spcBef>
-                <a:spcPts val="1224"/>
-              </a:spcBef>
-              <a:spcAft>
-                <a:spcPts val="0"/>
-              </a:spcAft>
-              <a:buClr>
-                <a:schemeClr val="tx1"/>
-              </a:buClr>
-              <a:buSzPct val="90000"/>
-              <a:tabLst/>
-            </a:pPr>
-            <a:r>
-              <a:rPr lang="en-US"/>
-              <a:t>Third level</a:t>
-            </a:r>
-          </a:p>
-          <a:p>
-            <a:pPr marL="514350" marR="0" lvl="3" indent="-514350" algn="l" defTabSz="932742" rtl="0" eaLnBrk="1" fontAlgn="auto" latinLnBrk="0" hangingPunct="1">
-              <a:lnSpc>
-                <a:spcPct val="90000"/>
-              </a:lnSpc>
-              <a:spcBef>
-                <a:spcPts val="1224"/>
-              </a:spcBef>
-              <a:spcAft>
-                <a:spcPts val="0"/>
-              </a:spcAft>
-              <a:buClr>
-                <a:schemeClr val="tx1"/>
-              </a:buClr>
-              <a:buSzPct val="90000"/>
-              <a:tabLst/>
-            </a:pPr>
-            <a:r>
-              <a:rPr lang="en-US"/>
-              <a:t>Fourth level</a:t>
-            </a:r>
-          </a:p>
-          <a:p>
-            <a:pPr marL="514350" marR="0" lvl="4" indent="-514350" algn="l" defTabSz="932742" rtl="0" eaLnBrk="1" fontAlgn="auto" latinLnBrk="0" hangingPunct="1">
-              <a:lnSpc>
-                <a:spcPct val="90000"/>
-              </a:lnSpc>
-              <a:spcBef>
-                <a:spcPts val="1224"/>
-              </a:spcBef>
-              <a:spcAft>
-                <a:spcPts val="0"/>
-              </a:spcAft>
-              <a:buClr>
-                <a:schemeClr val="tx1"/>
-              </a:buClr>
-              <a:buSzPct val="90000"/>
-              <a:tabLst/>
-            </a:pPr>
-            <a:r>
-              <a:rPr lang="en-US"/>
-              <a:t>Fifth level</a:t>
-            </a:r>
-            <a:endParaRPr lang="en-US" dirty="0"/>
-          </a:p>
-        </p:txBody>
-      </p:sp>
-    </p:spTree>
-    <p:extLst>
-      <p:ext uri="{BB962C8B-B14F-4D97-AF65-F5344CB8AC3E}">
-        <p14:creationId xmlns:p14="http://schemas.microsoft.com/office/powerpoint/2010/main" val="2886365969"/>
-      </p:ext>
-    </p:extLst>
-  </p:cSld>
-  <p:clrMapOvr>
-    <a:masterClrMapping/>
-  </p:clrMapOvr>
-  <mc:AlternateContent xmlns:mc="http://schemas.openxmlformats.org/markup-compatibility/2006" xmlns:p14="http://schemas.microsoft.com/office/powerpoint/2010/main">
-    <mc:Choice Requires="p14">
-      <p:transition spd="med" p14:dur="700">
-        <p:fade/>
-      </p:transition>
-    </mc:Choice>
-    <mc:Fallback xmlns="">
-      <p:transition spd="med">
-        <p:fade/>
-      </p:transition>
-    </mc:Fallback>
-  </mc:AlternateContent>
 </p:sldLayout>
 </file>
 
@@ -11092,7 +11591,7 @@
           <p:nvPr userDrawn="1"/>
         </p:nvPicPr>
         <p:blipFill>
-          <a:blip r:embed="rId21"/>
+          <a:blip r:embed="rId23"/>
           <a:stretch>
             <a:fillRect/>
           </a:stretch>
@@ -11135,6 +11634,8 @@
     <p:sldLayoutId id="2147484492" r:id="rId17"/>
     <p:sldLayoutId id="2147484493" r:id="rId18"/>
     <p:sldLayoutId id="2147484494" r:id="rId19"/>
+    <p:sldLayoutId id="2147484531" r:id="rId20"/>
+    <p:sldLayoutId id="2147484532" r:id="rId21"/>
   </p:sldLayoutIdLst>
   <p:transition>
     <p:fade/>
@@ -12459,776 +12960,7 @@
 </p:sld>
 </file>
 
-<file path=ppt/slides/slide2.xml><?xml version="1.0" encoding="utf-8"?>
-<p:sld xmlns:a="http://schemas.openxmlformats.org/drawingml/2006/main" xmlns:r="http://schemas.openxmlformats.org/officeDocument/2006/relationships" xmlns:p="http://schemas.openxmlformats.org/presentationml/2006/main">
-  <p:cSld>
-    <p:spTree>
-      <p:nvGrpSpPr>
-        <p:cNvPr id="1" name=""/>
-        <p:cNvGrpSpPr/>
-        <p:nvPr/>
-      </p:nvGrpSpPr>
-      <p:grpSpPr>
-        <a:xfrm>
-          <a:off x="0" y="0"/>
-          <a:ext cx="0" cy="0"/>
-          <a:chOff x="0" y="0"/>
-          <a:chExt cx="0" cy="0"/>
-        </a:xfrm>
-      </p:grpSpPr>
-      <p:sp>
-        <p:nvSpPr>
-          <p:cNvPr id="2" name="Title 1">
-            <a:extLst>
-              <a:ext uri="{FF2B5EF4-FFF2-40B4-BE49-F238E27FC236}">
-                <a16:creationId xmlns:a16="http://schemas.microsoft.com/office/drawing/2014/main" id="{946F0E70-8A76-4F57-890F-203B54B6F1C5}"/>
-              </a:ext>
-            </a:extLst>
-          </p:cNvPr>
-          <p:cNvSpPr>
-            <a:spLocks noGrp="1"/>
-          </p:cNvSpPr>
-          <p:nvPr>
-            <p:ph type="title"/>
-          </p:nvPr>
-        </p:nvSpPr>
-        <p:spPr/>
-        <p:txBody>
-          <a:bodyPr/>
-          <a:lstStyle/>
-          <a:p>
-            <a:r>
-              <a:rPr lang="en-US" dirty="0"/>
-              <a:t>Provisioning your Data Science VM</a:t>
-            </a:r>
-          </a:p>
-        </p:txBody>
-      </p:sp>
-      <p:sp>
-        <p:nvSpPr>
-          <p:cNvPr id="3" name="Text Placeholder 2">
-            <a:extLst>
-              <a:ext uri="{FF2B5EF4-FFF2-40B4-BE49-F238E27FC236}">
-                <a16:creationId xmlns:a16="http://schemas.microsoft.com/office/drawing/2014/main" id="{119A2FC7-452D-4105-8832-CF8C367B26AD}"/>
-              </a:ext>
-            </a:extLst>
-          </p:cNvPr>
-          <p:cNvSpPr>
-            <a:spLocks noGrp="1"/>
-          </p:cNvSpPr>
-          <p:nvPr>
-            <p:ph type="body" sz="quarter" idx="10"/>
-          </p:nvPr>
-        </p:nvSpPr>
-        <p:spPr>
-          <a:xfrm>
-            <a:off x="274702" y="1973262"/>
-            <a:ext cx="11888787" cy="1846659"/>
-          </a:xfrm>
-        </p:spPr>
-        <p:txBody>
-          <a:bodyPr/>
-          <a:lstStyle/>
-          <a:p>
-            <a:pPr marL="0" indent="0">
-              <a:buNone/>
-            </a:pPr>
-            <a:r>
-              <a:rPr lang="en-US" sz="3200" dirty="0"/>
-              <a:t>For instructions, see README here:</a:t>
-            </a:r>
-          </a:p>
-          <a:p>
-            <a:pPr marL="0" indent="0">
-              <a:buNone/>
-            </a:pPr>
-            <a:endParaRPr lang="en-US" sz="3200" dirty="0"/>
-          </a:p>
-          <a:p>
-            <a:pPr marL="0" indent="0">
-              <a:buNone/>
-            </a:pPr>
-            <a:r>
-              <a:rPr lang="en-US" sz="4000" dirty="0"/>
-              <a:t>https://</a:t>
-            </a:r>
-            <a:r>
-              <a:rPr lang="en-US" sz="4000" dirty="0" err="1"/>
-              <a:t>github.com</a:t>
-            </a:r>
-            <a:r>
-              <a:rPr lang="en-US" sz="4000" dirty="0"/>
-              <a:t>/Azure/active-learning-workshop</a:t>
-            </a:r>
-          </a:p>
-        </p:txBody>
-      </p:sp>
-    </p:spTree>
-    <p:extLst>
-      <p:ext uri="{BB962C8B-B14F-4D97-AF65-F5344CB8AC3E}">
-        <p14:creationId xmlns:p14="http://schemas.microsoft.com/office/powerpoint/2010/main" val="4167855231"/>
-      </p:ext>
-    </p:extLst>
-  </p:cSld>
-  <p:clrMapOvr>
-    <a:masterClrMapping/>
-  </p:clrMapOvr>
-  <mc:AlternateContent xmlns:mc="http://schemas.openxmlformats.org/markup-compatibility/2006" xmlns:p14="http://schemas.microsoft.com/office/powerpoint/2010/main">
-    <mc:Choice Requires="p14">
-      <p:transition spd="med" p14:dur="700">
-        <p:fade/>
-      </p:transition>
-    </mc:Choice>
-    <mc:Fallback xmlns="">
-      <p:transition spd="med">
-        <p:fade/>
-      </p:transition>
-    </mc:Fallback>
-  </mc:AlternateContent>
-</p:sld>
-</file>
-
-<file path=ppt/slides/slide3.xml><?xml version="1.0" encoding="utf-8"?>
-<p:sld xmlns:a="http://schemas.openxmlformats.org/drawingml/2006/main" xmlns:r="http://schemas.openxmlformats.org/officeDocument/2006/relationships" xmlns:p="http://schemas.openxmlformats.org/presentationml/2006/main">
-  <p:cSld>
-    <p:spTree>
-      <p:nvGrpSpPr>
-        <p:cNvPr id="1" name=""/>
-        <p:cNvGrpSpPr/>
-        <p:nvPr/>
-      </p:nvGrpSpPr>
-      <p:grpSpPr>
-        <a:xfrm>
-          <a:off x="0" y="0"/>
-          <a:ext cx="0" cy="0"/>
-          <a:chOff x="0" y="0"/>
-          <a:chExt cx="0" cy="0"/>
-        </a:xfrm>
-      </p:grpSpPr>
-      <p:sp>
-        <p:nvSpPr>
-          <p:cNvPr id="2" name="Title 1">
-            <a:extLst>
-              <a:ext uri="{FF2B5EF4-FFF2-40B4-BE49-F238E27FC236}">
-                <a16:creationId xmlns:a16="http://schemas.microsoft.com/office/drawing/2014/main" id="{37A0A4EC-4C0E-432F-B9BD-1D0D7089EE34}"/>
-              </a:ext>
-            </a:extLst>
-          </p:cNvPr>
-          <p:cNvSpPr>
-            <a:spLocks noGrp="1"/>
-          </p:cNvSpPr>
-          <p:nvPr>
-            <p:ph type="title"/>
-          </p:nvPr>
-        </p:nvSpPr>
-        <p:spPr/>
-        <p:txBody>
-          <a:bodyPr/>
-          <a:lstStyle/>
-          <a:p>
-            <a:r>
-              <a:rPr lang="en-US" dirty="0"/>
-              <a:t>Outline</a:t>
-            </a:r>
-          </a:p>
-        </p:txBody>
-      </p:sp>
-      <p:sp>
-        <p:nvSpPr>
-          <p:cNvPr id="3" name="Text Placeholder 2">
-            <a:extLst>
-              <a:ext uri="{FF2B5EF4-FFF2-40B4-BE49-F238E27FC236}">
-                <a16:creationId xmlns:a16="http://schemas.microsoft.com/office/drawing/2014/main" id="{EBA60497-4447-4B9B-8F9A-D982771E3269}"/>
-              </a:ext>
-            </a:extLst>
-          </p:cNvPr>
-          <p:cNvSpPr>
-            <a:spLocks noGrp="1"/>
-          </p:cNvSpPr>
-          <p:nvPr>
-            <p:ph type="body" sz="quarter" idx="10"/>
-          </p:nvPr>
-        </p:nvSpPr>
-        <p:spPr>
-          <a:xfrm>
-            <a:off x="503237" y="1287462"/>
-            <a:ext cx="11277535" cy="4419671"/>
-          </a:xfrm>
-        </p:spPr>
-        <p:txBody>
-          <a:bodyPr/>
-          <a:lstStyle/>
-          <a:p>
-            <a:r>
-              <a:rPr lang="en-US" sz="3200" dirty="0"/>
-              <a:t>Data exploration</a:t>
-            </a:r>
-          </a:p>
-          <a:p>
-            <a:r>
-              <a:rPr lang="en-US" sz="3200" dirty="0"/>
-              <a:t>Featurization using word embeddings</a:t>
-            </a:r>
-          </a:p>
-          <a:p>
-            <a:r>
-              <a:rPr lang="en-US" sz="3200" dirty="0"/>
-              <a:t>Active learning from selected cases</a:t>
-            </a:r>
-          </a:p>
-          <a:p>
-            <a:r>
-              <a:rPr lang="en-US" sz="3200" dirty="0"/>
-              <a:t>Other featurization approaches</a:t>
-            </a:r>
-          </a:p>
-          <a:p>
-            <a:r>
-              <a:rPr lang="en-US" sz="3200" dirty="0"/>
-              <a:t>Classification</a:t>
-            </a:r>
-          </a:p>
-          <a:p>
-            <a:r>
-              <a:rPr lang="en-US" sz="3200" dirty="0"/>
-              <a:t>ROC Curves and Utility Maximization</a:t>
-            </a:r>
-          </a:p>
-          <a:p>
-            <a:r>
-              <a:rPr lang="en-US" sz="3200" dirty="0"/>
-              <a:t>Hyperparameter Tuning using Azure ML and Azure Batch AI</a:t>
-            </a:r>
-          </a:p>
-          <a:p>
-            <a:r>
-              <a:rPr lang="en-US" sz="3200" dirty="0"/>
-              <a:t>Deployment and consumption of scoring services</a:t>
-            </a:r>
-          </a:p>
-        </p:txBody>
-      </p:sp>
-    </p:spTree>
-    <p:extLst>
-      <p:ext uri="{BB962C8B-B14F-4D97-AF65-F5344CB8AC3E}">
-        <p14:creationId xmlns:p14="http://schemas.microsoft.com/office/powerpoint/2010/main" val="339578766"/>
-      </p:ext>
-    </p:extLst>
-  </p:cSld>
-  <p:clrMapOvr>
-    <a:masterClrMapping/>
-  </p:clrMapOvr>
-  <mc:AlternateContent xmlns:mc="http://schemas.openxmlformats.org/markup-compatibility/2006" xmlns:p14="http://schemas.microsoft.com/office/powerpoint/2010/main">
-    <mc:Choice Requires="p14">
-      <p:transition spd="med" p14:dur="700">
-        <p:fade/>
-      </p:transition>
-    </mc:Choice>
-    <mc:Fallback xmlns="">
-      <p:transition spd="med">
-        <p:fade/>
-      </p:transition>
-    </mc:Fallback>
-  </mc:AlternateContent>
-</p:sld>
-</file>
-
-<file path=ppt/slides/slide4.xml><?xml version="1.0" encoding="utf-8"?>
-<p:sld xmlns:a="http://schemas.openxmlformats.org/drawingml/2006/main" xmlns:r="http://schemas.openxmlformats.org/officeDocument/2006/relationships" xmlns:p="http://schemas.openxmlformats.org/presentationml/2006/main">
-  <p:cSld>
-    <p:spTree>
-      <p:nvGrpSpPr>
-        <p:cNvPr id="1" name=""/>
-        <p:cNvGrpSpPr/>
-        <p:nvPr/>
-      </p:nvGrpSpPr>
-      <p:grpSpPr>
-        <a:xfrm>
-          <a:off x="0" y="0"/>
-          <a:ext cx="0" cy="0"/>
-          <a:chOff x="0" y="0"/>
-          <a:chExt cx="0" cy="0"/>
-        </a:xfrm>
-      </p:grpSpPr>
-      <p:sp>
-        <p:nvSpPr>
-          <p:cNvPr id="2" name="Title 1">
-            <a:extLst>
-              <a:ext uri="{FF2B5EF4-FFF2-40B4-BE49-F238E27FC236}">
-                <a16:creationId xmlns:a16="http://schemas.microsoft.com/office/drawing/2014/main" id="{2D09FA34-884D-4640-A1A3-F81A1CC67EDB}"/>
-              </a:ext>
-            </a:extLst>
-          </p:cNvPr>
-          <p:cNvSpPr txBox="1">
-            <a:spLocks/>
-          </p:cNvSpPr>
-          <p:nvPr/>
-        </p:nvSpPr>
-        <p:spPr>
-          <a:xfrm>
-            <a:off x="274639" y="1512887"/>
-            <a:ext cx="11889564" cy="917575"/>
-          </a:xfrm>
-          <a:prstGeom prst="rect">
-            <a:avLst/>
-          </a:prstGeom>
-        </p:spPr>
-        <p:txBody>
-          <a:bodyPr/>
-          <a:lstStyle>
-            <a:lvl1pPr algn="l" defTabSz="932742" rtl="0" eaLnBrk="1" latinLnBrk="0" hangingPunct="1">
-              <a:lnSpc>
-                <a:spcPct val="90000"/>
-              </a:lnSpc>
-              <a:spcBef>
-                <a:spcPct val="0"/>
-              </a:spcBef>
-              <a:buNone/>
-              <a:defRPr lang="en-US" sz="4800" b="0" kern="1200" cap="none" spc="-102" baseline="0" dirty="0" smtClean="0">
-                <a:ln w="3175">
-                  <a:noFill/>
-                </a:ln>
-                <a:gradFill>
-                  <a:gsLst>
-                    <a:gs pos="1250">
-                      <a:schemeClr val="tx1"/>
-                    </a:gs>
-                    <a:gs pos="100000">
-                      <a:schemeClr val="tx1"/>
-                    </a:gs>
-                  </a:gsLst>
-                  <a:lin ang="5400000" scaled="0"/>
-                </a:gradFill>
-                <a:effectLst/>
-                <a:latin typeface="+mj-lt"/>
-                <a:ea typeface="+mn-ea"/>
-                <a:cs typeface="Segoe UI" pitchFamily="34" charset="0"/>
-              </a:defRPr>
-            </a:lvl1pPr>
-          </a:lstStyle>
-          <a:p>
-            <a:pPr algn="ctr"/>
-            <a:r>
-              <a:rPr lang="en-US" sz="4000" b="1" i="1" dirty="0"/>
-              <a:t>I have plenty of data, but getting it labeled is expensive</a:t>
-            </a:r>
-            <a:br>
-              <a:rPr lang="en-US" dirty="0"/>
-            </a:br>
-            <a:endParaRPr lang="en-US" dirty="0"/>
-          </a:p>
-        </p:txBody>
-      </p:sp>
-      <p:sp>
-        <p:nvSpPr>
-          <p:cNvPr id="3" name="Text Placeholder 2" descr="Participants will learn how to use pre-trained deep learning models in Microsoft ML Server to generate features that can be used in traditional machine learning approaches.&#10;&#10;Participants will learn how to run these types of featurization at scale. &#10;&#10;Participants will learn how to use an active learning process to build more accurate classifiers by selecting additional training examples&#10;&#10;" title="Session Goals">
-            <a:extLst>
-              <a:ext uri="{FF2B5EF4-FFF2-40B4-BE49-F238E27FC236}">
-                <a16:creationId xmlns:a16="http://schemas.microsoft.com/office/drawing/2014/main" id="{EE938E51-AC46-47CA-82A7-FB1E6428ECB0}"/>
-              </a:ext>
-            </a:extLst>
-          </p:cNvPr>
-          <p:cNvSpPr txBox="1">
-            <a:spLocks/>
-          </p:cNvSpPr>
-          <p:nvPr/>
-        </p:nvSpPr>
-        <p:spPr>
-          <a:xfrm>
-            <a:off x="273843" y="2107969"/>
-            <a:ext cx="11888787" cy="4665893"/>
-          </a:xfrm>
-          <a:prstGeom prst="rect">
-            <a:avLst/>
-          </a:prstGeom>
-        </p:spPr>
-        <p:txBody>
-          <a:bodyPr/>
-          <a:lstStyle>
-            <a:lvl1pPr marL="228600" marR="0" indent="-228600" algn="l" defTabSz="932742" rtl="0" eaLnBrk="1" fontAlgn="auto" latinLnBrk="0" hangingPunct="1">
-              <a:lnSpc>
-                <a:spcPct val="90000"/>
-              </a:lnSpc>
-              <a:spcBef>
-                <a:spcPct val="20000"/>
-              </a:spcBef>
-              <a:spcAft>
-                <a:spcPts val="0"/>
-              </a:spcAft>
-              <a:buClrTx/>
-              <a:buSzPct val="90000"/>
-              <a:buFont typeface="Wingdings" panose="05000000000000000000" pitchFamily="2" charset="2"/>
-              <a:buChar char=""/>
-              <a:tabLst/>
-              <a:defRPr sz="3600" kern="1200" spc="0" baseline="0">
-                <a:gradFill>
-                  <a:gsLst>
-                    <a:gs pos="1250">
-                      <a:schemeClr val="tx1"/>
-                    </a:gs>
-                    <a:gs pos="100000">
-                      <a:schemeClr val="tx1"/>
-                    </a:gs>
-                  </a:gsLst>
-                  <a:lin ang="5400000" scaled="0"/>
-                </a:gradFill>
-                <a:latin typeface="+mj-lt"/>
-                <a:ea typeface="+mn-ea"/>
-                <a:cs typeface="+mn-cs"/>
-              </a:defRPr>
-            </a:lvl1pPr>
-            <a:lvl2pPr marL="457200" marR="0" indent="-228600" algn="l" defTabSz="932742" rtl="0" eaLnBrk="1" fontAlgn="auto" latinLnBrk="0" hangingPunct="1">
-              <a:lnSpc>
-                <a:spcPct val="90000"/>
-              </a:lnSpc>
-              <a:spcBef>
-                <a:spcPct val="20000"/>
-              </a:spcBef>
-              <a:spcAft>
-                <a:spcPts val="0"/>
-              </a:spcAft>
-              <a:buClrTx/>
-              <a:buSzPct val="90000"/>
-              <a:buFont typeface="Wingdings" panose="05000000000000000000" pitchFamily="2" charset="2"/>
-              <a:buChar char=""/>
-              <a:tabLst/>
-              <a:defRPr sz="2800" kern="1200" spc="0" baseline="0">
-                <a:gradFill>
-                  <a:gsLst>
-                    <a:gs pos="1250">
-                      <a:schemeClr val="tx1"/>
-                    </a:gs>
-                    <a:gs pos="100000">
-                      <a:schemeClr val="tx1"/>
-                    </a:gs>
-                  </a:gsLst>
-                  <a:lin ang="5400000" scaled="0"/>
-                </a:gradFill>
-                <a:latin typeface="+mn-lt"/>
-                <a:ea typeface="+mn-ea"/>
-                <a:cs typeface="+mn-cs"/>
-              </a:defRPr>
-            </a:lvl2pPr>
-            <a:lvl3pPr marL="685800" marR="0" indent="-228600" algn="l" defTabSz="932742" rtl="0" eaLnBrk="1" fontAlgn="auto" latinLnBrk="0" hangingPunct="1">
-              <a:lnSpc>
-                <a:spcPct val="90000"/>
-              </a:lnSpc>
-              <a:spcBef>
-                <a:spcPct val="20000"/>
-              </a:spcBef>
-              <a:spcAft>
-                <a:spcPts val="0"/>
-              </a:spcAft>
-              <a:buClrTx/>
-              <a:buSzPct val="90000"/>
-              <a:buFont typeface="Wingdings" panose="05000000000000000000" pitchFamily="2" charset="2"/>
-              <a:buChar char=""/>
-              <a:tabLst/>
-              <a:defRPr sz="2400" kern="1200" spc="0" baseline="0">
-                <a:gradFill>
-                  <a:gsLst>
-                    <a:gs pos="1250">
-                      <a:schemeClr val="tx1"/>
-                    </a:gs>
-                    <a:gs pos="100000">
-                      <a:schemeClr val="tx1"/>
-                    </a:gs>
-                  </a:gsLst>
-                  <a:lin ang="5400000" scaled="0"/>
-                </a:gradFill>
-                <a:latin typeface="+mn-lt"/>
-                <a:ea typeface="+mn-ea"/>
-                <a:cs typeface="+mn-cs"/>
-              </a:defRPr>
-            </a:lvl3pPr>
-            <a:lvl4pPr marL="914400" marR="0" indent="-228600" algn="l" defTabSz="932742" rtl="0" eaLnBrk="1" fontAlgn="auto" latinLnBrk="0" hangingPunct="1">
-              <a:lnSpc>
-                <a:spcPct val="90000"/>
-              </a:lnSpc>
-              <a:spcBef>
-                <a:spcPct val="20000"/>
-              </a:spcBef>
-              <a:spcAft>
-                <a:spcPts val="0"/>
-              </a:spcAft>
-              <a:buClrTx/>
-              <a:buSzPct val="90000"/>
-              <a:buFont typeface="Wingdings" panose="05000000000000000000" pitchFamily="2" charset="2"/>
-              <a:buChar char=""/>
-              <a:tabLst/>
-              <a:defRPr sz="2200" kern="1200" spc="0" baseline="0">
-                <a:gradFill>
-                  <a:gsLst>
-                    <a:gs pos="1250">
-                      <a:schemeClr val="tx1"/>
-                    </a:gs>
-                    <a:gs pos="100000">
-                      <a:schemeClr val="tx1"/>
-                    </a:gs>
-                  </a:gsLst>
-                  <a:lin ang="5400000" scaled="0"/>
-                </a:gradFill>
-                <a:latin typeface="+mn-lt"/>
-                <a:ea typeface="+mn-ea"/>
-                <a:cs typeface="+mn-cs"/>
-              </a:defRPr>
-            </a:lvl4pPr>
-            <a:lvl5pPr marL="1143000" marR="0" indent="-228600" algn="l" defTabSz="932742" rtl="0" eaLnBrk="1" fontAlgn="auto" latinLnBrk="0" hangingPunct="1">
-              <a:lnSpc>
-                <a:spcPct val="90000"/>
-              </a:lnSpc>
-              <a:spcBef>
-                <a:spcPct val="20000"/>
-              </a:spcBef>
-              <a:spcAft>
-                <a:spcPts val="0"/>
-              </a:spcAft>
-              <a:buClrTx/>
-              <a:buSzPct val="90000"/>
-              <a:buFont typeface="Wingdings" panose="05000000000000000000" pitchFamily="2" charset="2"/>
-              <a:buChar char=""/>
-              <a:tabLst/>
-              <a:defRPr sz="2200" kern="1200" spc="0" baseline="0">
-                <a:gradFill>
-                  <a:gsLst>
-                    <a:gs pos="1250">
-                      <a:schemeClr val="tx1"/>
-                    </a:gs>
-                    <a:gs pos="100000">
-                      <a:schemeClr val="tx1"/>
-                    </a:gs>
-                  </a:gsLst>
-                  <a:lin ang="5400000" scaled="0"/>
-                </a:gradFill>
-                <a:latin typeface="+mn-lt"/>
-                <a:ea typeface="+mn-ea"/>
-                <a:cs typeface="+mn-cs"/>
-              </a:defRPr>
-            </a:lvl5pPr>
-            <a:lvl6pPr marL="2565040" indent="-233186" algn="l" defTabSz="932742" rtl="0" eaLnBrk="1" latinLnBrk="0" hangingPunct="1">
-              <a:spcBef>
-                <a:spcPct val="20000"/>
-              </a:spcBef>
-              <a:buFont typeface="Arial" pitchFamily="34" charset="0"/>
-              <a:buChar char="•"/>
-              <a:defRPr sz="2000" kern="1200">
-                <a:solidFill>
-                  <a:schemeClr val="tx1"/>
-                </a:solidFill>
-                <a:latin typeface="+mn-lt"/>
-                <a:ea typeface="+mn-ea"/>
-                <a:cs typeface="+mn-cs"/>
-              </a:defRPr>
-            </a:lvl6pPr>
-            <a:lvl7pPr marL="3031412" indent="-233186" algn="l" defTabSz="932742" rtl="0" eaLnBrk="1" latinLnBrk="0" hangingPunct="1">
-              <a:spcBef>
-                <a:spcPct val="20000"/>
-              </a:spcBef>
-              <a:buFont typeface="Arial" pitchFamily="34" charset="0"/>
-              <a:buChar char="•"/>
-              <a:defRPr sz="2000" kern="1200">
-                <a:solidFill>
-                  <a:schemeClr val="tx1"/>
-                </a:solidFill>
-                <a:latin typeface="+mn-lt"/>
-                <a:ea typeface="+mn-ea"/>
-                <a:cs typeface="+mn-cs"/>
-              </a:defRPr>
-            </a:lvl7pPr>
-            <a:lvl8pPr marL="3497783" indent="-233186" algn="l" defTabSz="932742" rtl="0" eaLnBrk="1" latinLnBrk="0" hangingPunct="1">
-              <a:spcBef>
-                <a:spcPct val="20000"/>
-              </a:spcBef>
-              <a:buFont typeface="Arial" pitchFamily="34" charset="0"/>
-              <a:buChar char="•"/>
-              <a:defRPr sz="2000" kern="1200">
-                <a:solidFill>
-                  <a:schemeClr val="tx1"/>
-                </a:solidFill>
-                <a:latin typeface="+mn-lt"/>
-                <a:ea typeface="+mn-ea"/>
-                <a:cs typeface="+mn-cs"/>
-              </a:defRPr>
-            </a:lvl8pPr>
-            <a:lvl9pPr marL="3964155" indent="-233186" algn="l" defTabSz="932742" rtl="0" eaLnBrk="1" latinLnBrk="0" hangingPunct="1">
-              <a:spcBef>
-                <a:spcPct val="20000"/>
-              </a:spcBef>
-              <a:buFont typeface="Arial" pitchFamily="34" charset="0"/>
-              <a:buChar char="•"/>
-              <a:defRPr sz="2000" kern="1200">
-                <a:solidFill>
-                  <a:schemeClr val="tx1"/>
-                </a:solidFill>
-                <a:latin typeface="+mn-lt"/>
-                <a:ea typeface="+mn-ea"/>
-                <a:cs typeface="+mn-cs"/>
-              </a:defRPr>
-            </a:lvl9pPr>
-          </a:lstStyle>
-          <a:p>
-            <a:pPr marL="0" indent="0">
-              <a:buFont typeface="Wingdings" panose="05000000000000000000" pitchFamily="2" charset="2"/>
-              <a:buNone/>
-            </a:pPr>
-            <a:endParaRPr lang="en-US" sz="2800" dirty="0"/>
-          </a:p>
-          <a:p>
-            <a:r>
-              <a:rPr lang="en-US" sz="2800" b="1" dirty="0"/>
-              <a:t>word embeddings </a:t>
-            </a:r>
-            <a:r>
-              <a:rPr lang="en-US" sz="2800" dirty="0"/>
-              <a:t>(or more generally, </a:t>
-            </a:r>
-            <a:r>
-              <a:rPr lang="en-US" sz="2800" b="1" dirty="0"/>
-              <a:t>transfer learning</a:t>
-            </a:r>
-            <a:r>
-              <a:rPr lang="en-US" sz="2800" dirty="0"/>
-              <a:t>)</a:t>
-            </a:r>
-            <a:r>
-              <a:rPr lang="en-US" sz="2800" b="1" dirty="0"/>
-              <a:t> </a:t>
-            </a:r>
-            <a:r>
-              <a:rPr lang="en-US" sz="2800" dirty="0"/>
-              <a:t>let you generate features that can be used in traditional machine learning approaches.</a:t>
-            </a:r>
-          </a:p>
-          <a:p>
-            <a:endParaRPr lang="en-US" sz="2800" dirty="0"/>
-          </a:p>
-          <a:p>
-            <a:r>
-              <a:rPr lang="en-US" sz="2800" dirty="0"/>
-              <a:t>these features let you use </a:t>
-            </a:r>
-            <a:r>
-              <a:rPr lang="en-US" sz="2800" b="1" dirty="0"/>
-              <a:t>low-complexity models</a:t>
-            </a:r>
-            <a:r>
-              <a:rPr lang="en-US" sz="2800" dirty="0"/>
-              <a:t> that can learn from small numbers of cases.</a:t>
-            </a:r>
-          </a:p>
-          <a:p>
-            <a:endParaRPr lang="en-US" sz="2800" dirty="0"/>
-          </a:p>
-          <a:p>
-            <a:r>
-              <a:rPr lang="en-US" sz="2800" b="1" dirty="0"/>
-              <a:t>active learning </a:t>
-            </a:r>
-            <a:r>
-              <a:rPr lang="en-US" sz="2800" dirty="0"/>
-              <a:t>lets you take advantage of large sets of unlabeled data to build more accurate classifiers by selecting the most useful additional examples to label for training.</a:t>
-            </a:r>
-          </a:p>
-          <a:p>
-            <a:endParaRPr lang="en-US" sz="2800" dirty="0"/>
-          </a:p>
-        </p:txBody>
-      </p:sp>
-      <p:sp>
-        <p:nvSpPr>
-          <p:cNvPr id="4" name="Title 1">
-            <a:extLst>
-              <a:ext uri="{FF2B5EF4-FFF2-40B4-BE49-F238E27FC236}">
-                <a16:creationId xmlns:a16="http://schemas.microsoft.com/office/drawing/2014/main" id="{4A7F6527-45DA-42A0-929A-F0872C9EDC62}"/>
-              </a:ext>
-            </a:extLst>
-          </p:cNvPr>
-          <p:cNvSpPr txBox="1">
-            <a:spLocks/>
-          </p:cNvSpPr>
-          <p:nvPr/>
-        </p:nvSpPr>
-        <p:spPr>
-          <a:xfrm>
-            <a:off x="274637" y="449262"/>
-            <a:ext cx="11889564" cy="917575"/>
-          </a:xfrm>
-          <a:prstGeom prst="rect">
-            <a:avLst/>
-          </a:prstGeom>
-        </p:spPr>
-        <p:txBody>
-          <a:bodyPr/>
-          <a:lstStyle>
-            <a:lvl1pPr algn="l" defTabSz="932742" rtl="0" eaLnBrk="1" latinLnBrk="0" hangingPunct="1">
-              <a:lnSpc>
-                <a:spcPct val="90000"/>
-              </a:lnSpc>
-              <a:spcBef>
-                <a:spcPct val="0"/>
-              </a:spcBef>
-              <a:buNone/>
-              <a:defRPr lang="en-US" sz="4800" b="0" kern="1200" cap="none" spc="-102" baseline="0" dirty="0" smtClean="0">
-                <a:ln w="3175">
-                  <a:noFill/>
-                </a:ln>
-                <a:gradFill>
-                  <a:gsLst>
-                    <a:gs pos="1250">
-                      <a:schemeClr val="tx1"/>
-                    </a:gs>
-                    <a:gs pos="100000">
-                      <a:schemeClr val="tx1"/>
-                    </a:gs>
-                  </a:gsLst>
-                  <a:lin ang="5400000" scaled="0"/>
-                </a:gradFill>
-                <a:effectLst/>
-                <a:latin typeface="+mj-lt"/>
-                <a:ea typeface="+mn-ea"/>
-                <a:cs typeface="Segoe UI" pitchFamily="34" charset="0"/>
-              </a:defRPr>
-            </a:lvl1pPr>
-          </a:lstStyle>
-          <a:p>
-            <a:pPr algn="ctr"/>
-            <a:r>
-              <a:rPr lang="en-US" sz="4400" b="1" dirty="0"/>
-              <a:t>Active Learning</a:t>
-            </a:r>
-            <a:br>
-              <a:rPr lang="en-US" dirty="0"/>
-            </a:br>
-            <a:endParaRPr lang="en-US" dirty="0"/>
-          </a:p>
-        </p:txBody>
-      </p:sp>
-    </p:spTree>
-    <p:extLst>
-      <p:ext uri="{BB962C8B-B14F-4D97-AF65-F5344CB8AC3E}">
-        <p14:creationId xmlns:p14="http://schemas.microsoft.com/office/powerpoint/2010/main" val="1486024485"/>
-      </p:ext>
-    </p:extLst>
-  </p:cSld>
-  <p:clrMapOvr>
-    <a:masterClrMapping/>
-  </p:clrMapOvr>
-  <mc:AlternateContent xmlns:mc="http://schemas.openxmlformats.org/markup-compatibility/2006" xmlns:p14="http://schemas.microsoft.com/office/powerpoint/2010/main">
-    <mc:Choice Requires="p14">
-      <p:transition spd="med" p14:dur="700">
-        <p:fade/>
-      </p:transition>
-    </mc:Choice>
-    <mc:Fallback xmlns="">
-      <p:transition spd="med">
-        <p:fade/>
-      </p:transition>
-    </mc:Fallback>
-  </mc:AlternateContent>
-</p:sld>
-</file>
-
-<file path=ppt/slides/slide5.xml><?xml version="1.0" encoding="utf-8"?>
+<file path=ppt/slides/slide10.xml><?xml version="1.0" encoding="utf-8"?>
 <p:sld xmlns:a="http://schemas.openxmlformats.org/drawingml/2006/main" xmlns:r="http://schemas.openxmlformats.org/officeDocument/2006/relationships" xmlns:p="http://schemas.openxmlformats.org/presentationml/2006/main">
   <p:cSld>
     <p:spTree>
@@ -13300,7 +13032,7 @@
 </p:sld>
 </file>
 
-<file path=ppt/slides/slide6.xml><?xml version="1.0" encoding="utf-8"?>
+<file path=ppt/slides/slide11.xml><?xml version="1.0" encoding="utf-8"?>
 <p:sld xmlns:a="http://schemas.openxmlformats.org/drawingml/2006/main" xmlns:r="http://schemas.openxmlformats.org/officeDocument/2006/relationships" xmlns:p="http://schemas.openxmlformats.org/presentationml/2006/main">
   <p:cSld>
     <p:spTree>
@@ -13894,7 +13626,7 @@
 </p:sld>
 </file>
 
-<file path=ppt/slides/slide7.xml><?xml version="1.0" encoding="utf-8"?>
+<file path=ppt/slides/slide12.xml><?xml version="1.0" encoding="utf-8"?>
 <p:sld xmlns:a="http://schemas.openxmlformats.org/drawingml/2006/main" xmlns:r="http://schemas.openxmlformats.org/officeDocument/2006/relationships" xmlns:p="http://schemas.openxmlformats.org/presentationml/2006/main">
   <p:cSld>
     <p:spTree>
@@ -13915,6 +13647,3200 @@
     <p:extLst>
       <p:ext uri="{BB962C8B-B14F-4D97-AF65-F5344CB8AC3E}">
         <p14:creationId xmlns:p14="http://schemas.microsoft.com/office/powerpoint/2010/main" val="1897784522"/>
+      </p:ext>
+    </p:extLst>
+  </p:cSld>
+  <p:clrMapOvr>
+    <a:masterClrMapping/>
+  </p:clrMapOvr>
+  <mc:AlternateContent xmlns:mc="http://schemas.openxmlformats.org/markup-compatibility/2006" xmlns:p14="http://schemas.microsoft.com/office/powerpoint/2010/main">
+    <mc:Choice Requires="p14">
+      <p:transition spd="med" p14:dur="700">
+        <p:fade/>
+      </p:transition>
+    </mc:Choice>
+    <mc:Fallback xmlns="">
+      <p:transition spd="med">
+        <p:fade/>
+      </p:transition>
+    </mc:Fallback>
+  </mc:AlternateContent>
+</p:sld>
+</file>
+
+<file path=ppt/slides/slide2.xml><?xml version="1.0" encoding="utf-8"?>
+<p:sld xmlns:a="http://schemas.openxmlformats.org/drawingml/2006/main" xmlns:r="http://schemas.openxmlformats.org/officeDocument/2006/relationships" xmlns:p="http://schemas.openxmlformats.org/presentationml/2006/main">
+  <p:cSld>
+    <p:spTree>
+      <p:nvGrpSpPr>
+        <p:cNvPr id="1" name=""/>
+        <p:cNvGrpSpPr/>
+        <p:nvPr/>
+      </p:nvGrpSpPr>
+      <p:grpSpPr>
+        <a:xfrm>
+          <a:off x="0" y="0"/>
+          <a:ext cx="0" cy="0"/>
+          <a:chOff x="0" y="0"/>
+          <a:chExt cx="0" cy="0"/>
+        </a:xfrm>
+      </p:grpSpPr>
+      <p:sp>
+        <p:nvSpPr>
+          <p:cNvPr id="2" name="Title 1">
+            <a:extLst>
+              <a:ext uri="{FF2B5EF4-FFF2-40B4-BE49-F238E27FC236}">
+                <a16:creationId xmlns:a16="http://schemas.microsoft.com/office/drawing/2014/main" id="{946F0E70-8A76-4F57-890F-203B54B6F1C5}"/>
+              </a:ext>
+            </a:extLst>
+          </p:cNvPr>
+          <p:cNvSpPr>
+            <a:spLocks noGrp="1"/>
+          </p:cNvSpPr>
+          <p:nvPr>
+            <p:ph type="title"/>
+          </p:nvPr>
+        </p:nvSpPr>
+        <p:spPr/>
+        <p:txBody>
+          <a:bodyPr/>
+          <a:lstStyle/>
+          <a:p>
+            <a:r>
+              <a:rPr lang="en-US" dirty="0"/>
+              <a:t>Provisioning your Data Science VM</a:t>
+            </a:r>
+          </a:p>
+        </p:txBody>
+      </p:sp>
+      <p:sp>
+        <p:nvSpPr>
+          <p:cNvPr id="3" name="Text Placeholder 2">
+            <a:extLst>
+              <a:ext uri="{FF2B5EF4-FFF2-40B4-BE49-F238E27FC236}">
+                <a16:creationId xmlns:a16="http://schemas.microsoft.com/office/drawing/2014/main" id="{119A2FC7-452D-4105-8832-CF8C367B26AD}"/>
+              </a:ext>
+            </a:extLst>
+          </p:cNvPr>
+          <p:cNvSpPr>
+            <a:spLocks noGrp="1"/>
+          </p:cNvSpPr>
+          <p:nvPr>
+            <p:ph type="body" sz="quarter" idx="10"/>
+          </p:nvPr>
+        </p:nvSpPr>
+        <p:spPr>
+          <a:xfrm>
+            <a:off x="274702" y="1973262"/>
+            <a:ext cx="11888787" cy="1846659"/>
+          </a:xfrm>
+        </p:spPr>
+        <p:txBody>
+          <a:bodyPr/>
+          <a:lstStyle/>
+          <a:p>
+            <a:pPr marL="0" indent="0">
+              <a:buNone/>
+            </a:pPr>
+            <a:r>
+              <a:rPr lang="en-US" sz="3200" dirty="0"/>
+              <a:t>For instructions, see README here:</a:t>
+            </a:r>
+          </a:p>
+          <a:p>
+            <a:pPr marL="0" indent="0">
+              <a:buNone/>
+            </a:pPr>
+            <a:endParaRPr lang="en-US" sz="3200" dirty="0"/>
+          </a:p>
+          <a:p>
+            <a:pPr marL="0" indent="0">
+              <a:buNone/>
+            </a:pPr>
+            <a:r>
+              <a:rPr lang="en-US" sz="4000" dirty="0"/>
+              <a:t>https://</a:t>
+            </a:r>
+            <a:r>
+              <a:rPr lang="en-US" sz="4000" dirty="0" err="1"/>
+              <a:t>github.com</a:t>
+            </a:r>
+            <a:r>
+              <a:rPr lang="en-US" sz="4000" dirty="0"/>
+              <a:t>/Azure/active-learning-workshop</a:t>
+            </a:r>
+          </a:p>
+        </p:txBody>
+      </p:sp>
+    </p:spTree>
+    <p:extLst>
+      <p:ext uri="{BB962C8B-B14F-4D97-AF65-F5344CB8AC3E}">
+        <p14:creationId xmlns:p14="http://schemas.microsoft.com/office/powerpoint/2010/main" val="4167855231"/>
+      </p:ext>
+    </p:extLst>
+  </p:cSld>
+  <p:clrMapOvr>
+    <a:masterClrMapping/>
+  </p:clrMapOvr>
+  <mc:AlternateContent xmlns:mc="http://schemas.openxmlformats.org/markup-compatibility/2006" xmlns:p14="http://schemas.microsoft.com/office/powerpoint/2010/main">
+    <mc:Choice Requires="p14">
+      <p:transition spd="med" p14:dur="700">
+        <p:fade/>
+      </p:transition>
+    </mc:Choice>
+    <mc:Fallback xmlns="">
+      <p:transition spd="med">
+        <p:fade/>
+      </p:transition>
+    </mc:Fallback>
+  </mc:AlternateContent>
+</p:sld>
+</file>
+
+<file path=ppt/slides/slide3.xml><?xml version="1.0" encoding="utf-8"?>
+<p:sld xmlns:a="http://schemas.openxmlformats.org/drawingml/2006/main" xmlns:r="http://schemas.openxmlformats.org/officeDocument/2006/relationships" xmlns:p="http://schemas.openxmlformats.org/presentationml/2006/main">
+  <p:cSld>
+    <p:spTree>
+      <p:nvGrpSpPr>
+        <p:cNvPr id="1" name=""/>
+        <p:cNvGrpSpPr/>
+        <p:nvPr/>
+      </p:nvGrpSpPr>
+      <p:grpSpPr>
+        <a:xfrm>
+          <a:off x="0" y="0"/>
+          <a:ext cx="0" cy="0"/>
+          <a:chOff x="0" y="0"/>
+          <a:chExt cx="0" cy="0"/>
+        </a:xfrm>
+      </p:grpSpPr>
+      <p:sp>
+        <p:nvSpPr>
+          <p:cNvPr id="2" name="Title 1">
+            <a:extLst>
+              <a:ext uri="{FF2B5EF4-FFF2-40B4-BE49-F238E27FC236}">
+                <a16:creationId xmlns:a16="http://schemas.microsoft.com/office/drawing/2014/main" id="{37A0A4EC-4C0E-432F-B9BD-1D0D7089EE34}"/>
+              </a:ext>
+            </a:extLst>
+          </p:cNvPr>
+          <p:cNvSpPr>
+            <a:spLocks noGrp="1"/>
+          </p:cNvSpPr>
+          <p:nvPr>
+            <p:ph type="title"/>
+          </p:nvPr>
+        </p:nvSpPr>
+        <p:spPr/>
+        <p:txBody>
+          <a:bodyPr/>
+          <a:lstStyle/>
+          <a:p>
+            <a:r>
+              <a:rPr lang="en-US" dirty="0"/>
+              <a:t>Outline</a:t>
+            </a:r>
+          </a:p>
+        </p:txBody>
+      </p:sp>
+      <p:sp>
+        <p:nvSpPr>
+          <p:cNvPr id="3" name="Text Placeholder 2">
+            <a:extLst>
+              <a:ext uri="{FF2B5EF4-FFF2-40B4-BE49-F238E27FC236}">
+                <a16:creationId xmlns:a16="http://schemas.microsoft.com/office/drawing/2014/main" id="{EBA60497-4447-4B9B-8F9A-D982771E3269}"/>
+              </a:ext>
+            </a:extLst>
+          </p:cNvPr>
+          <p:cNvSpPr>
+            <a:spLocks noGrp="1"/>
+          </p:cNvSpPr>
+          <p:nvPr>
+            <p:ph type="body" sz="quarter" idx="10"/>
+          </p:nvPr>
+        </p:nvSpPr>
+        <p:spPr>
+          <a:xfrm>
+            <a:off x="503237" y="1287462"/>
+            <a:ext cx="11277535" cy="4419671"/>
+          </a:xfrm>
+        </p:spPr>
+        <p:txBody>
+          <a:bodyPr/>
+          <a:lstStyle/>
+          <a:p>
+            <a:r>
+              <a:rPr lang="en-US" sz="3200" dirty="0"/>
+              <a:t>Data exploration</a:t>
+            </a:r>
+          </a:p>
+          <a:p>
+            <a:r>
+              <a:rPr lang="en-US" sz="3200" dirty="0"/>
+              <a:t>Featurization using word embeddings</a:t>
+            </a:r>
+          </a:p>
+          <a:p>
+            <a:r>
+              <a:rPr lang="en-US" sz="3200" dirty="0"/>
+              <a:t>Active learning from selected cases</a:t>
+            </a:r>
+          </a:p>
+          <a:p>
+            <a:r>
+              <a:rPr lang="en-US" sz="3200" dirty="0"/>
+              <a:t>Other featurization approaches</a:t>
+            </a:r>
+          </a:p>
+          <a:p>
+            <a:r>
+              <a:rPr lang="en-US" sz="3200" dirty="0"/>
+              <a:t>Classification</a:t>
+            </a:r>
+          </a:p>
+          <a:p>
+            <a:r>
+              <a:rPr lang="en-US" sz="3200" dirty="0"/>
+              <a:t>ROC Curves and Utility Maximization</a:t>
+            </a:r>
+          </a:p>
+          <a:p>
+            <a:r>
+              <a:rPr lang="en-US" sz="3200" dirty="0"/>
+              <a:t>Hyperparameter Tuning using Azure ML and Azure Batch AI</a:t>
+            </a:r>
+          </a:p>
+          <a:p>
+            <a:r>
+              <a:rPr lang="en-US" sz="3200" dirty="0"/>
+              <a:t>Deployment and consumption of scoring services</a:t>
+            </a:r>
+          </a:p>
+        </p:txBody>
+      </p:sp>
+    </p:spTree>
+    <p:extLst>
+      <p:ext uri="{BB962C8B-B14F-4D97-AF65-F5344CB8AC3E}">
+        <p14:creationId xmlns:p14="http://schemas.microsoft.com/office/powerpoint/2010/main" val="339578766"/>
+      </p:ext>
+    </p:extLst>
+  </p:cSld>
+  <p:clrMapOvr>
+    <a:masterClrMapping/>
+  </p:clrMapOvr>
+  <mc:AlternateContent xmlns:mc="http://schemas.openxmlformats.org/markup-compatibility/2006" xmlns:p14="http://schemas.microsoft.com/office/powerpoint/2010/main">
+    <mc:Choice Requires="p14">
+      <p:transition spd="med" p14:dur="700">
+        <p:fade/>
+      </p:transition>
+    </mc:Choice>
+    <mc:Fallback xmlns="">
+      <p:transition spd="med">
+        <p:fade/>
+      </p:transition>
+    </mc:Fallback>
+  </mc:AlternateContent>
+</p:sld>
+</file>
+
+<file path=ppt/slides/slide4.xml><?xml version="1.0" encoding="utf-8"?>
+<p:sld xmlns:a="http://schemas.openxmlformats.org/drawingml/2006/main" xmlns:r="http://schemas.openxmlformats.org/officeDocument/2006/relationships" xmlns:p="http://schemas.openxmlformats.org/presentationml/2006/main">
+  <p:cSld>
+    <p:spTree>
+      <p:nvGrpSpPr>
+        <p:cNvPr id="1" name=""/>
+        <p:cNvGrpSpPr/>
+        <p:nvPr/>
+      </p:nvGrpSpPr>
+      <p:grpSpPr>
+        <a:xfrm>
+          <a:off x="0" y="0"/>
+          <a:ext cx="0" cy="0"/>
+          <a:chOff x="0" y="0"/>
+          <a:chExt cx="0" cy="0"/>
+        </a:xfrm>
+      </p:grpSpPr>
+      <p:sp>
+        <p:nvSpPr>
+          <p:cNvPr id="2" name="Title 1"/>
+          <p:cNvSpPr>
+            <a:spLocks noGrp="1"/>
+          </p:cNvSpPr>
+          <p:nvPr>
+            <p:ph type="title"/>
+          </p:nvPr>
+        </p:nvSpPr>
+        <p:spPr>
+          <a:xfrm>
+            <a:off x="1554007" y="280105"/>
+            <a:ext cx="9328461" cy="1041083"/>
+          </a:xfrm>
+        </p:spPr>
+        <p:txBody>
+          <a:bodyPr/>
+          <a:lstStyle/>
+          <a:p>
+            <a:r>
+              <a:rPr lang="en-US" dirty="0"/>
+              <a:t>Unreasonable Effectiveness of Data and Deep Architectures</a:t>
+            </a:r>
+          </a:p>
+        </p:txBody>
+      </p:sp>
+      <p:cxnSp>
+        <p:nvCxnSpPr>
+          <p:cNvPr id="5" name="Straight Arrow Connector 4"/>
+          <p:cNvCxnSpPr/>
+          <p:nvPr/>
+        </p:nvCxnSpPr>
+        <p:spPr>
+          <a:xfrm flipV="1">
+            <a:off x="2022118" y="1789159"/>
+            <a:ext cx="0" cy="4273826"/>
+          </a:xfrm>
+          <a:prstGeom prst="straightConnector1">
+            <a:avLst/>
+          </a:prstGeom>
+          <a:ln w="25400">
+            <a:solidFill>
+              <a:schemeClr val="tx1">
+                <a:lumMod val="95000"/>
+              </a:schemeClr>
+            </a:solidFill>
+            <a:miter lim="800000"/>
+            <a:tailEnd type="triangle" w="med" len="lg"/>
+          </a:ln>
+        </p:spPr>
+        <p:style>
+          <a:lnRef idx="1">
+            <a:schemeClr val="accent1"/>
+          </a:lnRef>
+          <a:fillRef idx="0">
+            <a:schemeClr val="accent1"/>
+          </a:fillRef>
+          <a:effectRef idx="0">
+            <a:schemeClr val="accent1"/>
+          </a:effectRef>
+          <a:fontRef idx="minor">
+            <a:schemeClr val="tx1"/>
+          </a:fontRef>
+        </p:style>
+      </p:cxnSp>
+      <p:cxnSp>
+        <p:nvCxnSpPr>
+          <p:cNvPr id="7" name="Straight Arrow Connector 6"/>
+          <p:cNvCxnSpPr/>
+          <p:nvPr/>
+        </p:nvCxnSpPr>
+        <p:spPr>
+          <a:xfrm>
+            <a:off x="2022118" y="6062985"/>
+            <a:ext cx="7615180" cy="0"/>
+          </a:xfrm>
+          <a:prstGeom prst="straightConnector1">
+            <a:avLst/>
+          </a:prstGeom>
+          <a:ln w="25400">
+            <a:solidFill>
+              <a:schemeClr val="tx1">
+                <a:lumMod val="95000"/>
+              </a:schemeClr>
+            </a:solidFill>
+            <a:miter lim="800000"/>
+            <a:tailEnd type="triangle" w="med" len="lg"/>
+          </a:ln>
+        </p:spPr>
+        <p:style>
+          <a:lnRef idx="1">
+            <a:schemeClr val="accent1"/>
+          </a:lnRef>
+          <a:fillRef idx="0">
+            <a:schemeClr val="accent1"/>
+          </a:fillRef>
+          <a:effectRef idx="0">
+            <a:schemeClr val="accent1"/>
+          </a:effectRef>
+          <a:fontRef idx="minor">
+            <a:schemeClr val="tx1"/>
+          </a:fontRef>
+        </p:style>
+      </p:cxnSp>
+      <p:sp>
+        <p:nvSpPr>
+          <p:cNvPr id="18" name="Freeform 17"/>
+          <p:cNvSpPr/>
+          <p:nvPr/>
+        </p:nvSpPr>
+        <p:spPr>
+          <a:xfrm>
+            <a:off x="2032372" y="3214550"/>
+            <a:ext cx="7371809" cy="2822534"/>
+          </a:xfrm>
+          <a:custGeom>
+            <a:avLst/>
+            <a:gdLst>
+              <a:gd name="connsiteX0" fmla="*/ 0 w 6722533"/>
+              <a:gd name="connsiteY0" fmla="*/ 2760133 h 2760133"/>
+              <a:gd name="connsiteX1" fmla="*/ 321733 w 6722533"/>
+              <a:gd name="connsiteY1" fmla="*/ 1422400 h 2760133"/>
+              <a:gd name="connsiteX2" fmla="*/ 1016000 w 6722533"/>
+              <a:gd name="connsiteY2" fmla="*/ 541866 h 2760133"/>
+              <a:gd name="connsiteX3" fmla="*/ 2692400 w 6722533"/>
+              <a:gd name="connsiteY3" fmla="*/ 169333 h 2760133"/>
+              <a:gd name="connsiteX4" fmla="*/ 4521200 w 6722533"/>
+              <a:gd name="connsiteY4" fmla="*/ 33866 h 2760133"/>
+              <a:gd name="connsiteX5" fmla="*/ 5689600 w 6722533"/>
+              <a:gd name="connsiteY5" fmla="*/ 16933 h 2760133"/>
+              <a:gd name="connsiteX6" fmla="*/ 6417733 w 6722533"/>
+              <a:gd name="connsiteY6" fmla="*/ 0 h 2760133"/>
+              <a:gd name="connsiteX7" fmla="*/ 6722533 w 6722533"/>
+              <a:gd name="connsiteY7" fmla="*/ 16933 h 2760133"/>
+            </a:gdLst>
+            <a:ahLst/>
+            <a:cxnLst>
+              <a:cxn ang="0">
+                <a:pos x="connsiteX0" y="connsiteY0"/>
+              </a:cxn>
+              <a:cxn ang="0">
+                <a:pos x="connsiteX1" y="connsiteY1"/>
+              </a:cxn>
+              <a:cxn ang="0">
+                <a:pos x="connsiteX2" y="connsiteY2"/>
+              </a:cxn>
+              <a:cxn ang="0">
+                <a:pos x="connsiteX3" y="connsiteY3"/>
+              </a:cxn>
+              <a:cxn ang="0">
+                <a:pos x="connsiteX4" y="connsiteY4"/>
+              </a:cxn>
+              <a:cxn ang="0">
+                <a:pos x="connsiteX5" y="connsiteY5"/>
+              </a:cxn>
+              <a:cxn ang="0">
+                <a:pos x="connsiteX6" y="connsiteY6"/>
+              </a:cxn>
+              <a:cxn ang="0">
+                <a:pos x="connsiteX7" y="connsiteY7"/>
+              </a:cxn>
+            </a:cxnLst>
+            <a:rect l="l" t="t" r="r" b="b"/>
+            <a:pathLst>
+              <a:path w="6722533" h="2760133">
+                <a:moveTo>
+                  <a:pt x="0" y="2760133"/>
+                </a:moveTo>
+                <a:cubicBezTo>
+                  <a:pt x="76200" y="2276122"/>
+                  <a:pt x="152400" y="1792111"/>
+                  <a:pt x="321733" y="1422400"/>
+                </a:cubicBezTo>
+                <a:cubicBezTo>
+                  <a:pt x="491066" y="1052689"/>
+                  <a:pt x="620889" y="750710"/>
+                  <a:pt x="1016000" y="541866"/>
+                </a:cubicBezTo>
+                <a:cubicBezTo>
+                  <a:pt x="1411111" y="333022"/>
+                  <a:pt x="2108200" y="254000"/>
+                  <a:pt x="2692400" y="169333"/>
+                </a:cubicBezTo>
+                <a:cubicBezTo>
+                  <a:pt x="3276600" y="84666"/>
+                  <a:pt x="4021667" y="59266"/>
+                  <a:pt x="4521200" y="33866"/>
+                </a:cubicBezTo>
+                <a:cubicBezTo>
+                  <a:pt x="5020733" y="8466"/>
+                  <a:pt x="5689600" y="16933"/>
+                  <a:pt x="5689600" y="16933"/>
+                </a:cubicBezTo>
+                <a:lnTo>
+                  <a:pt x="6417733" y="0"/>
+                </a:lnTo>
+                <a:cubicBezTo>
+                  <a:pt x="6589888" y="0"/>
+                  <a:pt x="6722533" y="16933"/>
+                  <a:pt x="6722533" y="16933"/>
+                </a:cubicBezTo>
+              </a:path>
+            </a:pathLst>
+          </a:custGeom>
+          <a:noFill/>
+          <a:ln w="63500">
+            <a:solidFill>
+              <a:schemeClr val="accent1">
+                <a:lumMod val="40000"/>
+                <a:lumOff val="60000"/>
+              </a:schemeClr>
+            </a:solidFill>
+            <a:miter lim="800000"/>
+          </a:ln>
+        </p:spPr>
+        <p:style>
+          <a:lnRef idx="2">
+            <a:schemeClr val="accent1">
+              <a:shade val="50000"/>
+            </a:schemeClr>
+          </a:lnRef>
+          <a:fillRef idx="1">
+            <a:schemeClr val="accent1"/>
+          </a:fillRef>
+          <a:effectRef idx="0">
+            <a:schemeClr val="accent1"/>
+          </a:effectRef>
+          <a:fontRef idx="minor">
+            <a:schemeClr val="lt1"/>
+          </a:fontRef>
+        </p:style>
+        <p:txBody>
+          <a:bodyPr rtlCol="0" anchor="ctr"/>
+          <a:lstStyle/>
+          <a:p>
+            <a:pPr algn="ctr" defTabSz="932563">
+              <a:defRPr/>
+            </a:pPr>
+            <a:endParaRPr lang="en-US" sz="1836" dirty="0">
+              <a:solidFill>
+                <a:srgbClr val="FFFFFF"/>
+              </a:solidFill>
+              <a:latin typeface="Segoe UI Semilight"/>
+            </a:endParaRPr>
+          </a:p>
+        </p:txBody>
+      </p:sp>
+      <p:sp>
+        <p:nvSpPr>
+          <p:cNvPr id="20" name="Freeform 19"/>
+          <p:cNvSpPr/>
+          <p:nvPr/>
+        </p:nvSpPr>
+        <p:spPr>
+          <a:xfrm>
+            <a:off x="2049638" y="2099985"/>
+            <a:ext cx="7354541" cy="3902564"/>
+          </a:xfrm>
+          <a:custGeom>
+            <a:avLst/>
+            <a:gdLst>
+              <a:gd name="connsiteX0" fmla="*/ 0 w 7044267"/>
+              <a:gd name="connsiteY0" fmla="*/ 3742266 h 3742266"/>
+              <a:gd name="connsiteX1" fmla="*/ 626533 w 7044267"/>
+              <a:gd name="connsiteY1" fmla="*/ 2387600 h 3742266"/>
+              <a:gd name="connsiteX2" fmla="*/ 1591733 w 7044267"/>
+              <a:gd name="connsiteY2" fmla="*/ 1439333 h 3742266"/>
+              <a:gd name="connsiteX3" fmla="*/ 2810933 w 7044267"/>
+              <a:gd name="connsiteY3" fmla="*/ 880533 h 3742266"/>
+              <a:gd name="connsiteX4" fmla="*/ 4470400 w 7044267"/>
+              <a:gd name="connsiteY4" fmla="*/ 474133 h 3742266"/>
+              <a:gd name="connsiteX5" fmla="*/ 5554133 w 7044267"/>
+              <a:gd name="connsiteY5" fmla="*/ 237066 h 3742266"/>
+              <a:gd name="connsiteX6" fmla="*/ 6553200 w 7044267"/>
+              <a:gd name="connsiteY6" fmla="*/ 67733 h 3742266"/>
+              <a:gd name="connsiteX7" fmla="*/ 7044267 w 7044267"/>
+              <a:gd name="connsiteY7" fmla="*/ 0 h 3742266"/>
+            </a:gdLst>
+            <a:ahLst/>
+            <a:cxnLst>
+              <a:cxn ang="0">
+                <a:pos x="connsiteX0" y="connsiteY0"/>
+              </a:cxn>
+              <a:cxn ang="0">
+                <a:pos x="connsiteX1" y="connsiteY1"/>
+              </a:cxn>
+              <a:cxn ang="0">
+                <a:pos x="connsiteX2" y="connsiteY2"/>
+              </a:cxn>
+              <a:cxn ang="0">
+                <a:pos x="connsiteX3" y="connsiteY3"/>
+              </a:cxn>
+              <a:cxn ang="0">
+                <a:pos x="connsiteX4" y="connsiteY4"/>
+              </a:cxn>
+              <a:cxn ang="0">
+                <a:pos x="connsiteX5" y="connsiteY5"/>
+              </a:cxn>
+              <a:cxn ang="0">
+                <a:pos x="connsiteX6" y="connsiteY6"/>
+              </a:cxn>
+              <a:cxn ang="0">
+                <a:pos x="connsiteX7" y="connsiteY7"/>
+              </a:cxn>
+            </a:cxnLst>
+            <a:rect l="l" t="t" r="r" b="b"/>
+            <a:pathLst>
+              <a:path w="7044267" h="3742266">
+                <a:moveTo>
+                  <a:pt x="0" y="3742266"/>
+                </a:moveTo>
+                <a:cubicBezTo>
+                  <a:pt x="180622" y="3256844"/>
+                  <a:pt x="361244" y="2771422"/>
+                  <a:pt x="626533" y="2387600"/>
+                </a:cubicBezTo>
+                <a:cubicBezTo>
+                  <a:pt x="891822" y="2003778"/>
+                  <a:pt x="1227666" y="1690511"/>
+                  <a:pt x="1591733" y="1439333"/>
+                </a:cubicBezTo>
+                <a:cubicBezTo>
+                  <a:pt x="1955800" y="1188155"/>
+                  <a:pt x="2331155" y="1041400"/>
+                  <a:pt x="2810933" y="880533"/>
+                </a:cubicBezTo>
+                <a:cubicBezTo>
+                  <a:pt x="3290711" y="719666"/>
+                  <a:pt x="4013200" y="581378"/>
+                  <a:pt x="4470400" y="474133"/>
+                </a:cubicBezTo>
+                <a:cubicBezTo>
+                  <a:pt x="4927600" y="366888"/>
+                  <a:pt x="5207000" y="304799"/>
+                  <a:pt x="5554133" y="237066"/>
+                </a:cubicBezTo>
+                <a:cubicBezTo>
+                  <a:pt x="5901266" y="169333"/>
+                  <a:pt x="6304844" y="107244"/>
+                  <a:pt x="6553200" y="67733"/>
+                </a:cubicBezTo>
+                <a:cubicBezTo>
+                  <a:pt x="6801556" y="28222"/>
+                  <a:pt x="7044267" y="0"/>
+                  <a:pt x="7044267" y="0"/>
+                </a:cubicBezTo>
+              </a:path>
+            </a:pathLst>
+          </a:custGeom>
+          <a:noFill/>
+          <a:ln w="73025">
+            <a:solidFill>
+              <a:schemeClr val="accent2">
+                <a:lumMod val="75000"/>
+              </a:schemeClr>
+            </a:solidFill>
+            <a:miter lim="800000"/>
+          </a:ln>
+        </p:spPr>
+        <p:style>
+          <a:lnRef idx="2">
+            <a:schemeClr val="accent1">
+              <a:shade val="50000"/>
+            </a:schemeClr>
+          </a:lnRef>
+          <a:fillRef idx="1">
+            <a:schemeClr val="accent1"/>
+          </a:fillRef>
+          <a:effectRef idx="0">
+            <a:schemeClr val="accent1"/>
+          </a:effectRef>
+          <a:fontRef idx="minor">
+            <a:schemeClr val="lt1"/>
+          </a:fontRef>
+        </p:style>
+        <p:txBody>
+          <a:bodyPr rtlCol="0" anchor="ctr"/>
+          <a:lstStyle/>
+          <a:p>
+            <a:pPr algn="ctr" defTabSz="932563">
+              <a:defRPr/>
+            </a:pPr>
+            <a:endParaRPr lang="en-US" sz="1836">
+              <a:solidFill>
+                <a:srgbClr val="FFFFFF"/>
+              </a:solidFill>
+              <a:latin typeface="Segoe UI Semilight"/>
+            </a:endParaRPr>
+          </a:p>
+        </p:txBody>
+      </p:sp>
+      <p:sp>
+        <p:nvSpPr>
+          <p:cNvPr id="23" name="TextBox 22"/>
+          <p:cNvSpPr txBox="1"/>
+          <p:nvPr/>
+        </p:nvSpPr>
+        <p:spPr>
+          <a:xfrm>
+            <a:off x="96738" y="1632320"/>
+            <a:ext cx="2020354" cy="439926"/>
+          </a:xfrm>
+          <a:prstGeom prst="rect">
+            <a:avLst/>
+          </a:prstGeom>
+          <a:noFill/>
+        </p:spPr>
+        <p:txBody>
+          <a:bodyPr wrap="square" rtlCol="0">
+            <a:spAutoFit/>
+          </a:bodyPr>
+          <a:lstStyle/>
+          <a:p>
+            <a:pPr defTabSz="932563">
+              <a:lnSpc>
+                <a:spcPct val="90000"/>
+              </a:lnSpc>
+              <a:defRPr/>
+            </a:pPr>
+            <a:r>
+              <a:rPr lang="en-US" sz="2448">
+                <a:solidFill>
+                  <a:srgbClr val="505050"/>
+                </a:solidFill>
+                <a:latin typeface="Segoe UI Semilight"/>
+              </a:rPr>
+              <a:t>performance</a:t>
+            </a:r>
+            <a:endParaRPr lang="en-US" sz="2448" dirty="0">
+              <a:solidFill>
+                <a:srgbClr val="505050"/>
+              </a:solidFill>
+              <a:latin typeface="Segoe UI Semilight"/>
+            </a:endParaRPr>
+          </a:p>
+        </p:txBody>
+      </p:sp>
+      <p:sp>
+        <p:nvSpPr>
+          <p:cNvPr id="24" name="TextBox 23"/>
+          <p:cNvSpPr txBox="1"/>
+          <p:nvPr/>
+        </p:nvSpPr>
+        <p:spPr>
+          <a:xfrm>
+            <a:off x="8627121" y="6123425"/>
+            <a:ext cx="2020354" cy="439988"/>
+          </a:xfrm>
+          <a:prstGeom prst="rect">
+            <a:avLst/>
+          </a:prstGeom>
+          <a:noFill/>
+        </p:spPr>
+        <p:txBody>
+          <a:bodyPr wrap="square" rtlCol="0">
+            <a:spAutoFit/>
+          </a:bodyPr>
+          <a:lstStyle/>
+          <a:p>
+            <a:pPr defTabSz="932563">
+              <a:lnSpc>
+                <a:spcPct val="90000"/>
+              </a:lnSpc>
+              <a:defRPr/>
+            </a:pPr>
+            <a:r>
+              <a:rPr lang="en-US" sz="2448" dirty="0">
+                <a:solidFill>
+                  <a:srgbClr val="505050"/>
+                </a:solidFill>
+                <a:latin typeface="Segoe UI Semilight"/>
+              </a:rPr>
+              <a:t>training data</a:t>
+            </a:r>
+          </a:p>
+        </p:txBody>
+      </p:sp>
+      <p:sp>
+        <p:nvSpPr>
+          <p:cNvPr id="25" name="TextBox 24"/>
+          <p:cNvSpPr txBox="1"/>
+          <p:nvPr/>
+        </p:nvSpPr>
+        <p:spPr>
+          <a:xfrm>
+            <a:off x="7616943" y="1666858"/>
+            <a:ext cx="2486589" cy="439926"/>
+          </a:xfrm>
+          <a:prstGeom prst="rect">
+            <a:avLst/>
+          </a:prstGeom>
+          <a:noFill/>
+        </p:spPr>
+        <p:txBody>
+          <a:bodyPr wrap="square" rtlCol="0">
+            <a:spAutoFit/>
+          </a:bodyPr>
+          <a:lstStyle/>
+          <a:p>
+            <a:pPr defTabSz="932563">
+              <a:lnSpc>
+                <a:spcPct val="90000"/>
+              </a:lnSpc>
+              <a:defRPr/>
+            </a:pPr>
+            <a:r>
+              <a:rPr lang="en-US" sz="2448" dirty="0">
+                <a:solidFill>
+                  <a:srgbClr val="505050"/>
+                </a:solidFill>
+                <a:latin typeface="Segoe UI Semilight"/>
+              </a:rPr>
+              <a:t>neural networks</a:t>
+            </a:r>
+          </a:p>
+        </p:txBody>
+      </p:sp>
+      <p:sp>
+        <p:nvSpPr>
+          <p:cNvPr id="26" name="TextBox 25"/>
+          <p:cNvSpPr txBox="1"/>
+          <p:nvPr/>
+        </p:nvSpPr>
+        <p:spPr>
+          <a:xfrm>
+            <a:off x="7727836" y="2711572"/>
+            <a:ext cx="2686521" cy="431400"/>
+          </a:xfrm>
+          <a:prstGeom prst="rect">
+            <a:avLst/>
+          </a:prstGeom>
+          <a:noFill/>
+        </p:spPr>
+        <p:txBody>
+          <a:bodyPr wrap="square" rtlCol="0">
+            <a:spAutoFit/>
+          </a:bodyPr>
+          <a:lstStyle/>
+          <a:p>
+            <a:pPr defTabSz="932563">
+              <a:lnSpc>
+                <a:spcPct val="90000"/>
+              </a:lnSpc>
+              <a:defRPr/>
+            </a:pPr>
+            <a:r>
+              <a:rPr lang="en-US" sz="2448" dirty="0">
+                <a:solidFill>
+                  <a:srgbClr val="505050"/>
+                </a:solidFill>
+                <a:latin typeface="Segoe UI Semilight"/>
+              </a:rPr>
+              <a:t>traditional learners</a:t>
+            </a:r>
+          </a:p>
+        </p:txBody>
+      </p:sp>
+      <p:sp>
+        <p:nvSpPr>
+          <p:cNvPr id="30" name="TextBox 29"/>
+          <p:cNvSpPr txBox="1"/>
+          <p:nvPr/>
+        </p:nvSpPr>
+        <p:spPr>
+          <a:xfrm>
+            <a:off x="96737" y="6565966"/>
+            <a:ext cx="11327797" cy="382254"/>
+          </a:xfrm>
+          <a:prstGeom prst="rect">
+            <a:avLst/>
+          </a:prstGeom>
+          <a:noFill/>
+        </p:spPr>
+        <p:txBody>
+          <a:bodyPr wrap="square" rtlCol="0">
+            <a:spAutoFit/>
+          </a:bodyPr>
+          <a:lstStyle/>
+          <a:p>
+            <a:pPr defTabSz="932563">
+              <a:defRPr/>
+            </a:pPr>
+            <a:r>
+              <a:rPr lang="en-US" sz="1836" b="1" dirty="0">
+                <a:solidFill>
+                  <a:srgbClr val="505050"/>
+                </a:solidFill>
+                <a:latin typeface="Segoe UI Semilight"/>
+                <a:hlinkClick r:id="rId3"/>
+              </a:rPr>
+              <a:t>Revisiting Unreasonable Effectiveness of Data in Deep Learning Era, Google</a:t>
+            </a:r>
+            <a:endParaRPr lang="en-US" sz="1836" b="1" dirty="0">
+              <a:solidFill>
+                <a:srgbClr val="505050"/>
+              </a:solidFill>
+              <a:latin typeface="Segoe UI Semilight"/>
+            </a:endParaRPr>
+          </a:p>
+        </p:txBody>
+      </p:sp>
+    </p:spTree>
+    <p:extLst>
+      <p:ext uri="{BB962C8B-B14F-4D97-AF65-F5344CB8AC3E}">
+        <p14:creationId xmlns:p14="http://schemas.microsoft.com/office/powerpoint/2010/main" val="1183732149"/>
+      </p:ext>
+    </p:extLst>
+  </p:cSld>
+  <p:clrMapOvr>
+    <a:masterClrMapping/>
+  </p:clrMapOvr>
+  <mc:AlternateContent xmlns:mc="http://schemas.openxmlformats.org/markup-compatibility/2006" xmlns:p14="http://schemas.microsoft.com/office/powerpoint/2010/main">
+    <mc:Choice Requires="p14">
+      <p:transition spd="med" p14:dur="700">
+        <p:fade/>
+      </p:transition>
+    </mc:Choice>
+    <mc:Fallback xmlns="">
+      <p:transition spd="med">
+        <p:fade/>
+      </p:transition>
+    </mc:Fallback>
+  </mc:AlternateContent>
+  <p:timing>
+    <p:tnLst>
+      <p:par>
+        <p:cTn id="1" dur="indefinite" restart="never" nodeType="tmRoot">
+          <p:childTnLst>
+            <p:seq concurrent="1" nextAc="seek">
+              <p:cTn id="2" dur="indefinite" nodeType="mainSeq">
+                <p:childTnLst>
+                  <p:par>
+                    <p:cTn id="3" fill="hold">
+                      <p:stCondLst>
+                        <p:cond delay="indefinite"/>
+                      </p:stCondLst>
+                      <p:childTnLst>
+                        <p:par>
+                          <p:cTn id="4" fill="hold">
+                            <p:stCondLst>
+                              <p:cond delay="0"/>
+                            </p:stCondLst>
+                            <p:childTnLst>
+                              <p:par>
+                                <p:cTn id="5" presetID="1" presetClass="entr" presetSubtype="0" fill="hold" grpId="0" nodeType="clickEffect">
+                                  <p:stCondLst>
+                                    <p:cond delay="0"/>
+                                  </p:stCondLst>
+                                  <p:childTnLst>
+                                    <p:set>
+                                      <p:cBhvr>
+                                        <p:cTn id="6" dur="1" fill="hold">
+                                          <p:stCondLst>
+                                            <p:cond delay="0"/>
+                                          </p:stCondLst>
+                                        </p:cTn>
+                                        <p:tgtEl>
+                                          <p:spTgt spid="2"/>
+                                        </p:tgtEl>
+                                        <p:attrNameLst>
+                                          <p:attrName>style.visibility</p:attrName>
+                                        </p:attrNameLst>
+                                      </p:cBhvr>
+                                      <p:to>
+                                        <p:strVal val="visible"/>
+                                      </p:to>
+                                    </p:set>
+                                  </p:childTnLst>
+                                </p:cTn>
+                              </p:par>
+                              <p:par>
+                                <p:cTn id="7" presetID="1" presetClass="entr" presetSubtype="0" fill="hold" nodeType="withEffect">
+                                  <p:stCondLst>
+                                    <p:cond delay="0"/>
+                                  </p:stCondLst>
+                                  <p:childTnLst>
+                                    <p:set>
+                                      <p:cBhvr>
+                                        <p:cTn id="8" dur="1" fill="hold">
+                                          <p:stCondLst>
+                                            <p:cond delay="0"/>
+                                          </p:stCondLst>
+                                        </p:cTn>
+                                        <p:tgtEl>
+                                          <p:spTgt spid="5"/>
+                                        </p:tgtEl>
+                                        <p:attrNameLst>
+                                          <p:attrName>style.visibility</p:attrName>
+                                        </p:attrNameLst>
+                                      </p:cBhvr>
+                                      <p:to>
+                                        <p:strVal val="visible"/>
+                                      </p:to>
+                                    </p:set>
+                                  </p:childTnLst>
+                                </p:cTn>
+                              </p:par>
+                              <p:par>
+                                <p:cTn id="9" presetID="1" presetClass="entr" presetSubtype="0" fill="hold" nodeType="withEffect">
+                                  <p:stCondLst>
+                                    <p:cond delay="0"/>
+                                  </p:stCondLst>
+                                  <p:childTnLst>
+                                    <p:set>
+                                      <p:cBhvr>
+                                        <p:cTn id="10" dur="1" fill="hold">
+                                          <p:stCondLst>
+                                            <p:cond delay="0"/>
+                                          </p:stCondLst>
+                                        </p:cTn>
+                                        <p:tgtEl>
+                                          <p:spTgt spid="7"/>
+                                        </p:tgtEl>
+                                        <p:attrNameLst>
+                                          <p:attrName>style.visibility</p:attrName>
+                                        </p:attrNameLst>
+                                      </p:cBhvr>
+                                      <p:to>
+                                        <p:strVal val="visible"/>
+                                      </p:to>
+                                    </p:set>
+                                  </p:childTnLst>
+                                </p:cTn>
+                              </p:par>
+                              <p:par>
+                                <p:cTn id="11" presetID="1" presetClass="entr" presetSubtype="0" fill="hold" grpId="0" nodeType="withEffect">
+                                  <p:stCondLst>
+                                    <p:cond delay="0"/>
+                                  </p:stCondLst>
+                                  <p:childTnLst>
+                                    <p:set>
+                                      <p:cBhvr>
+                                        <p:cTn id="12" dur="1" fill="hold">
+                                          <p:stCondLst>
+                                            <p:cond delay="0"/>
+                                          </p:stCondLst>
+                                        </p:cTn>
+                                        <p:tgtEl>
+                                          <p:spTgt spid="24"/>
+                                        </p:tgtEl>
+                                        <p:attrNameLst>
+                                          <p:attrName>style.visibility</p:attrName>
+                                        </p:attrNameLst>
+                                      </p:cBhvr>
+                                      <p:to>
+                                        <p:strVal val="visible"/>
+                                      </p:to>
+                                    </p:set>
+                                  </p:childTnLst>
+                                </p:cTn>
+                              </p:par>
+                              <p:par>
+                                <p:cTn id="13" presetID="1" presetClass="entr" presetSubtype="0" fill="hold" grpId="0" nodeType="withEffect">
+                                  <p:stCondLst>
+                                    <p:cond delay="0"/>
+                                  </p:stCondLst>
+                                  <p:childTnLst>
+                                    <p:set>
+                                      <p:cBhvr>
+                                        <p:cTn id="14" dur="1" fill="hold">
+                                          <p:stCondLst>
+                                            <p:cond delay="0"/>
+                                          </p:stCondLst>
+                                        </p:cTn>
+                                        <p:tgtEl>
+                                          <p:spTgt spid="23"/>
+                                        </p:tgtEl>
+                                        <p:attrNameLst>
+                                          <p:attrName>style.visibility</p:attrName>
+                                        </p:attrNameLst>
+                                      </p:cBhvr>
+                                      <p:to>
+                                        <p:strVal val="visible"/>
+                                      </p:to>
+                                    </p:set>
+                                  </p:childTnLst>
+                                </p:cTn>
+                              </p:par>
+                            </p:childTnLst>
+                          </p:cTn>
+                        </p:par>
+                      </p:childTnLst>
+                    </p:cTn>
+                  </p:par>
+                  <p:par>
+                    <p:cTn id="15" fill="hold">
+                      <p:stCondLst>
+                        <p:cond delay="indefinite"/>
+                      </p:stCondLst>
+                      <p:childTnLst>
+                        <p:par>
+                          <p:cTn id="16" fill="hold">
+                            <p:stCondLst>
+                              <p:cond delay="0"/>
+                            </p:stCondLst>
+                            <p:childTnLst>
+                              <p:par>
+                                <p:cTn id="17" presetID="10" presetClass="entr" presetSubtype="0" fill="hold" grpId="0" nodeType="clickEffect">
+                                  <p:stCondLst>
+                                    <p:cond delay="0"/>
+                                  </p:stCondLst>
+                                  <p:childTnLst>
+                                    <p:set>
+                                      <p:cBhvr>
+                                        <p:cTn id="18" dur="1" fill="hold">
+                                          <p:stCondLst>
+                                            <p:cond delay="0"/>
+                                          </p:stCondLst>
+                                        </p:cTn>
+                                        <p:tgtEl>
+                                          <p:spTgt spid="18"/>
+                                        </p:tgtEl>
+                                        <p:attrNameLst>
+                                          <p:attrName>style.visibility</p:attrName>
+                                        </p:attrNameLst>
+                                      </p:cBhvr>
+                                      <p:to>
+                                        <p:strVal val="visible"/>
+                                      </p:to>
+                                    </p:set>
+                                    <p:animEffect transition="in" filter="fade">
+                                      <p:cBhvr>
+                                        <p:cTn id="19" dur="500"/>
+                                        <p:tgtEl>
+                                          <p:spTgt spid="18"/>
+                                        </p:tgtEl>
+                                      </p:cBhvr>
+                                    </p:animEffect>
+                                  </p:childTnLst>
+                                </p:cTn>
+                              </p:par>
+                              <p:par>
+                                <p:cTn id="20" presetID="10" presetClass="entr" presetSubtype="0" fill="hold" grpId="0" nodeType="withEffect">
+                                  <p:stCondLst>
+                                    <p:cond delay="0"/>
+                                  </p:stCondLst>
+                                  <p:childTnLst>
+                                    <p:set>
+                                      <p:cBhvr>
+                                        <p:cTn id="21" dur="1" fill="hold">
+                                          <p:stCondLst>
+                                            <p:cond delay="0"/>
+                                          </p:stCondLst>
+                                        </p:cTn>
+                                        <p:tgtEl>
+                                          <p:spTgt spid="26"/>
+                                        </p:tgtEl>
+                                        <p:attrNameLst>
+                                          <p:attrName>style.visibility</p:attrName>
+                                        </p:attrNameLst>
+                                      </p:cBhvr>
+                                      <p:to>
+                                        <p:strVal val="visible"/>
+                                      </p:to>
+                                    </p:set>
+                                    <p:animEffect transition="in" filter="fade">
+                                      <p:cBhvr>
+                                        <p:cTn id="22" dur="500"/>
+                                        <p:tgtEl>
+                                          <p:spTgt spid="26"/>
+                                        </p:tgtEl>
+                                      </p:cBhvr>
+                                    </p:animEffect>
+                                  </p:childTnLst>
+                                </p:cTn>
+                              </p:par>
+                            </p:childTnLst>
+                          </p:cTn>
+                        </p:par>
+                      </p:childTnLst>
+                    </p:cTn>
+                  </p:par>
+                  <p:par>
+                    <p:cTn id="23" fill="hold">
+                      <p:stCondLst>
+                        <p:cond delay="indefinite"/>
+                      </p:stCondLst>
+                      <p:childTnLst>
+                        <p:par>
+                          <p:cTn id="24" fill="hold">
+                            <p:stCondLst>
+                              <p:cond delay="0"/>
+                            </p:stCondLst>
+                            <p:childTnLst>
+                              <p:par>
+                                <p:cTn id="25" presetID="10" presetClass="entr" presetSubtype="0" fill="hold" grpId="0" nodeType="clickEffect">
+                                  <p:stCondLst>
+                                    <p:cond delay="0"/>
+                                  </p:stCondLst>
+                                  <p:childTnLst>
+                                    <p:set>
+                                      <p:cBhvr>
+                                        <p:cTn id="26" dur="1" fill="hold">
+                                          <p:stCondLst>
+                                            <p:cond delay="0"/>
+                                          </p:stCondLst>
+                                        </p:cTn>
+                                        <p:tgtEl>
+                                          <p:spTgt spid="20"/>
+                                        </p:tgtEl>
+                                        <p:attrNameLst>
+                                          <p:attrName>style.visibility</p:attrName>
+                                        </p:attrNameLst>
+                                      </p:cBhvr>
+                                      <p:to>
+                                        <p:strVal val="visible"/>
+                                      </p:to>
+                                    </p:set>
+                                    <p:animEffect transition="in" filter="fade">
+                                      <p:cBhvr>
+                                        <p:cTn id="27" dur="3000"/>
+                                        <p:tgtEl>
+                                          <p:spTgt spid="20"/>
+                                        </p:tgtEl>
+                                      </p:cBhvr>
+                                    </p:animEffect>
+                                  </p:childTnLst>
+                                </p:cTn>
+                              </p:par>
+                              <p:par>
+                                <p:cTn id="28" presetID="10" presetClass="entr" presetSubtype="0" fill="hold" grpId="0" nodeType="withEffect">
+                                  <p:stCondLst>
+                                    <p:cond delay="0"/>
+                                  </p:stCondLst>
+                                  <p:childTnLst>
+                                    <p:set>
+                                      <p:cBhvr>
+                                        <p:cTn id="29" dur="1" fill="hold">
+                                          <p:stCondLst>
+                                            <p:cond delay="0"/>
+                                          </p:stCondLst>
+                                        </p:cTn>
+                                        <p:tgtEl>
+                                          <p:spTgt spid="25"/>
+                                        </p:tgtEl>
+                                        <p:attrNameLst>
+                                          <p:attrName>style.visibility</p:attrName>
+                                        </p:attrNameLst>
+                                      </p:cBhvr>
+                                      <p:to>
+                                        <p:strVal val="visible"/>
+                                      </p:to>
+                                    </p:set>
+                                    <p:animEffect transition="in" filter="fade">
+                                      <p:cBhvr>
+                                        <p:cTn id="30" dur="3000"/>
+                                        <p:tgtEl>
+                                          <p:spTgt spid="25"/>
+                                        </p:tgtEl>
+                                      </p:cBhvr>
+                                    </p:animEffect>
+                                  </p:childTnLst>
+                                </p:cTn>
+                              </p:par>
+                            </p:childTnLst>
+                          </p:cTn>
+                        </p:par>
+                      </p:childTnLst>
+                    </p:cTn>
+                  </p:par>
+                  <p:par>
+                    <p:cTn id="31" fill="hold">
+                      <p:stCondLst>
+                        <p:cond delay="indefinite"/>
+                      </p:stCondLst>
+                      <p:childTnLst>
+                        <p:par>
+                          <p:cTn id="32" fill="hold">
+                            <p:stCondLst>
+                              <p:cond delay="0"/>
+                            </p:stCondLst>
+                            <p:childTnLst>
+                              <p:par>
+                                <p:cTn id="33" presetID="1" presetClass="entr" presetSubtype="0" fill="hold" grpId="0" nodeType="clickEffect">
+                                  <p:stCondLst>
+                                    <p:cond delay="0"/>
+                                  </p:stCondLst>
+                                  <p:childTnLst>
+                                    <p:set>
+                                      <p:cBhvr>
+                                        <p:cTn id="34" dur="1" fill="hold">
+                                          <p:stCondLst>
+                                            <p:cond delay="0"/>
+                                          </p:stCondLst>
+                                        </p:cTn>
+                                        <p:tgtEl>
+                                          <p:spTgt spid="30"/>
+                                        </p:tgtEl>
+                                        <p:attrNameLst>
+                                          <p:attrName>style.visibility</p:attrName>
+                                        </p:attrNameLst>
+                                      </p:cBhvr>
+                                      <p:to>
+                                        <p:strVal val="visible"/>
+                                      </p:to>
+                                    </p:set>
+                                  </p:childTnLst>
+                                </p:cTn>
+                              </p:par>
+                            </p:childTnLst>
+                          </p:cTn>
+                        </p:par>
+                      </p:childTnLst>
+                    </p:cTn>
+                  </p:par>
+                </p:childTnLst>
+              </p:cTn>
+              <p:prevCondLst>
+                <p:cond evt="onPrev" delay="0">
+                  <p:tgtEl>
+                    <p:sldTgt/>
+                  </p:tgtEl>
+                </p:cond>
+              </p:prevCondLst>
+              <p:nextCondLst>
+                <p:cond evt="onNext" delay="0">
+                  <p:tgtEl>
+                    <p:sldTgt/>
+                  </p:tgtEl>
+                </p:cond>
+              </p:nextCondLst>
+            </p:seq>
+          </p:childTnLst>
+        </p:cTn>
+      </p:par>
+    </p:tnLst>
+    <p:bldLst>
+      <p:bldP spid="2" grpId="0"/>
+      <p:bldP spid="18" grpId="0" animBg="1"/>
+      <p:bldP spid="20" grpId="0" animBg="1"/>
+      <p:bldP spid="23" grpId="0"/>
+      <p:bldP spid="24" grpId="0"/>
+      <p:bldP spid="25" grpId="0"/>
+      <p:bldP spid="26" grpId="0"/>
+      <p:bldP spid="30" grpId="0"/>
+    </p:bldLst>
+  </p:timing>
+</p:sld>
+</file>
+
+<file path=ppt/slides/slide5.xml><?xml version="1.0" encoding="utf-8"?>
+<p:sld xmlns:a="http://schemas.openxmlformats.org/drawingml/2006/main" xmlns:r="http://schemas.openxmlformats.org/officeDocument/2006/relationships" xmlns:p="http://schemas.openxmlformats.org/presentationml/2006/main">
+  <p:cSld>
+    <p:spTree>
+      <p:nvGrpSpPr>
+        <p:cNvPr id="1" name=""/>
+        <p:cNvGrpSpPr/>
+        <p:nvPr/>
+      </p:nvGrpSpPr>
+      <p:grpSpPr>
+        <a:xfrm>
+          <a:off x="0" y="0"/>
+          <a:ext cx="0" cy="0"/>
+          <a:chOff x="0" y="0"/>
+          <a:chExt cx="0" cy="0"/>
+        </a:xfrm>
+      </p:grpSpPr>
+      <p:sp>
+        <p:nvSpPr>
+          <p:cNvPr id="2" name="Title 1">
+            <a:extLst>
+              <a:ext uri="{FF2B5EF4-FFF2-40B4-BE49-F238E27FC236}">
+                <a16:creationId xmlns:a16="http://schemas.microsoft.com/office/drawing/2014/main" id="{74F449E6-4F59-9B4C-9F99-373E83270C5A}"/>
+              </a:ext>
+            </a:extLst>
+          </p:cNvPr>
+          <p:cNvSpPr>
+            <a:spLocks noGrp="1"/>
+          </p:cNvSpPr>
+          <p:nvPr>
+            <p:ph type="title"/>
+          </p:nvPr>
+        </p:nvSpPr>
+        <p:spPr>
+          <a:xfrm>
+            <a:off x="1554007" y="280105"/>
+            <a:ext cx="9328461" cy="1041083"/>
+          </a:xfrm>
+        </p:spPr>
+        <p:txBody>
+          <a:bodyPr/>
+          <a:lstStyle/>
+          <a:p>
+            <a:r>
+              <a:rPr lang="en-US" dirty="0"/>
+              <a:t>Deep Learning Success Based on Data Hungry Systems</a:t>
+            </a:r>
+          </a:p>
+        </p:txBody>
+      </p:sp>
+      <p:sp>
+        <p:nvSpPr>
+          <p:cNvPr id="3" name="Content Placeholder 2">
+            <a:extLst>
+              <a:ext uri="{FF2B5EF4-FFF2-40B4-BE49-F238E27FC236}">
+                <a16:creationId xmlns:a16="http://schemas.microsoft.com/office/drawing/2014/main" id="{83D41C73-42AD-3748-AC44-074C3AF21B0C}"/>
+              </a:ext>
+            </a:extLst>
+          </p:cNvPr>
+          <p:cNvSpPr>
+            <a:spLocks noGrp="1"/>
+          </p:cNvSpPr>
+          <p:nvPr>
+            <p:ph idx="1"/>
+          </p:nvPr>
+        </p:nvSpPr>
+        <p:spPr>
+          <a:xfrm>
+            <a:off x="277847" y="1902763"/>
+            <a:ext cx="11885512" cy="3801177"/>
+          </a:xfrm>
+        </p:spPr>
+        <p:txBody>
+          <a:bodyPr/>
+          <a:lstStyle/>
+          <a:p>
+            <a:r>
+              <a:rPr lang="en-US" dirty="0"/>
+              <a:t>Image Recognition</a:t>
+            </a:r>
+          </a:p>
+          <a:p>
+            <a:pPr lvl="1"/>
+            <a:r>
+              <a:rPr lang="en-US" dirty="0"/>
+              <a:t>ImageNet: 14 million examples</a:t>
+            </a:r>
+          </a:p>
+          <a:p>
+            <a:r>
+              <a:rPr lang="en-US" dirty="0"/>
+              <a:t>Machine Translation</a:t>
+            </a:r>
+          </a:p>
+          <a:p>
+            <a:pPr lvl="1"/>
+            <a:r>
+              <a:rPr lang="en-US" dirty="0"/>
+              <a:t>WMT: Millions of sentence pairs</a:t>
+            </a:r>
+          </a:p>
+          <a:p>
+            <a:r>
+              <a:rPr lang="en-US" dirty="0"/>
+              <a:t>Game Playing</a:t>
+            </a:r>
+          </a:p>
+          <a:p>
+            <a:pPr lvl="1"/>
+            <a:r>
+              <a:rPr lang="en-US" dirty="0"/>
+              <a:t>AlphaGo Zero: hundreds of millions of self-play games</a:t>
+            </a:r>
+          </a:p>
+          <a:p>
+            <a:pPr lvl="1"/>
+            <a:r>
+              <a:rPr lang="en-US" dirty="0"/>
+              <a:t>AlphaGo: tens of millions of frames for Atari</a:t>
+            </a:r>
+          </a:p>
+        </p:txBody>
+      </p:sp>
+    </p:spTree>
+    <p:extLst>
+      <p:ext uri="{BB962C8B-B14F-4D97-AF65-F5344CB8AC3E}">
+        <p14:creationId xmlns:p14="http://schemas.microsoft.com/office/powerpoint/2010/main" val="2396679983"/>
+      </p:ext>
+    </p:extLst>
+  </p:cSld>
+  <p:clrMapOvr>
+    <a:masterClrMapping/>
+  </p:clrMapOvr>
+  <mc:AlternateContent xmlns:mc="http://schemas.openxmlformats.org/markup-compatibility/2006" xmlns:p14="http://schemas.microsoft.com/office/powerpoint/2010/main">
+    <mc:Choice Requires="p14">
+      <p:transition spd="med" p14:dur="700">
+        <p:fade/>
+      </p:transition>
+    </mc:Choice>
+    <mc:Fallback xmlns="">
+      <p:transition spd="med">
+        <p:fade/>
+      </p:transition>
+    </mc:Fallback>
+  </mc:AlternateContent>
+  <p:timing>
+    <p:tnLst>
+      <p:par>
+        <p:cTn id="1" dur="indefinite" restart="never" nodeType="tmRoot">
+          <p:childTnLst>
+            <p:seq concurrent="1" nextAc="seek">
+              <p:cTn id="2" dur="indefinite" nodeType="mainSeq">
+                <p:childTnLst>
+                  <p:par>
+                    <p:cTn id="3" fill="hold">
+                      <p:stCondLst>
+                        <p:cond delay="indefinite"/>
+                      </p:stCondLst>
+                      <p:childTnLst>
+                        <p:par>
+                          <p:cTn id="4" fill="hold">
+                            <p:stCondLst>
+                              <p:cond delay="0"/>
+                            </p:stCondLst>
+                            <p:childTnLst>
+                              <p:par>
+                                <p:cTn id="5" presetID="1" presetClass="entr" presetSubtype="0" fill="hold" grpId="0" nodeType="clickEffect">
+                                  <p:stCondLst>
+                                    <p:cond delay="0"/>
+                                  </p:stCondLst>
+                                  <p:childTnLst>
+                                    <p:set>
+                                      <p:cBhvr>
+                                        <p:cTn id="6" dur="1" fill="hold">
+                                          <p:stCondLst>
+                                            <p:cond delay="0"/>
+                                          </p:stCondLst>
+                                        </p:cTn>
+                                        <p:tgtEl>
+                                          <p:spTgt spid="3">
+                                            <p:txEl>
+                                              <p:pRg st="0" end="0"/>
+                                            </p:txEl>
+                                          </p:spTgt>
+                                        </p:tgtEl>
+                                        <p:attrNameLst>
+                                          <p:attrName>style.visibility</p:attrName>
+                                        </p:attrNameLst>
+                                      </p:cBhvr>
+                                      <p:to>
+                                        <p:strVal val="visible"/>
+                                      </p:to>
+                                    </p:set>
+                                  </p:childTnLst>
+                                </p:cTn>
+                              </p:par>
+                              <p:par>
+                                <p:cTn id="7" presetID="1" presetClass="entr" presetSubtype="0" fill="hold" grpId="0" nodeType="withEffect">
+                                  <p:stCondLst>
+                                    <p:cond delay="0"/>
+                                  </p:stCondLst>
+                                  <p:childTnLst>
+                                    <p:set>
+                                      <p:cBhvr>
+                                        <p:cTn id="8" dur="1" fill="hold">
+                                          <p:stCondLst>
+                                            <p:cond delay="0"/>
+                                          </p:stCondLst>
+                                        </p:cTn>
+                                        <p:tgtEl>
+                                          <p:spTgt spid="3">
+                                            <p:txEl>
+                                              <p:pRg st="1" end="1"/>
+                                            </p:txEl>
+                                          </p:spTgt>
+                                        </p:tgtEl>
+                                        <p:attrNameLst>
+                                          <p:attrName>style.visibility</p:attrName>
+                                        </p:attrNameLst>
+                                      </p:cBhvr>
+                                      <p:to>
+                                        <p:strVal val="visible"/>
+                                      </p:to>
+                                    </p:set>
+                                  </p:childTnLst>
+                                </p:cTn>
+                              </p:par>
+                            </p:childTnLst>
+                          </p:cTn>
+                        </p:par>
+                      </p:childTnLst>
+                    </p:cTn>
+                  </p:par>
+                  <p:par>
+                    <p:cTn id="9" fill="hold">
+                      <p:stCondLst>
+                        <p:cond delay="indefinite"/>
+                      </p:stCondLst>
+                      <p:childTnLst>
+                        <p:par>
+                          <p:cTn id="10" fill="hold">
+                            <p:stCondLst>
+                              <p:cond delay="0"/>
+                            </p:stCondLst>
+                            <p:childTnLst>
+                              <p:par>
+                                <p:cTn id="11" presetID="1" presetClass="entr" presetSubtype="0" fill="hold" grpId="0" nodeType="clickEffect">
+                                  <p:stCondLst>
+                                    <p:cond delay="0"/>
+                                  </p:stCondLst>
+                                  <p:childTnLst>
+                                    <p:set>
+                                      <p:cBhvr>
+                                        <p:cTn id="12" dur="1" fill="hold">
+                                          <p:stCondLst>
+                                            <p:cond delay="0"/>
+                                          </p:stCondLst>
+                                        </p:cTn>
+                                        <p:tgtEl>
+                                          <p:spTgt spid="3">
+                                            <p:txEl>
+                                              <p:pRg st="2" end="2"/>
+                                            </p:txEl>
+                                          </p:spTgt>
+                                        </p:tgtEl>
+                                        <p:attrNameLst>
+                                          <p:attrName>style.visibility</p:attrName>
+                                        </p:attrNameLst>
+                                      </p:cBhvr>
+                                      <p:to>
+                                        <p:strVal val="visible"/>
+                                      </p:to>
+                                    </p:set>
+                                  </p:childTnLst>
+                                </p:cTn>
+                              </p:par>
+                              <p:par>
+                                <p:cTn id="13" presetID="1" presetClass="entr" presetSubtype="0" fill="hold" grpId="0" nodeType="withEffect">
+                                  <p:stCondLst>
+                                    <p:cond delay="0"/>
+                                  </p:stCondLst>
+                                  <p:childTnLst>
+                                    <p:set>
+                                      <p:cBhvr>
+                                        <p:cTn id="14" dur="1" fill="hold">
+                                          <p:stCondLst>
+                                            <p:cond delay="0"/>
+                                          </p:stCondLst>
+                                        </p:cTn>
+                                        <p:tgtEl>
+                                          <p:spTgt spid="3">
+                                            <p:txEl>
+                                              <p:pRg st="3" end="3"/>
+                                            </p:txEl>
+                                          </p:spTgt>
+                                        </p:tgtEl>
+                                        <p:attrNameLst>
+                                          <p:attrName>style.visibility</p:attrName>
+                                        </p:attrNameLst>
+                                      </p:cBhvr>
+                                      <p:to>
+                                        <p:strVal val="visible"/>
+                                      </p:to>
+                                    </p:set>
+                                  </p:childTnLst>
+                                </p:cTn>
+                              </p:par>
+                            </p:childTnLst>
+                          </p:cTn>
+                        </p:par>
+                      </p:childTnLst>
+                    </p:cTn>
+                  </p:par>
+                  <p:par>
+                    <p:cTn id="15" fill="hold">
+                      <p:stCondLst>
+                        <p:cond delay="indefinite"/>
+                      </p:stCondLst>
+                      <p:childTnLst>
+                        <p:par>
+                          <p:cTn id="16" fill="hold">
+                            <p:stCondLst>
+                              <p:cond delay="0"/>
+                            </p:stCondLst>
+                            <p:childTnLst>
+                              <p:par>
+                                <p:cTn id="17" presetID="1" presetClass="entr" presetSubtype="0" fill="hold" grpId="0" nodeType="clickEffect">
+                                  <p:stCondLst>
+                                    <p:cond delay="0"/>
+                                  </p:stCondLst>
+                                  <p:childTnLst>
+                                    <p:set>
+                                      <p:cBhvr>
+                                        <p:cTn id="18" dur="1" fill="hold">
+                                          <p:stCondLst>
+                                            <p:cond delay="0"/>
+                                          </p:stCondLst>
+                                        </p:cTn>
+                                        <p:tgtEl>
+                                          <p:spTgt spid="3">
+                                            <p:txEl>
+                                              <p:pRg st="4" end="4"/>
+                                            </p:txEl>
+                                          </p:spTgt>
+                                        </p:tgtEl>
+                                        <p:attrNameLst>
+                                          <p:attrName>style.visibility</p:attrName>
+                                        </p:attrNameLst>
+                                      </p:cBhvr>
+                                      <p:to>
+                                        <p:strVal val="visible"/>
+                                      </p:to>
+                                    </p:set>
+                                  </p:childTnLst>
+                                </p:cTn>
+                              </p:par>
+                              <p:par>
+                                <p:cTn id="19" presetID="1" presetClass="entr" presetSubtype="0" fill="hold" grpId="0" nodeType="withEffect">
+                                  <p:stCondLst>
+                                    <p:cond delay="0"/>
+                                  </p:stCondLst>
+                                  <p:childTnLst>
+                                    <p:set>
+                                      <p:cBhvr>
+                                        <p:cTn id="20" dur="1" fill="hold">
+                                          <p:stCondLst>
+                                            <p:cond delay="0"/>
+                                          </p:stCondLst>
+                                        </p:cTn>
+                                        <p:tgtEl>
+                                          <p:spTgt spid="3">
+                                            <p:txEl>
+                                              <p:pRg st="5" end="5"/>
+                                            </p:txEl>
+                                          </p:spTgt>
+                                        </p:tgtEl>
+                                        <p:attrNameLst>
+                                          <p:attrName>style.visibility</p:attrName>
+                                        </p:attrNameLst>
+                                      </p:cBhvr>
+                                      <p:to>
+                                        <p:strVal val="visible"/>
+                                      </p:to>
+                                    </p:set>
+                                  </p:childTnLst>
+                                </p:cTn>
+                              </p:par>
+                              <p:par>
+                                <p:cTn id="21" presetID="1" presetClass="entr" presetSubtype="0" fill="hold" grpId="0" nodeType="withEffect">
+                                  <p:stCondLst>
+                                    <p:cond delay="0"/>
+                                  </p:stCondLst>
+                                  <p:childTnLst>
+                                    <p:set>
+                                      <p:cBhvr>
+                                        <p:cTn id="22" dur="1" fill="hold">
+                                          <p:stCondLst>
+                                            <p:cond delay="0"/>
+                                          </p:stCondLst>
+                                        </p:cTn>
+                                        <p:tgtEl>
+                                          <p:spTgt spid="3">
+                                            <p:txEl>
+                                              <p:pRg st="6" end="6"/>
+                                            </p:txEl>
+                                          </p:spTgt>
+                                        </p:tgtEl>
+                                        <p:attrNameLst>
+                                          <p:attrName>style.visibility</p:attrName>
+                                        </p:attrNameLst>
+                                      </p:cBhvr>
+                                      <p:to>
+                                        <p:strVal val="visible"/>
+                                      </p:to>
+                                    </p:set>
+                                  </p:childTnLst>
+                                </p:cTn>
+                              </p:par>
+                            </p:childTnLst>
+                          </p:cTn>
+                        </p:par>
+                      </p:childTnLst>
+                    </p:cTn>
+                  </p:par>
+                </p:childTnLst>
+              </p:cTn>
+              <p:prevCondLst>
+                <p:cond evt="onPrev" delay="0">
+                  <p:tgtEl>
+                    <p:sldTgt/>
+                  </p:tgtEl>
+                </p:cond>
+              </p:prevCondLst>
+              <p:nextCondLst>
+                <p:cond evt="onNext" delay="0">
+                  <p:tgtEl>
+                    <p:sldTgt/>
+                  </p:tgtEl>
+                </p:cond>
+              </p:nextCondLst>
+            </p:seq>
+          </p:childTnLst>
+        </p:cTn>
+      </p:par>
+    </p:tnLst>
+    <p:bldLst>
+      <p:bldP spid="3" grpId="0" build="p"/>
+    </p:bldLst>
+  </p:timing>
+</p:sld>
+</file>
+
+<file path=ppt/slides/slide6.xml><?xml version="1.0" encoding="utf-8"?>
+<p:sld xmlns:a="http://schemas.openxmlformats.org/drawingml/2006/main" xmlns:r="http://schemas.openxmlformats.org/officeDocument/2006/relationships" xmlns:p="http://schemas.openxmlformats.org/presentationml/2006/main">
+  <p:cSld>
+    <p:spTree>
+      <p:nvGrpSpPr>
+        <p:cNvPr id="1" name=""/>
+        <p:cNvGrpSpPr/>
+        <p:nvPr/>
+      </p:nvGrpSpPr>
+      <p:grpSpPr>
+        <a:xfrm>
+          <a:off x="0" y="0"/>
+          <a:ext cx="0" cy="0"/>
+          <a:chOff x="0" y="0"/>
+          <a:chExt cx="0" cy="0"/>
+        </a:xfrm>
+      </p:grpSpPr>
+      <p:graphicFrame>
+        <p:nvGraphicFramePr>
+          <p:cNvPr id="4" name="Content Placeholder 3">
+            <a:extLst>
+              <a:ext uri="{FF2B5EF4-FFF2-40B4-BE49-F238E27FC236}">
+                <a16:creationId xmlns:a16="http://schemas.microsoft.com/office/drawing/2014/main" id="{E9EF4C66-FC9D-F842-8F96-E5D25BF13FF4}"/>
+              </a:ext>
+            </a:extLst>
+          </p:cNvPr>
+          <p:cNvGraphicFramePr>
+            <a:graphicFrameLocks noGrp="1"/>
+          </p:cNvGraphicFramePr>
+          <p:nvPr>
+            <p:ph idx="1"/>
+            <p:extLst/>
+          </p:nvPr>
+        </p:nvGraphicFramePr>
+        <p:xfrm>
+          <a:off x="277748" y="1902446"/>
+          <a:ext cx="11885836" cy="2647554"/>
+        </p:xfrm>
+        <a:graphic>
+          <a:graphicData uri="http://schemas.openxmlformats.org/drawingml/2006/table">
+            <a:tbl>
+              <a:tblPr firstRow="1" bandRow="1">
+                <a:tableStyleId>{5C22544A-7EE6-4342-B048-85BDC9FD1C3A}</a:tableStyleId>
+              </a:tblPr>
+              <a:tblGrid>
+                <a:gridCol w="5942918">
+                  <a:extLst>
+                    <a:ext uri="{9D8B030D-6E8A-4147-A177-3AD203B41FA5}">
+                      <a16:colId xmlns:a16="http://schemas.microsoft.com/office/drawing/2014/main" val="843828344"/>
+                    </a:ext>
+                  </a:extLst>
+                </a:gridCol>
+                <a:gridCol w="5942918">
+                  <a:extLst>
+                    <a:ext uri="{9D8B030D-6E8A-4147-A177-3AD203B41FA5}">
+                      <a16:colId xmlns:a16="http://schemas.microsoft.com/office/drawing/2014/main" val="1370332706"/>
+                    </a:ext>
+                  </a:extLst>
+                </a:gridCol>
+              </a:tblGrid>
+              <a:tr h="378222">
+                <a:tc>
+                  <a:txBody>
+                    <a:bodyPr/>
+                    <a:lstStyle/>
+                    <a:p>
+                      <a:r>
+                        <a:rPr lang="en-US" sz="1800" dirty="0"/>
+                        <a:t>Dataset (English)</a:t>
+                      </a:r>
+                    </a:p>
+                  </a:txBody>
+                  <a:tcPr marL="93260" marR="93260" marT="46630" marB="46630"/>
+                </a:tc>
+                <a:tc>
+                  <a:txBody>
+                    <a:bodyPr/>
+                    <a:lstStyle/>
+                    <a:p>
+                      <a:r>
+                        <a:rPr lang="en-US" sz="1800" dirty="0"/>
+                        <a:t>Size (# sentences)</a:t>
+                      </a:r>
+                    </a:p>
+                  </a:txBody>
+                  <a:tcPr marL="93260" marR="93260" marT="46630" marB="46630"/>
+                </a:tc>
+                <a:extLst>
+                  <a:ext uri="{0D108BD9-81ED-4DB2-BD59-A6C34878D82A}">
+                    <a16:rowId xmlns:a16="http://schemas.microsoft.com/office/drawing/2014/main" val="3468045546"/>
+                  </a:ext>
+                </a:extLst>
+              </a:tr>
+              <a:tr h="378222">
+                <a:tc>
+                  <a:txBody>
+                    <a:bodyPr/>
+                    <a:lstStyle/>
+                    <a:p>
+                      <a:r>
+                        <a:rPr lang="en-US" sz="1800" dirty="0"/>
+                        <a:t>NER</a:t>
+                      </a:r>
+                    </a:p>
+                  </a:txBody>
+                  <a:tcPr marL="93260" marR="93260" marT="46630" marB="46630"/>
+                </a:tc>
+                <a:tc>
+                  <a:txBody>
+                    <a:bodyPr/>
+                    <a:lstStyle/>
+                    <a:p>
+                      <a:r>
+                        <a:rPr lang="en-US" sz="1800" dirty="0"/>
+                        <a:t>15K (</a:t>
+                      </a:r>
+                      <a:r>
+                        <a:rPr lang="en-US" sz="1800" dirty="0" err="1"/>
+                        <a:t>CoNLL</a:t>
+                      </a:r>
+                      <a:r>
+                        <a:rPr lang="en-US" sz="1800" dirty="0"/>
+                        <a:t> 2003)</a:t>
+                      </a:r>
+                    </a:p>
+                  </a:txBody>
+                  <a:tcPr marL="93260" marR="93260" marT="46630" marB="46630"/>
+                </a:tc>
+                <a:extLst>
+                  <a:ext uri="{0D108BD9-81ED-4DB2-BD59-A6C34878D82A}">
+                    <a16:rowId xmlns:a16="http://schemas.microsoft.com/office/drawing/2014/main" val="2930299062"/>
+                  </a:ext>
+                </a:extLst>
+              </a:tr>
+              <a:tr h="378222">
+                <a:tc>
+                  <a:txBody>
+                    <a:bodyPr/>
+                    <a:lstStyle/>
+                    <a:p>
+                      <a:r>
+                        <a:rPr lang="en-US" sz="1800" dirty="0"/>
+                        <a:t>Coreference Resolution</a:t>
+                      </a:r>
+                    </a:p>
+                  </a:txBody>
+                  <a:tcPr marL="93260" marR="93260" marT="46630" marB="46630"/>
+                </a:tc>
+                <a:tc>
+                  <a:txBody>
+                    <a:bodyPr/>
+                    <a:lstStyle/>
+                    <a:p>
+                      <a:r>
+                        <a:rPr lang="en-US" sz="1800" dirty="0"/>
+                        <a:t>75K (</a:t>
+                      </a:r>
+                      <a:r>
+                        <a:rPr lang="en-US" sz="1800" dirty="0" err="1"/>
+                        <a:t>OntoNotes</a:t>
+                      </a:r>
+                      <a:r>
+                        <a:rPr lang="en-US" sz="1800" dirty="0"/>
+                        <a:t>)</a:t>
+                      </a:r>
+                    </a:p>
+                  </a:txBody>
+                  <a:tcPr marL="93260" marR="93260" marT="46630" marB="46630"/>
+                </a:tc>
+                <a:extLst>
+                  <a:ext uri="{0D108BD9-81ED-4DB2-BD59-A6C34878D82A}">
+                    <a16:rowId xmlns:a16="http://schemas.microsoft.com/office/drawing/2014/main" val="3994765909"/>
+                  </a:ext>
+                </a:extLst>
+              </a:tr>
+              <a:tr h="378222">
+                <a:tc>
+                  <a:txBody>
+                    <a:bodyPr/>
+                    <a:lstStyle/>
+                    <a:p>
+                      <a:r>
+                        <a:rPr lang="en-US" sz="1800" dirty="0"/>
+                        <a:t>Parsing</a:t>
+                      </a:r>
+                    </a:p>
+                  </a:txBody>
+                  <a:tcPr marL="93260" marR="93260" marT="46630" marB="46630"/>
+                </a:tc>
+                <a:tc>
+                  <a:txBody>
+                    <a:bodyPr/>
+                    <a:lstStyle/>
+                    <a:p>
+                      <a:r>
+                        <a:rPr lang="en-US" sz="1800" dirty="0"/>
+                        <a:t>40k (Penn Treebank)</a:t>
+                      </a:r>
+                    </a:p>
+                  </a:txBody>
+                  <a:tcPr marL="93260" marR="93260" marT="46630" marB="46630"/>
+                </a:tc>
+                <a:extLst>
+                  <a:ext uri="{0D108BD9-81ED-4DB2-BD59-A6C34878D82A}">
+                    <a16:rowId xmlns:a16="http://schemas.microsoft.com/office/drawing/2014/main" val="1677644952"/>
+                  </a:ext>
+                </a:extLst>
+              </a:tr>
+              <a:tr h="378222">
+                <a:tc>
+                  <a:txBody>
+                    <a:bodyPr/>
+                    <a:lstStyle/>
+                    <a:p>
+                      <a:r>
+                        <a:rPr lang="en-US" sz="1800" dirty="0"/>
+                        <a:t>Q&amp;A</a:t>
+                      </a:r>
+                    </a:p>
+                  </a:txBody>
+                  <a:tcPr marL="93260" marR="93260" marT="46630" marB="46630"/>
+                </a:tc>
+                <a:tc>
+                  <a:txBody>
+                    <a:bodyPr/>
+                    <a:lstStyle/>
+                    <a:p>
+                      <a:r>
+                        <a:rPr lang="en-US" sz="1800" dirty="0"/>
+                        <a:t>100K questions (</a:t>
+                      </a:r>
+                      <a:r>
+                        <a:rPr lang="en-US" sz="1800" dirty="0" err="1"/>
+                        <a:t>SQuAD</a:t>
+                      </a:r>
+                      <a:r>
+                        <a:rPr lang="en-US" sz="1800" dirty="0"/>
+                        <a:t>)</a:t>
+                      </a:r>
+                    </a:p>
+                  </a:txBody>
+                  <a:tcPr marL="93260" marR="93260" marT="46630" marB="46630"/>
+                </a:tc>
+                <a:extLst>
+                  <a:ext uri="{0D108BD9-81ED-4DB2-BD59-A6C34878D82A}">
+                    <a16:rowId xmlns:a16="http://schemas.microsoft.com/office/drawing/2014/main" val="1618743887"/>
+                  </a:ext>
+                </a:extLst>
+              </a:tr>
+              <a:tr h="378222">
+                <a:tc>
+                  <a:txBody>
+                    <a:bodyPr/>
+                    <a:lstStyle/>
+                    <a:p>
+                      <a:r>
+                        <a:rPr lang="en-US" sz="1800" dirty="0"/>
+                        <a:t>Textual Entailment</a:t>
+                      </a:r>
+                    </a:p>
+                  </a:txBody>
+                  <a:tcPr marL="93260" marR="93260" marT="46630" marB="46630"/>
+                </a:tc>
+                <a:tc>
+                  <a:txBody>
+                    <a:bodyPr/>
+                    <a:lstStyle/>
+                    <a:p>
+                      <a:r>
+                        <a:rPr lang="en-US" sz="1800" dirty="0"/>
+                        <a:t>570K (SNLI)</a:t>
+                      </a:r>
+                    </a:p>
+                  </a:txBody>
+                  <a:tcPr marL="93260" marR="93260" marT="46630" marB="46630"/>
+                </a:tc>
+                <a:extLst>
+                  <a:ext uri="{0D108BD9-81ED-4DB2-BD59-A6C34878D82A}">
+                    <a16:rowId xmlns:a16="http://schemas.microsoft.com/office/drawing/2014/main" val="1479175347"/>
+                  </a:ext>
+                </a:extLst>
+              </a:tr>
+              <a:tr h="378222">
+                <a:tc>
+                  <a:txBody>
+                    <a:bodyPr/>
+                    <a:lstStyle/>
+                    <a:p>
+                      <a:r>
+                        <a:rPr lang="en-US" sz="1800" dirty="0"/>
+                        <a:t>Sentiment Analysis</a:t>
+                      </a:r>
+                    </a:p>
+                  </a:txBody>
+                  <a:tcPr marL="93260" marR="93260" marT="46630" marB="46630"/>
+                </a:tc>
+                <a:tc>
+                  <a:txBody>
+                    <a:bodyPr/>
+                    <a:lstStyle/>
+                    <a:p>
+                      <a:r>
+                        <a:rPr lang="en-US" sz="1800" dirty="0"/>
+                        <a:t>10K (SST)</a:t>
+                      </a:r>
+                    </a:p>
+                  </a:txBody>
+                  <a:tcPr marL="93260" marR="93260" marT="46630" marB="46630"/>
+                </a:tc>
+                <a:extLst>
+                  <a:ext uri="{0D108BD9-81ED-4DB2-BD59-A6C34878D82A}">
+                    <a16:rowId xmlns:a16="http://schemas.microsoft.com/office/drawing/2014/main" val="3903780370"/>
+                  </a:ext>
+                </a:extLst>
+              </a:tr>
+            </a:tbl>
+          </a:graphicData>
+        </a:graphic>
+      </p:graphicFrame>
+      <p:sp>
+        <p:nvSpPr>
+          <p:cNvPr id="3" name="Title 2">
+            <a:extLst>
+              <a:ext uri="{FF2B5EF4-FFF2-40B4-BE49-F238E27FC236}">
+                <a16:creationId xmlns:a16="http://schemas.microsoft.com/office/drawing/2014/main" id="{2201E11E-EF30-704A-B284-621159A5F5B6}"/>
+              </a:ext>
+            </a:extLst>
+          </p:cNvPr>
+          <p:cNvSpPr>
+            <a:spLocks noGrp="1"/>
+          </p:cNvSpPr>
+          <p:nvPr>
+            <p:ph type="title"/>
+          </p:nvPr>
+        </p:nvSpPr>
+        <p:spPr/>
+        <p:txBody>
+          <a:bodyPr/>
+          <a:lstStyle/>
+          <a:p>
+            <a:r>
+              <a:rPr lang="en-US" dirty="0"/>
+              <a:t>Task Specific NLP Datasets</a:t>
+            </a:r>
+          </a:p>
+        </p:txBody>
+      </p:sp>
+      <p:sp>
+        <p:nvSpPr>
+          <p:cNvPr id="5" name="TextBox 4">
+            <a:extLst>
+              <a:ext uri="{FF2B5EF4-FFF2-40B4-BE49-F238E27FC236}">
+                <a16:creationId xmlns:a16="http://schemas.microsoft.com/office/drawing/2014/main" id="{580550DD-55F1-4E4A-A41E-C25BEA3ADFC3}"/>
+              </a:ext>
+            </a:extLst>
+          </p:cNvPr>
+          <p:cNvSpPr txBox="1"/>
+          <p:nvPr/>
+        </p:nvSpPr>
+        <p:spPr>
+          <a:xfrm>
+            <a:off x="461697" y="4838566"/>
+            <a:ext cx="12255505" cy="647165"/>
+          </a:xfrm>
+          <a:prstGeom prst="rect">
+            <a:avLst/>
+          </a:prstGeom>
+          <a:noFill/>
+        </p:spPr>
+        <p:txBody>
+          <a:bodyPr wrap="square" lIns="186521" tIns="149217" rIns="186521" bIns="149217" rtlCol="0">
+            <a:spAutoFit/>
+          </a:bodyPr>
+          <a:lstStyle/>
+          <a:p>
+            <a:pPr>
+              <a:lnSpc>
+                <a:spcPct val="90000"/>
+              </a:lnSpc>
+              <a:spcAft>
+                <a:spcPts val="612"/>
+              </a:spcAft>
+            </a:pPr>
+            <a:r>
+              <a:rPr lang="en-US" sz="2448" dirty="0">
+                <a:gradFill>
+                  <a:gsLst>
+                    <a:gs pos="2917">
+                      <a:schemeClr val="tx1"/>
+                    </a:gs>
+                    <a:gs pos="30000">
+                      <a:schemeClr val="tx1"/>
+                    </a:gs>
+                  </a:gsLst>
+                  <a:lin ang="5400000" scaled="0"/>
+                </a:gradFill>
+              </a:rPr>
+              <a:t>Worse for non-English, or more domain specific examples</a:t>
+            </a:r>
+          </a:p>
+        </p:txBody>
+      </p:sp>
+    </p:spTree>
+    <p:extLst>
+      <p:ext uri="{BB962C8B-B14F-4D97-AF65-F5344CB8AC3E}">
+        <p14:creationId xmlns:p14="http://schemas.microsoft.com/office/powerpoint/2010/main" val="1915776178"/>
+      </p:ext>
+    </p:extLst>
+  </p:cSld>
+  <p:clrMapOvr>
+    <a:masterClrMapping/>
+  </p:clrMapOvr>
+  <mc:AlternateContent xmlns:mc="http://schemas.openxmlformats.org/markup-compatibility/2006" xmlns:p14="http://schemas.microsoft.com/office/powerpoint/2010/main">
+    <mc:Choice Requires="p14">
+      <p:transition spd="med" p14:dur="700">
+        <p:fade/>
+      </p:transition>
+    </mc:Choice>
+    <mc:Fallback xmlns="">
+      <p:transition spd="med">
+        <p:fade/>
+      </p:transition>
+    </mc:Fallback>
+  </mc:AlternateContent>
+</p:sld>
+</file>
+
+<file path=ppt/slides/slide7.xml><?xml version="1.0" encoding="utf-8"?>
+<p:sld xmlns:a="http://schemas.openxmlformats.org/drawingml/2006/main" xmlns:r="http://schemas.openxmlformats.org/officeDocument/2006/relationships" xmlns:p="http://schemas.openxmlformats.org/presentationml/2006/main">
+  <p:cSld>
+    <p:spTree>
+      <p:nvGrpSpPr>
+        <p:cNvPr id="1" name=""/>
+        <p:cNvGrpSpPr/>
+        <p:nvPr/>
+      </p:nvGrpSpPr>
+      <p:grpSpPr>
+        <a:xfrm>
+          <a:off x="0" y="0"/>
+          <a:ext cx="0" cy="0"/>
+          <a:chOff x="0" y="0"/>
+          <a:chExt cx="0" cy="0"/>
+        </a:xfrm>
+      </p:grpSpPr>
+      <p:pic>
+        <p:nvPicPr>
+          <p:cNvPr id="5" name="Content Placeholder 4">
+            <a:extLst>
+              <a:ext uri="{FF2B5EF4-FFF2-40B4-BE49-F238E27FC236}">
+                <a16:creationId xmlns:a16="http://schemas.microsoft.com/office/drawing/2014/main" id="{D13C0DF9-D917-453F-B892-112B4744FC79}"/>
+              </a:ext>
+            </a:extLst>
+          </p:cNvPr>
+          <p:cNvPicPr>
+            <a:picLocks noGrp="1" noChangeAspect="1"/>
+          </p:cNvPicPr>
+          <p:nvPr>
+            <p:ph idx="1"/>
+          </p:nvPr>
+        </p:nvPicPr>
+        <p:blipFill>
+          <a:blip r:embed="rId2"/>
+          <a:stretch>
+            <a:fillRect/>
+          </a:stretch>
+        </p:blipFill>
+        <p:spPr>
+          <a:xfrm>
+            <a:off x="2560637" y="1212849"/>
+            <a:ext cx="6477000" cy="4444832"/>
+          </a:xfrm>
+          <a:prstGeom prst="rect">
+            <a:avLst/>
+          </a:prstGeom>
+        </p:spPr>
+      </p:pic>
+      <p:sp>
+        <p:nvSpPr>
+          <p:cNvPr id="3" name="Title 2">
+            <a:extLst>
+              <a:ext uri="{FF2B5EF4-FFF2-40B4-BE49-F238E27FC236}">
+                <a16:creationId xmlns:a16="http://schemas.microsoft.com/office/drawing/2014/main" id="{606862D6-243E-4084-B496-8552B1DE496D}"/>
+              </a:ext>
+            </a:extLst>
+          </p:cNvPr>
+          <p:cNvSpPr>
+            <a:spLocks noGrp="1"/>
+          </p:cNvSpPr>
+          <p:nvPr>
+            <p:ph type="title"/>
+          </p:nvPr>
+        </p:nvSpPr>
+        <p:spPr/>
+        <p:txBody>
+          <a:bodyPr/>
+          <a:lstStyle/>
+          <a:p>
+            <a:r>
+              <a:rPr lang="en-US" dirty="0"/>
+              <a:t>The Advantage of Pre-Training</a:t>
+            </a:r>
+          </a:p>
+        </p:txBody>
+      </p:sp>
+      <p:sp>
+        <p:nvSpPr>
+          <p:cNvPr id="6" name="TextBox 5">
+            <a:extLst>
+              <a:ext uri="{FF2B5EF4-FFF2-40B4-BE49-F238E27FC236}">
+                <a16:creationId xmlns:a16="http://schemas.microsoft.com/office/drawing/2014/main" id="{064F01CA-FA6D-4FA7-BC95-6DBCC7D1066E}"/>
+              </a:ext>
+            </a:extLst>
+          </p:cNvPr>
+          <p:cNvSpPr txBox="1"/>
+          <p:nvPr/>
+        </p:nvSpPr>
+        <p:spPr>
+          <a:xfrm>
+            <a:off x="1036637" y="5859463"/>
+            <a:ext cx="9829800" cy="960263"/>
+          </a:xfrm>
+          <a:prstGeom prst="rect">
+            <a:avLst/>
+          </a:prstGeom>
+          <a:noFill/>
+        </p:spPr>
+        <p:txBody>
+          <a:bodyPr wrap="square" lIns="182880" tIns="146304" rIns="182880" bIns="146304" rtlCol="0">
+            <a:spAutoFit/>
+          </a:bodyPr>
+          <a:lstStyle/>
+          <a:p>
+            <a:pPr>
+              <a:lnSpc>
+                <a:spcPct val="90000"/>
+              </a:lnSpc>
+              <a:spcAft>
+                <a:spcPts val="600"/>
+              </a:spcAft>
+            </a:pPr>
+            <a:r>
+              <a:rPr lang="en-US" sz="2400" dirty="0">
+                <a:gradFill>
+                  <a:gsLst>
+                    <a:gs pos="2917">
+                      <a:schemeClr val="tx1"/>
+                    </a:gs>
+                    <a:gs pos="30000">
+                      <a:schemeClr val="tx1"/>
+                    </a:gs>
+                  </a:gsLst>
+                  <a:lin ang="5400000" scaled="0"/>
+                </a:gradFill>
+                <a:hlinkClick r:id="rId3"/>
+              </a:rPr>
+              <a:t>Howard &amp; Ruder – Universal Language Model Fine-Tuning for Text Classification</a:t>
+            </a:r>
+            <a:endParaRPr lang="en-US" sz="2400" dirty="0">
+              <a:gradFill>
+                <a:gsLst>
+                  <a:gs pos="2917">
+                    <a:schemeClr val="tx1"/>
+                  </a:gs>
+                  <a:gs pos="30000">
+                    <a:schemeClr val="tx1"/>
+                  </a:gs>
+                </a:gsLst>
+                <a:lin ang="5400000" scaled="0"/>
+              </a:gradFill>
+            </a:endParaRPr>
+          </a:p>
+        </p:txBody>
+      </p:sp>
+    </p:spTree>
+    <p:extLst>
+      <p:ext uri="{BB962C8B-B14F-4D97-AF65-F5344CB8AC3E}">
+        <p14:creationId xmlns:p14="http://schemas.microsoft.com/office/powerpoint/2010/main" val="919114835"/>
+      </p:ext>
+    </p:extLst>
+  </p:cSld>
+  <p:clrMapOvr>
+    <a:masterClrMapping/>
+  </p:clrMapOvr>
+  <mc:AlternateContent xmlns:mc="http://schemas.openxmlformats.org/markup-compatibility/2006" xmlns:p14="http://schemas.microsoft.com/office/powerpoint/2010/main">
+    <mc:Choice Requires="p14">
+      <p:transition spd="med" p14:dur="700">
+        <p:fade/>
+      </p:transition>
+    </mc:Choice>
+    <mc:Fallback xmlns="">
+      <p:transition spd="med">
+        <p:fade/>
+      </p:transition>
+    </mc:Fallback>
+  </mc:AlternateContent>
+</p:sld>
+</file>
+
+<file path=ppt/slides/slide8.xml><?xml version="1.0" encoding="utf-8"?>
+<p:sld xmlns:a="http://schemas.openxmlformats.org/drawingml/2006/main" xmlns:r="http://schemas.openxmlformats.org/officeDocument/2006/relationships" xmlns:p="http://schemas.openxmlformats.org/presentationml/2006/main">
+  <p:cSld>
+    <p:spTree>
+      <p:nvGrpSpPr>
+        <p:cNvPr id="1" name=""/>
+        <p:cNvGrpSpPr/>
+        <p:nvPr/>
+      </p:nvGrpSpPr>
+      <p:grpSpPr>
+        <a:xfrm>
+          <a:off x="0" y="0"/>
+          <a:ext cx="0" cy="0"/>
+          <a:chOff x="0" y="0"/>
+          <a:chExt cx="0" cy="0"/>
+        </a:xfrm>
+      </p:grpSpPr>
+      <p:sp>
+        <p:nvSpPr>
+          <p:cNvPr id="2" name="Title 1">
+            <a:extLst>
+              <a:ext uri="{FF2B5EF4-FFF2-40B4-BE49-F238E27FC236}">
+                <a16:creationId xmlns:a16="http://schemas.microsoft.com/office/drawing/2014/main" id="{420F1E52-F641-A243-B25E-F53917D931A8}"/>
+              </a:ext>
+            </a:extLst>
+          </p:cNvPr>
+          <p:cNvSpPr>
+            <a:spLocks noGrp="1"/>
+          </p:cNvSpPr>
+          <p:nvPr>
+            <p:ph type="title"/>
+          </p:nvPr>
+        </p:nvSpPr>
+        <p:spPr/>
+        <p:txBody>
+          <a:bodyPr>
+            <a:normAutofit fontScale="90000"/>
+          </a:bodyPr>
+          <a:lstStyle/>
+          <a:p>
+            <a:r>
+              <a:rPr lang="en-US" dirty="0"/>
+              <a:t>Domain Adaptation / Domain Adversarial Training</a:t>
+            </a:r>
+          </a:p>
+        </p:txBody>
+      </p:sp>
+      <p:pic>
+        <p:nvPicPr>
+          <p:cNvPr id="6" name="Content Placeholder 5">
+            <a:extLst>
+              <a:ext uri="{FF2B5EF4-FFF2-40B4-BE49-F238E27FC236}">
+                <a16:creationId xmlns:a16="http://schemas.microsoft.com/office/drawing/2014/main" id="{546D6DE6-6317-D04E-A63E-FF15A4C3FE7C}"/>
+              </a:ext>
+            </a:extLst>
+          </p:cNvPr>
+          <p:cNvPicPr>
+            <a:picLocks noGrp="1" noChangeAspect="1"/>
+          </p:cNvPicPr>
+          <p:nvPr>
+            <p:ph idx="1"/>
+          </p:nvPr>
+        </p:nvPicPr>
+        <p:blipFill>
+          <a:blip r:embed="rId2"/>
+          <a:stretch>
+            <a:fillRect/>
+          </a:stretch>
+        </p:blipFill>
+        <p:spPr>
+          <a:xfrm>
+            <a:off x="884237" y="4474485"/>
+            <a:ext cx="10724938" cy="2504300"/>
+          </a:xfrm>
+          <a:prstGeom prst="rect">
+            <a:avLst/>
+          </a:prstGeom>
+        </p:spPr>
+      </p:pic>
+      <p:pic>
+        <p:nvPicPr>
+          <p:cNvPr id="3" name="Picture 2">
+            <a:extLst>
+              <a:ext uri="{FF2B5EF4-FFF2-40B4-BE49-F238E27FC236}">
+                <a16:creationId xmlns:a16="http://schemas.microsoft.com/office/drawing/2014/main" id="{E8770C84-2DE1-D343-8F64-D70CC8383E63}"/>
+              </a:ext>
+            </a:extLst>
+          </p:cNvPr>
+          <p:cNvPicPr>
+            <a:picLocks noChangeAspect="1"/>
+          </p:cNvPicPr>
+          <p:nvPr/>
+        </p:nvPicPr>
+        <p:blipFill>
+          <a:blip r:embed="rId3"/>
+          <a:stretch>
+            <a:fillRect/>
+          </a:stretch>
+        </p:blipFill>
+        <p:spPr>
+          <a:xfrm>
+            <a:off x="1402453" y="3432099"/>
+            <a:ext cx="9239681" cy="1053496"/>
+          </a:xfrm>
+          <a:prstGeom prst="rect">
+            <a:avLst/>
+          </a:prstGeom>
+        </p:spPr>
+      </p:pic>
+      <p:pic>
+        <p:nvPicPr>
+          <p:cNvPr id="5" name="Picture 4">
+            <a:extLst>
+              <a:ext uri="{FF2B5EF4-FFF2-40B4-BE49-F238E27FC236}">
+                <a16:creationId xmlns:a16="http://schemas.microsoft.com/office/drawing/2014/main" id="{96E2674F-113C-44F4-95AD-296576DB8B21}"/>
+              </a:ext>
+            </a:extLst>
+          </p:cNvPr>
+          <p:cNvPicPr>
+            <a:picLocks noChangeAspect="1"/>
+          </p:cNvPicPr>
+          <p:nvPr/>
+        </p:nvPicPr>
+        <p:blipFill>
+          <a:blip r:embed="rId4"/>
+          <a:stretch>
+            <a:fillRect/>
+          </a:stretch>
+        </p:blipFill>
+        <p:spPr>
+          <a:xfrm>
+            <a:off x="1737620" y="1109261"/>
+            <a:ext cx="8904514" cy="2332669"/>
+          </a:xfrm>
+          <a:prstGeom prst="rect">
+            <a:avLst/>
+          </a:prstGeom>
+        </p:spPr>
+      </p:pic>
+    </p:spTree>
+    <p:extLst>
+      <p:ext uri="{BB962C8B-B14F-4D97-AF65-F5344CB8AC3E}">
+        <p14:creationId xmlns:p14="http://schemas.microsoft.com/office/powerpoint/2010/main" val="2062165038"/>
+      </p:ext>
+    </p:extLst>
+  </p:cSld>
+  <p:clrMapOvr>
+    <a:masterClrMapping/>
+  </p:clrMapOvr>
+  <p:timing>
+    <p:tnLst>
+      <p:par>
+        <p:cTn id="1" dur="indefinite" restart="never" nodeType="tmRoot">
+          <p:childTnLst>
+            <p:seq concurrent="1" nextAc="seek">
+              <p:cTn id="2" dur="indefinite" nodeType="mainSeq">
+                <p:childTnLst>
+                  <p:par>
+                    <p:cTn id="3" fill="hold">
+                      <p:stCondLst>
+                        <p:cond delay="indefinite"/>
+                      </p:stCondLst>
+                      <p:childTnLst>
+                        <p:par>
+                          <p:cTn id="4" fill="hold">
+                            <p:stCondLst>
+                              <p:cond delay="0"/>
+                            </p:stCondLst>
+                            <p:childTnLst>
+                              <p:par>
+                                <p:cTn id="5" presetID="1" presetClass="entr" presetSubtype="0" fill="hold" nodeType="clickEffect">
+                                  <p:stCondLst>
+                                    <p:cond delay="0"/>
+                                  </p:stCondLst>
+                                  <p:childTnLst>
+                                    <p:set>
+                                      <p:cBhvr>
+                                        <p:cTn id="6" dur="1" fill="hold">
+                                          <p:stCondLst>
+                                            <p:cond delay="0"/>
+                                          </p:stCondLst>
+                                        </p:cTn>
+                                        <p:tgtEl>
+                                          <p:spTgt spid="5"/>
+                                        </p:tgtEl>
+                                        <p:attrNameLst>
+                                          <p:attrName>style.visibility</p:attrName>
+                                        </p:attrNameLst>
+                                      </p:cBhvr>
+                                      <p:to>
+                                        <p:strVal val="visible"/>
+                                      </p:to>
+                                    </p:set>
+                                  </p:childTnLst>
+                                </p:cTn>
+                              </p:par>
+                            </p:childTnLst>
+                          </p:cTn>
+                        </p:par>
+                      </p:childTnLst>
+                    </p:cTn>
+                  </p:par>
+                  <p:par>
+                    <p:cTn id="7" fill="hold">
+                      <p:stCondLst>
+                        <p:cond delay="indefinite"/>
+                      </p:stCondLst>
+                      <p:childTnLst>
+                        <p:par>
+                          <p:cTn id="8" fill="hold">
+                            <p:stCondLst>
+                              <p:cond delay="0"/>
+                            </p:stCondLst>
+                            <p:childTnLst>
+                              <p:par>
+                                <p:cTn id="9" presetID="1" presetClass="entr" presetSubtype="0" fill="hold" nodeType="clickEffect">
+                                  <p:stCondLst>
+                                    <p:cond delay="0"/>
+                                  </p:stCondLst>
+                                  <p:childTnLst>
+                                    <p:set>
+                                      <p:cBhvr>
+                                        <p:cTn id="10" dur="1" fill="hold">
+                                          <p:stCondLst>
+                                            <p:cond delay="0"/>
+                                          </p:stCondLst>
+                                        </p:cTn>
+                                        <p:tgtEl>
+                                          <p:spTgt spid="3"/>
+                                        </p:tgtEl>
+                                        <p:attrNameLst>
+                                          <p:attrName>style.visibility</p:attrName>
+                                        </p:attrNameLst>
+                                      </p:cBhvr>
+                                      <p:to>
+                                        <p:strVal val="visible"/>
+                                      </p:to>
+                                    </p:set>
+                                  </p:childTnLst>
+                                </p:cTn>
+                              </p:par>
+                            </p:childTnLst>
+                          </p:cTn>
+                        </p:par>
+                      </p:childTnLst>
+                    </p:cTn>
+                  </p:par>
+                  <p:par>
+                    <p:cTn id="11" fill="hold">
+                      <p:stCondLst>
+                        <p:cond delay="indefinite"/>
+                      </p:stCondLst>
+                      <p:childTnLst>
+                        <p:par>
+                          <p:cTn id="12" fill="hold">
+                            <p:stCondLst>
+                              <p:cond delay="0"/>
+                            </p:stCondLst>
+                            <p:childTnLst>
+                              <p:par>
+                                <p:cTn id="13" presetID="1" presetClass="entr" presetSubtype="0" fill="hold" nodeType="clickEffect">
+                                  <p:stCondLst>
+                                    <p:cond delay="0"/>
+                                  </p:stCondLst>
+                                  <p:childTnLst>
+                                    <p:set>
+                                      <p:cBhvr>
+                                        <p:cTn id="14" dur="1" fill="hold">
+                                          <p:stCondLst>
+                                            <p:cond delay="0"/>
+                                          </p:stCondLst>
+                                        </p:cTn>
+                                        <p:tgtEl>
+                                          <p:spTgt spid="6"/>
+                                        </p:tgtEl>
+                                        <p:attrNameLst>
+                                          <p:attrName>style.visibility</p:attrName>
+                                        </p:attrNameLst>
+                                      </p:cBhvr>
+                                      <p:to>
+                                        <p:strVal val="visible"/>
+                                      </p:to>
+                                    </p:set>
+                                  </p:childTnLst>
+                                </p:cTn>
+                              </p:par>
+                            </p:childTnLst>
+                          </p:cTn>
+                        </p:par>
+                      </p:childTnLst>
+                    </p:cTn>
+                  </p:par>
+                </p:childTnLst>
+              </p:cTn>
+              <p:prevCondLst>
+                <p:cond evt="onPrev" delay="0">
+                  <p:tgtEl>
+                    <p:sldTgt/>
+                  </p:tgtEl>
+                </p:cond>
+              </p:prevCondLst>
+              <p:nextCondLst>
+                <p:cond evt="onNext" delay="0">
+                  <p:tgtEl>
+                    <p:sldTgt/>
+                  </p:tgtEl>
+                </p:cond>
+              </p:nextCondLst>
+            </p:seq>
+          </p:childTnLst>
+        </p:cTn>
+      </p:par>
+    </p:tnLst>
+  </p:timing>
+</p:sld>
+</file>
+
+<file path=ppt/slides/slide9.xml><?xml version="1.0" encoding="utf-8"?>
+<p:sld xmlns:a="http://schemas.openxmlformats.org/drawingml/2006/main" xmlns:r="http://schemas.openxmlformats.org/officeDocument/2006/relationships" xmlns:p="http://schemas.openxmlformats.org/presentationml/2006/main">
+  <p:cSld>
+    <p:spTree>
+      <p:nvGrpSpPr>
+        <p:cNvPr id="1" name=""/>
+        <p:cNvGrpSpPr/>
+        <p:nvPr/>
+      </p:nvGrpSpPr>
+      <p:grpSpPr>
+        <a:xfrm>
+          <a:off x="0" y="0"/>
+          <a:ext cx="0" cy="0"/>
+          <a:chOff x="0" y="0"/>
+          <a:chExt cx="0" cy="0"/>
+        </a:xfrm>
+      </p:grpSpPr>
+      <p:sp>
+        <p:nvSpPr>
+          <p:cNvPr id="2" name="Title 1">
+            <a:extLst>
+              <a:ext uri="{FF2B5EF4-FFF2-40B4-BE49-F238E27FC236}">
+                <a16:creationId xmlns:a16="http://schemas.microsoft.com/office/drawing/2014/main" id="{2D09FA34-884D-4640-A1A3-F81A1CC67EDB}"/>
+              </a:ext>
+            </a:extLst>
+          </p:cNvPr>
+          <p:cNvSpPr txBox="1">
+            <a:spLocks/>
+          </p:cNvSpPr>
+          <p:nvPr/>
+        </p:nvSpPr>
+        <p:spPr>
+          <a:xfrm>
+            <a:off x="274639" y="1512887"/>
+            <a:ext cx="11889564" cy="917575"/>
+          </a:xfrm>
+          <a:prstGeom prst="rect">
+            <a:avLst/>
+          </a:prstGeom>
+        </p:spPr>
+        <p:txBody>
+          <a:bodyPr/>
+          <a:lstStyle>
+            <a:lvl1pPr algn="l" defTabSz="932742" rtl="0" eaLnBrk="1" latinLnBrk="0" hangingPunct="1">
+              <a:lnSpc>
+                <a:spcPct val="90000"/>
+              </a:lnSpc>
+              <a:spcBef>
+                <a:spcPct val="0"/>
+              </a:spcBef>
+              <a:buNone/>
+              <a:defRPr lang="en-US" sz="4800" b="0" kern="1200" cap="none" spc="-102" baseline="0" dirty="0" smtClean="0">
+                <a:ln w="3175">
+                  <a:noFill/>
+                </a:ln>
+                <a:gradFill>
+                  <a:gsLst>
+                    <a:gs pos="1250">
+                      <a:schemeClr val="tx1"/>
+                    </a:gs>
+                    <a:gs pos="100000">
+                      <a:schemeClr val="tx1"/>
+                    </a:gs>
+                  </a:gsLst>
+                  <a:lin ang="5400000" scaled="0"/>
+                </a:gradFill>
+                <a:effectLst/>
+                <a:latin typeface="+mj-lt"/>
+                <a:ea typeface="+mn-ea"/>
+                <a:cs typeface="Segoe UI" pitchFamily="34" charset="0"/>
+              </a:defRPr>
+            </a:lvl1pPr>
+          </a:lstStyle>
+          <a:p>
+            <a:pPr algn="ctr"/>
+            <a:r>
+              <a:rPr lang="en-US" sz="4000" b="1" i="1" dirty="0"/>
+              <a:t>I have plenty of data, but getting it labeled is expensive</a:t>
+            </a:r>
+            <a:br>
+              <a:rPr lang="en-US" dirty="0"/>
+            </a:br>
+            <a:endParaRPr lang="en-US" dirty="0"/>
+          </a:p>
+        </p:txBody>
+      </p:sp>
+      <p:sp>
+        <p:nvSpPr>
+          <p:cNvPr id="3" name="Text Placeholder 2" descr="Participants will learn how to use pre-trained deep learning models in Microsoft ML Server to generate features that can be used in traditional machine learning approaches.&#10;&#10;Participants will learn how to run these types of featurization at scale. &#10;&#10;Participants will learn how to use an active learning process to build more accurate classifiers by selecting additional training examples&#10;&#10;" title="Session Goals">
+            <a:extLst>
+              <a:ext uri="{FF2B5EF4-FFF2-40B4-BE49-F238E27FC236}">
+                <a16:creationId xmlns:a16="http://schemas.microsoft.com/office/drawing/2014/main" id="{EE938E51-AC46-47CA-82A7-FB1E6428ECB0}"/>
+              </a:ext>
+            </a:extLst>
+          </p:cNvPr>
+          <p:cNvSpPr txBox="1">
+            <a:spLocks/>
+          </p:cNvSpPr>
+          <p:nvPr/>
+        </p:nvSpPr>
+        <p:spPr>
+          <a:xfrm>
+            <a:off x="273843" y="2107969"/>
+            <a:ext cx="11888787" cy="4665893"/>
+          </a:xfrm>
+          <a:prstGeom prst="rect">
+            <a:avLst/>
+          </a:prstGeom>
+        </p:spPr>
+        <p:txBody>
+          <a:bodyPr/>
+          <a:lstStyle>
+            <a:lvl1pPr marL="228600" marR="0" indent="-228600" algn="l" defTabSz="932742" rtl="0" eaLnBrk="1" fontAlgn="auto" latinLnBrk="0" hangingPunct="1">
+              <a:lnSpc>
+                <a:spcPct val="90000"/>
+              </a:lnSpc>
+              <a:spcBef>
+                <a:spcPct val="20000"/>
+              </a:spcBef>
+              <a:spcAft>
+                <a:spcPts val="0"/>
+              </a:spcAft>
+              <a:buClrTx/>
+              <a:buSzPct val="90000"/>
+              <a:buFont typeface="Wingdings" panose="05000000000000000000" pitchFamily="2" charset="2"/>
+              <a:buChar char=""/>
+              <a:tabLst/>
+              <a:defRPr sz="3600" kern="1200" spc="0" baseline="0">
+                <a:gradFill>
+                  <a:gsLst>
+                    <a:gs pos="1250">
+                      <a:schemeClr val="tx1"/>
+                    </a:gs>
+                    <a:gs pos="100000">
+                      <a:schemeClr val="tx1"/>
+                    </a:gs>
+                  </a:gsLst>
+                  <a:lin ang="5400000" scaled="0"/>
+                </a:gradFill>
+                <a:latin typeface="+mj-lt"/>
+                <a:ea typeface="+mn-ea"/>
+                <a:cs typeface="+mn-cs"/>
+              </a:defRPr>
+            </a:lvl1pPr>
+            <a:lvl2pPr marL="457200" marR="0" indent="-228600" algn="l" defTabSz="932742" rtl="0" eaLnBrk="1" fontAlgn="auto" latinLnBrk="0" hangingPunct="1">
+              <a:lnSpc>
+                <a:spcPct val="90000"/>
+              </a:lnSpc>
+              <a:spcBef>
+                <a:spcPct val="20000"/>
+              </a:spcBef>
+              <a:spcAft>
+                <a:spcPts val="0"/>
+              </a:spcAft>
+              <a:buClrTx/>
+              <a:buSzPct val="90000"/>
+              <a:buFont typeface="Wingdings" panose="05000000000000000000" pitchFamily="2" charset="2"/>
+              <a:buChar char=""/>
+              <a:tabLst/>
+              <a:defRPr sz="2800" kern="1200" spc="0" baseline="0">
+                <a:gradFill>
+                  <a:gsLst>
+                    <a:gs pos="1250">
+                      <a:schemeClr val="tx1"/>
+                    </a:gs>
+                    <a:gs pos="100000">
+                      <a:schemeClr val="tx1"/>
+                    </a:gs>
+                  </a:gsLst>
+                  <a:lin ang="5400000" scaled="0"/>
+                </a:gradFill>
+                <a:latin typeface="+mn-lt"/>
+                <a:ea typeface="+mn-ea"/>
+                <a:cs typeface="+mn-cs"/>
+              </a:defRPr>
+            </a:lvl2pPr>
+            <a:lvl3pPr marL="685800" marR="0" indent="-228600" algn="l" defTabSz="932742" rtl="0" eaLnBrk="1" fontAlgn="auto" latinLnBrk="0" hangingPunct="1">
+              <a:lnSpc>
+                <a:spcPct val="90000"/>
+              </a:lnSpc>
+              <a:spcBef>
+                <a:spcPct val="20000"/>
+              </a:spcBef>
+              <a:spcAft>
+                <a:spcPts val="0"/>
+              </a:spcAft>
+              <a:buClrTx/>
+              <a:buSzPct val="90000"/>
+              <a:buFont typeface="Wingdings" panose="05000000000000000000" pitchFamily="2" charset="2"/>
+              <a:buChar char=""/>
+              <a:tabLst/>
+              <a:defRPr sz="2400" kern="1200" spc="0" baseline="0">
+                <a:gradFill>
+                  <a:gsLst>
+                    <a:gs pos="1250">
+                      <a:schemeClr val="tx1"/>
+                    </a:gs>
+                    <a:gs pos="100000">
+                      <a:schemeClr val="tx1"/>
+                    </a:gs>
+                  </a:gsLst>
+                  <a:lin ang="5400000" scaled="0"/>
+                </a:gradFill>
+                <a:latin typeface="+mn-lt"/>
+                <a:ea typeface="+mn-ea"/>
+                <a:cs typeface="+mn-cs"/>
+              </a:defRPr>
+            </a:lvl3pPr>
+            <a:lvl4pPr marL="914400" marR="0" indent="-228600" algn="l" defTabSz="932742" rtl="0" eaLnBrk="1" fontAlgn="auto" latinLnBrk="0" hangingPunct="1">
+              <a:lnSpc>
+                <a:spcPct val="90000"/>
+              </a:lnSpc>
+              <a:spcBef>
+                <a:spcPct val="20000"/>
+              </a:spcBef>
+              <a:spcAft>
+                <a:spcPts val="0"/>
+              </a:spcAft>
+              <a:buClrTx/>
+              <a:buSzPct val="90000"/>
+              <a:buFont typeface="Wingdings" panose="05000000000000000000" pitchFamily="2" charset="2"/>
+              <a:buChar char=""/>
+              <a:tabLst/>
+              <a:defRPr sz="2200" kern="1200" spc="0" baseline="0">
+                <a:gradFill>
+                  <a:gsLst>
+                    <a:gs pos="1250">
+                      <a:schemeClr val="tx1"/>
+                    </a:gs>
+                    <a:gs pos="100000">
+                      <a:schemeClr val="tx1"/>
+                    </a:gs>
+                  </a:gsLst>
+                  <a:lin ang="5400000" scaled="0"/>
+                </a:gradFill>
+                <a:latin typeface="+mn-lt"/>
+                <a:ea typeface="+mn-ea"/>
+                <a:cs typeface="+mn-cs"/>
+              </a:defRPr>
+            </a:lvl4pPr>
+            <a:lvl5pPr marL="1143000" marR="0" indent="-228600" algn="l" defTabSz="932742" rtl="0" eaLnBrk="1" fontAlgn="auto" latinLnBrk="0" hangingPunct="1">
+              <a:lnSpc>
+                <a:spcPct val="90000"/>
+              </a:lnSpc>
+              <a:spcBef>
+                <a:spcPct val="20000"/>
+              </a:spcBef>
+              <a:spcAft>
+                <a:spcPts val="0"/>
+              </a:spcAft>
+              <a:buClrTx/>
+              <a:buSzPct val="90000"/>
+              <a:buFont typeface="Wingdings" panose="05000000000000000000" pitchFamily="2" charset="2"/>
+              <a:buChar char=""/>
+              <a:tabLst/>
+              <a:defRPr sz="2200" kern="1200" spc="0" baseline="0">
+                <a:gradFill>
+                  <a:gsLst>
+                    <a:gs pos="1250">
+                      <a:schemeClr val="tx1"/>
+                    </a:gs>
+                    <a:gs pos="100000">
+                      <a:schemeClr val="tx1"/>
+                    </a:gs>
+                  </a:gsLst>
+                  <a:lin ang="5400000" scaled="0"/>
+                </a:gradFill>
+                <a:latin typeface="+mn-lt"/>
+                <a:ea typeface="+mn-ea"/>
+                <a:cs typeface="+mn-cs"/>
+              </a:defRPr>
+            </a:lvl5pPr>
+            <a:lvl6pPr marL="2565040" indent="-233186" algn="l" defTabSz="932742" rtl="0" eaLnBrk="1" latinLnBrk="0" hangingPunct="1">
+              <a:spcBef>
+                <a:spcPct val="20000"/>
+              </a:spcBef>
+              <a:buFont typeface="Arial" pitchFamily="34" charset="0"/>
+              <a:buChar char="•"/>
+              <a:defRPr sz="2000" kern="1200">
+                <a:solidFill>
+                  <a:schemeClr val="tx1"/>
+                </a:solidFill>
+                <a:latin typeface="+mn-lt"/>
+                <a:ea typeface="+mn-ea"/>
+                <a:cs typeface="+mn-cs"/>
+              </a:defRPr>
+            </a:lvl6pPr>
+            <a:lvl7pPr marL="3031412" indent="-233186" algn="l" defTabSz="932742" rtl="0" eaLnBrk="1" latinLnBrk="0" hangingPunct="1">
+              <a:spcBef>
+                <a:spcPct val="20000"/>
+              </a:spcBef>
+              <a:buFont typeface="Arial" pitchFamily="34" charset="0"/>
+              <a:buChar char="•"/>
+              <a:defRPr sz="2000" kern="1200">
+                <a:solidFill>
+                  <a:schemeClr val="tx1"/>
+                </a:solidFill>
+                <a:latin typeface="+mn-lt"/>
+                <a:ea typeface="+mn-ea"/>
+                <a:cs typeface="+mn-cs"/>
+              </a:defRPr>
+            </a:lvl7pPr>
+            <a:lvl8pPr marL="3497783" indent="-233186" algn="l" defTabSz="932742" rtl="0" eaLnBrk="1" latinLnBrk="0" hangingPunct="1">
+              <a:spcBef>
+                <a:spcPct val="20000"/>
+              </a:spcBef>
+              <a:buFont typeface="Arial" pitchFamily="34" charset="0"/>
+              <a:buChar char="•"/>
+              <a:defRPr sz="2000" kern="1200">
+                <a:solidFill>
+                  <a:schemeClr val="tx1"/>
+                </a:solidFill>
+                <a:latin typeface="+mn-lt"/>
+                <a:ea typeface="+mn-ea"/>
+                <a:cs typeface="+mn-cs"/>
+              </a:defRPr>
+            </a:lvl8pPr>
+            <a:lvl9pPr marL="3964155" indent="-233186" algn="l" defTabSz="932742" rtl="0" eaLnBrk="1" latinLnBrk="0" hangingPunct="1">
+              <a:spcBef>
+                <a:spcPct val="20000"/>
+              </a:spcBef>
+              <a:buFont typeface="Arial" pitchFamily="34" charset="0"/>
+              <a:buChar char="•"/>
+              <a:defRPr sz="2000" kern="1200">
+                <a:solidFill>
+                  <a:schemeClr val="tx1"/>
+                </a:solidFill>
+                <a:latin typeface="+mn-lt"/>
+                <a:ea typeface="+mn-ea"/>
+                <a:cs typeface="+mn-cs"/>
+              </a:defRPr>
+            </a:lvl9pPr>
+          </a:lstStyle>
+          <a:p>
+            <a:pPr marL="0" indent="0">
+              <a:buFont typeface="Wingdings" panose="05000000000000000000" pitchFamily="2" charset="2"/>
+              <a:buNone/>
+            </a:pPr>
+            <a:endParaRPr lang="en-US" sz="2800" dirty="0"/>
+          </a:p>
+          <a:p>
+            <a:r>
+              <a:rPr lang="en-US" sz="2800" b="1" dirty="0"/>
+              <a:t>word embeddings </a:t>
+            </a:r>
+            <a:r>
+              <a:rPr lang="en-US" sz="2800" dirty="0"/>
+              <a:t>(or more generally, </a:t>
+            </a:r>
+            <a:r>
+              <a:rPr lang="en-US" sz="2800" b="1" dirty="0"/>
+              <a:t>transfer learning</a:t>
+            </a:r>
+            <a:r>
+              <a:rPr lang="en-US" sz="2800" dirty="0"/>
+              <a:t>)</a:t>
+            </a:r>
+            <a:r>
+              <a:rPr lang="en-US" sz="2800" b="1" dirty="0"/>
+              <a:t> </a:t>
+            </a:r>
+            <a:r>
+              <a:rPr lang="en-US" sz="2800" dirty="0"/>
+              <a:t>let you generate features that can be used in traditional machine learning approaches.</a:t>
+            </a:r>
+          </a:p>
+          <a:p>
+            <a:endParaRPr lang="en-US" sz="2800" dirty="0"/>
+          </a:p>
+          <a:p>
+            <a:r>
+              <a:rPr lang="en-US" sz="2800" dirty="0"/>
+              <a:t>these features let you use </a:t>
+            </a:r>
+            <a:r>
+              <a:rPr lang="en-US" sz="2800" b="1" dirty="0"/>
+              <a:t>low-complexity models</a:t>
+            </a:r>
+            <a:r>
+              <a:rPr lang="en-US" sz="2800" dirty="0"/>
+              <a:t> that can learn from small numbers of cases.</a:t>
+            </a:r>
+          </a:p>
+          <a:p>
+            <a:endParaRPr lang="en-US" sz="2800" dirty="0"/>
+          </a:p>
+          <a:p>
+            <a:r>
+              <a:rPr lang="en-US" sz="2800" b="1" dirty="0"/>
+              <a:t>active learning </a:t>
+            </a:r>
+            <a:r>
+              <a:rPr lang="en-US" sz="2800" dirty="0"/>
+              <a:t>lets you take advantage of large sets of unlabeled data to build more accurate classifiers by selecting the most useful additional examples to label for training.</a:t>
+            </a:r>
+          </a:p>
+          <a:p>
+            <a:endParaRPr lang="en-US" sz="2800" dirty="0"/>
+          </a:p>
+        </p:txBody>
+      </p:sp>
+      <p:sp>
+        <p:nvSpPr>
+          <p:cNvPr id="4" name="Title 1">
+            <a:extLst>
+              <a:ext uri="{FF2B5EF4-FFF2-40B4-BE49-F238E27FC236}">
+                <a16:creationId xmlns:a16="http://schemas.microsoft.com/office/drawing/2014/main" id="{4A7F6527-45DA-42A0-929A-F0872C9EDC62}"/>
+              </a:ext>
+            </a:extLst>
+          </p:cNvPr>
+          <p:cNvSpPr txBox="1">
+            <a:spLocks/>
+          </p:cNvSpPr>
+          <p:nvPr/>
+        </p:nvSpPr>
+        <p:spPr>
+          <a:xfrm>
+            <a:off x="274637" y="449262"/>
+            <a:ext cx="11889564" cy="917575"/>
+          </a:xfrm>
+          <a:prstGeom prst="rect">
+            <a:avLst/>
+          </a:prstGeom>
+        </p:spPr>
+        <p:txBody>
+          <a:bodyPr/>
+          <a:lstStyle>
+            <a:lvl1pPr algn="l" defTabSz="932742" rtl="0" eaLnBrk="1" latinLnBrk="0" hangingPunct="1">
+              <a:lnSpc>
+                <a:spcPct val="90000"/>
+              </a:lnSpc>
+              <a:spcBef>
+                <a:spcPct val="0"/>
+              </a:spcBef>
+              <a:buNone/>
+              <a:defRPr lang="en-US" sz="4800" b="0" kern="1200" cap="none" spc="-102" baseline="0" dirty="0" smtClean="0">
+                <a:ln w="3175">
+                  <a:noFill/>
+                </a:ln>
+                <a:gradFill>
+                  <a:gsLst>
+                    <a:gs pos="1250">
+                      <a:schemeClr val="tx1"/>
+                    </a:gs>
+                    <a:gs pos="100000">
+                      <a:schemeClr val="tx1"/>
+                    </a:gs>
+                  </a:gsLst>
+                  <a:lin ang="5400000" scaled="0"/>
+                </a:gradFill>
+                <a:effectLst/>
+                <a:latin typeface="+mj-lt"/>
+                <a:ea typeface="+mn-ea"/>
+                <a:cs typeface="Segoe UI" pitchFamily="34" charset="0"/>
+              </a:defRPr>
+            </a:lvl1pPr>
+          </a:lstStyle>
+          <a:p>
+            <a:pPr algn="ctr"/>
+            <a:r>
+              <a:rPr lang="en-US" sz="4400" b="1" dirty="0"/>
+              <a:t>Active Learning</a:t>
+            </a:r>
+            <a:br>
+              <a:rPr lang="en-US" dirty="0"/>
+            </a:br>
+            <a:endParaRPr lang="en-US" dirty="0"/>
+          </a:p>
+        </p:txBody>
+      </p:sp>
+    </p:spTree>
+    <p:extLst>
+      <p:ext uri="{BB962C8B-B14F-4D97-AF65-F5344CB8AC3E}">
+        <p14:creationId xmlns:p14="http://schemas.microsoft.com/office/powerpoint/2010/main" val="1486024485"/>
       </p:ext>
     </p:extLst>
   </p:cSld>
@@ -15099,94 +18025,12 @@
 </file>
 
 <file path=customXml/item1.xml><?xml version="1.0" encoding="utf-8"?>
-<p:properties xmlns:p="http://schemas.microsoft.com/office/2006/metadata/properties" xmlns:xsi="http://www.w3.org/2001/XMLSchema-instance" xmlns:pc="http://schemas.microsoft.com/office/infopath/2007/PartnerControls">
-  <documentManagement>
-    <LikesCount xmlns="http://schemas.microsoft.com/sharepoint/v3" xsi:nil="true"/>
-    <_ip_UnifiedCompliancePolicyUIAction xmlns="http://schemas.microsoft.com/sharepoint/v3" xsi:nil="true"/>
-    <_ip_UnifiedCompliancePolicyProperties xmlns="http://schemas.microsoft.com/sharepoint/v3" xsi:nil="true"/>
-    <TaxKeywordTaxHTField xmlns="230e9df3-be65-4c73-a93b-d1236ebd677e">
-      <Terms xmlns="http://schemas.microsoft.com/office/infopath/2007/PartnerControls">
-        <TermInfo xmlns="http://schemas.microsoft.com/office/infopath/2007/PartnerControls">
-          <TermName xmlns="http://schemas.microsoft.com/office/infopath/2007/PartnerControls">machine learning</TermName>
-          <TermId xmlns="http://schemas.microsoft.com/office/infopath/2007/PartnerControls">912b89bd-3197-4d37-838b-dea3c299099a</TermId>
-        </TermInfo>
-        <TermInfo xmlns="http://schemas.microsoft.com/office/infopath/2007/PartnerControls">
-          <TermName xmlns="http://schemas.microsoft.com/office/infopath/2007/PartnerControls">AI ＆ Data Science Conference</TermName>
-          <TermId xmlns="http://schemas.microsoft.com/office/infopath/2007/PartnerControls">8f010730-a012-41a8-b19a-7b5a9af03b6a</TermId>
-        </TermInfo>
-      </Terms>
-    </TaxKeywordTaxHTField>
-    <TaxCatchAll xmlns="230e9df3-be65-4c73-a93b-d1236ebd677e">
-      <Value>69</Value>
-      <Value>131</Value>
-      <Value>20</Value>
-      <Value>72</Value>
-      <Value>169</Value>
-    </TaxCatchAll>
-    <Event_x0020_Start_x0020_Date xmlns="04e01bb1-6d80-42e9-ae53-416b1e8aa845">2017-12-07T00:00:00+00:00</Event_x0020_Start_x0020_Date>
-    <External_x0020_Speaker xmlns="04e01bb1-6d80-42e9-ae53-416b1e8aa845" xsi:nil="true"/>
-    <Presentation_x0020_Date xmlns="04e01bb1-6d80-42e9-ae53-416b1e8aa845" xsi:nil="true"/>
-    <MS_x0020_Content_x0020_Owner xmlns="04e01bb1-6d80-42e9-ae53-416b1e8aa845">
-      <UserInfo>
-        <DisplayName/>
-        <AccountId xsi:nil="true"/>
-        <AccountType/>
-      </UserInfo>
-    </MS_x0020_Content_x0020_Owner>
-    <Session_x0020_Code xmlns="04e01bb1-6d80-42e9-ae53-416b1e8aa845" xsi:nil="true"/>
-    <Event_x0020_End_x0020_Date xmlns="04e01bb1-6d80-42e9-ae53-416b1e8aa845">2017-12-08T00:00:00+00:00</Event_x0020_End_x0020_Date>
-    <MS_x0020_Speaker xmlns="04e01bb1-6d80-42e9-ae53-416b1e8aa845">
-      <UserInfo>
-        <DisplayName/>
-        <AccountId xsi:nil="true"/>
-        <AccountType/>
-      </UserInfo>
-    </MS_x0020_Speaker>
-    <_x0062_bc8 xmlns="e889e55c-35cf-43c7-aaf4-cf2500919dd8">
-      <UserInfo>
-        <DisplayName/>
-        <AccountId xsi:nil="true"/>
-        <AccountType/>
-      </UserInfo>
-    </_x0062_bc8>
-    <fb4e50409e3b4517bb965b3c7125e153 xmlns="04e01bb1-6d80-42e9-ae53-416b1e8aa845">
-      <Terms xmlns="http://schemas.microsoft.com/office/infopath/2007/PartnerControls"/>
-    </fb4e50409e3b4517bb965b3c7125e153>
-    <l61c8586195b4657a1f710a539f9bc3a xmlns="04e01bb1-6d80-42e9-ae53-416b1e8aa845">
-      <Terms xmlns="http://schemas.microsoft.com/office/infopath/2007/PartnerControls">
-        <TermInfo xmlns="http://schemas.microsoft.com/office/infopath/2007/PartnerControls">
-          <TermName xmlns="http://schemas.microsoft.com/office/infopath/2007/PartnerControls">Microsoft Conference Center</TermName>
-          <TermId xmlns="http://schemas.microsoft.com/office/infopath/2007/PartnerControls">9ee5e79d-18a6-44c6-bfde-7021198eb4fc</TermId>
-        </TermInfo>
-      </Terms>
-    </l61c8586195b4657a1f710a539f9bc3a>
-    <a645af38eebb4a1ea4744f163c56ea26 xmlns="04e01bb1-6d80-42e9-ae53-416b1e8aa845">
-      <Terms xmlns="http://schemas.microsoft.com/office/infopath/2007/PartnerControls"/>
-    </a645af38eebb4a1ea4744f163c56ea26>
-    <g60601ae6c3e4c409eb6a70077dda16d xmlns="04e01bb1-6d80-42e9-ae53-416b1e8aa845">
-      <Terms xmlns="http://schemas.microsoft.com/office/infopath/2007/PartnerControls">
-        <TermInfo xmlns="http://schemas.microsoft.com/office/infopath/2007/PartnerControls">
-          <TermName xmlns="http://schemas.microsoft.com/office/infopath/2007/PartnerControls">Microsoft Redmond Campus</TermName>
-          <TermId xmlns="http://schemas.microsoft.com/office/infopath/2007/PartnerControls">3cd96142-cb30-40de-9c66-cd17f1bb8ca1</TermId>
-        </TermInfo>
-      </Terms>
-    </g60601ae6c3e4c409eb6a70077dda16d>
-    <e6bd9c8ce3ed4fe68161c78952f36fbc xmlns="04e01bb1-6d80-42e9-ae53-416b1e8aa845">
-      <Terms xmlns="http://schemas.microsoft.com/office/infopath/2007/PartnerControls"/>
-    </e6bd9c8ce3ed4fe68161c78952f36fbc>
-    <e349cd3f156b4e7d8653c9cd4f2d8fb4 xmlns="04e01bb1-6d80-42e9-ae53-416b1e8aa845">
-      <Terms xmlns="http://schemas.microsoft.com/office/infopath/2007/PartnerControls">
-        <TermInfo xmlns="http://schemas.microsoft.com/office/infopath/2007/PartnerControls">
-          <TermName xmlns="http://schemas.microsoft.com/office/infopath/2007/PartnerControls">Machine Learning, AI and Data Science Conference</TermName>
-          <TermId xmlns="http://schemas.microsoft.com/office/infopath/2007/PartnerControls">2f5995e3-1e3d-4c27-96d6-c6c80990926c</TermId>
-        </TermInfo>
-      </Terms>
-    </e349cd3f156b4e7d8653c9cd4f2d8fb4>
-    <c2f1b796fca04ddbb48af271e99c8750 xmlns="04e01bb1-6d80-42e9-ae53-416b1e8aa845">
-      <Terms xmlns="http://schemas.microsoft.com/office/infopath/2007/PartnerControls"/>
-    </c2f1b796fca04ddbb48af271e99c8750>
-  </documentManagement>
-</p:properties>
+<?mso-contentType ?>
+<FormTemplates xmlns="http://schemas.microsoft.com/sharepoint/v3/contenttype/forms">
+  <Display>DocumentLibraryForm</Display>
+  <Edit>DocumentLibraryForm</Edit>
+  <New>DocumentLibraryForm</New>
+</FormTemplates>
 </file>
 
 <file path=customXml/item2.xml><?xml version="1.0" encoding="utf-8"?>
@@ -15589,29 +18433,100 @@
 </file>
 
 <file path=customXml/item3.xml><?xml version="1.0" encoding="utf-8"?>
-<?mso-contentType ?>
-<FormTemplates xmlns="http://schemas.microsoft.com/sharepoint/v3/contenttype/forms">
-  <Display>DocumentLibraryForm</Display>
-  <Edit>DocumentLibraryForm</Edit>
-  <New>DocumentLibraryForm</New>
-</FormTemplates>
+<p:properties xmlns:p="http://schemas.microsoft.com/office/2006/metadata/properties" xmlns:xsi="http://www.w3.org/2001/XMLSchema-instance" xmlns:pc="http://schemas.microsoft.com/office/infopath/2007/PartnerControls">
+  <documentManagement>
+    <LikesCount xmlns="http://schemas.microsoft.com/sharepoint/v3" xsi:nil="true"/>
+    <_ip_UnifiedCompliancePolicyUIAction xmlns="http://schemas.microsoft.com/sharepoint/v3" xsi:nil="true"/>
+    <_ip_UnifiedCompliancePolicyProperties xmlns="http://schemas.microsoft.com/sharepoint/v3" xsi:nil="true"/>
+    <TaxKeywordTaxHTField xmlns="230e9df3-be65-4c73-a93b-d1236ebd677e">
+      <Terms xmlns="http://schemas.microsoft.com/office/infopath/2007/PartnerControls">
+        <TermInfo xmlns="http://schemas.microsoft.com/office/infopath/2007/PartnerControls">
+          <TermName xmlns="http://schemas.microsoft.com/office/infopath/2007/PartnerControls">machine learning</TermName>
+          <TermId xmlns="http://schemas.microsoft.com/office/infopath/2007/PartnerControls">912b89bd-3197-4d37-838b-dea3c299099a</TermId>
+        </TermInfo>
+        <TermInfo xmlns="http://schemas.microsoft.com/office/infopath/2007/PartnerControls">
+          <TermName xmlns="http://schemas.microsoft.com/office/infopath/2007/PartnerControls">AI ＆ Data Science Conference</TermName>
+          <TermId xmlns="http://schemas.microsoft.com/office/infopath/2007/PartnerControls">8f010730-a012-41a8-b19a-7b5a9af03b6a</TermId>
+        </TermInfo>
+      </Terms>
+    </TaxKeywordTaxHTField>
+    <TaxCatchAll xmlns="230e9df3-be65-4c73-a93b-d1236ebd677e">
+      <Value>69</Value>
+      <Value>131</Value>
+      <Value>20</Value>
+      <Value>72</Value>
+      <Value>169</Value>
+    </TaxCatchAll>
+    <Event_x0020_Start_x0020_Date xmlns="04e01bb1-6d80-42e9-ae53-416b1e8aa845">2017-12-07T00:00:00+00:00</Event_x0020_Start_x0020_Date>
+    <External_x0020_Speaker xmlns="04e01bb1-6d80-42e9-ae53-416b1e8aa845" xsi:nil="true"/>
+    <Presentation_x0020_Date xmlns="04e01bb1-6d80-42e9-ae53-416b1e8aa845" xsi:nil="true"/>
+    <MS_x0020_Content_x0020_Owner xmlns="04e01bb1-6d80-42e9-ae53-416b1e8aa845">
+      <UserInfo>
+        <DisplayName/>
+        <AccountId xsi:nil="true"/>
+        <AccountType/>
+      </UserInfo>
+    </MS_x0020_Content_x0020_Owner>
+    <Session_x0020_Code xmlns="04e01bb1-6d80-42e9-ae53-416b1e8aa845" xsi:nil="true"/>
+    <Event_x0020_End_x0020_Date xmlns="04e01bb1-6d80-42e9-ae53-416b1e8aa845">2017-12-08T00:00:00+00:00</Event_x0020_End_x0020_Date>
+    <MS_x0020_Speaker xmlns="04e01bb1-6d80-42e9-ae53-416b1e8aa845">
+      <UserInfo>
+        <DisplayName/>
+        <AccountId xsi:nil="true"/>
+        <AccountType/>
+      </UserInfo>
+    </MS_x0020_Speaker>
+    <_x0062_bc8 xmlns="e889e55c-35cf-43c7-aaf4-cf2500919dd8">
+      <UserInfo>
+        <DisplayName/>
+        <AccountId xsi:nil="true"/>
+        <AccountType/>
+      </UserInfo>
+    </_x0062_bc8>
+    <fb4e50409e3b4517bb965b3c7125e153 xmlns="04e01bb1-6d80-42e9-ae53-416b1e8aa845">
+      <Terms xmlns="http://schemas.microsoft.com/office/infopath/2007/PartnerControls"/>
+    </fb4e50409e3b4517bb965b3c7125e153>
+    <l61c8586195b4657a1f710a539f9bc3a xmlns="04e01bb1-6d80-42e9-ae53-416b1e8aa845">
+      <Terms xmlns="http://schemas.microsoft.com/office/infopath/2007/PartnerControls">
+        <TermInfo xmlns="http://schemas.microsoft.com/office/infopath/2007/PartnerControls">
+          <TermName xmlns="http://schemas.microsoft.com/office/infopath/2007/PartnerControls">Microsoft Conference Center</TermName>
+          <TermId xmlns="http://schemas.microsoft.com/office/infopath/2007/PartnerControls">9ee5e79d-18a6-44c6-bfde-7021198eb4fc</TermId>
+        </TermInfo>
+      </Terms>
+    </l61c8586195b4657a1f710a539f9bc3a>
+    <a645af38eebb4a1ea4744f163c56ea26 xmlns="04e01bb1-6d80-42e9-ae53-416b1e8aa845">
+      <Terms xmlns="http://schemas.microsoft.com/office/infopath/2007/PartnerControls"/>
+    </a645af38eebb4a1ea4744f163c56ea26>
+    <g60601ae6c3e4c409eb6a70077dda16d xmlns="04e01bb1-6d80-42e9-ae53-416b1e8aa845">
+      <Terms xmlns="http://schemas.microsoft.com/office/infopath/2007/PartnerControls">
+        <TermInfo xmlns="http://schemas.microsoft.com/office/infopath/2007/PartnerControls">
+          <TermName xmlns="http://schemas.microsoft.com/office/infopath/2007/PartnerControls">Microsoft Redmond Campus</TermName>
+          <TermId xmlns="http://schemas.microsoft.com/office/infopath/2007/PartnerControls">3cd96142-cb30-40de-9c66-cd17f1bb8ca1</TermId>
+        </TermInfo>
+      </Terms>
+    </g60601ae6c3e4c409eb6a70077dda16d>
+    <e6bd9c8ce3ed4fe68161c78952f36fbc xmlns="04e01bb1-6d80-42e9-ae53-416b1e8aa845">
+      <Terms xmlns="http://schemas.microsoft.com/office/infopath/2007/PartnerControls"/>
+    </e6bd9c8ce3ed4fe68161c78952f36fbc>
+    <e349cd3f156b4e7d8653c9cd4f2d8fb4 xmlns="04e01bb1-6d80-42e9-ae53-416b1e8aa845">
+      <Terms xmlns="http://schemas.microsoft.com/office/infopath/2007/PartnerControls">
+        <TermInfo xmlns="http://schemas.microsoft.com/office/infopath/2007/PartnerControls">
+          <TermName xmlns="http://schemas.microsoft.com/office/infopath/2007/PartnerControls">Machine Learning, AI and Data Science Conference</TermName>
+          <TermId xmlns="http://schemas.microsoft.com/office/infopath/2007/PartnerControls">2f5995e3-1e3d-4c27-96d6-c6c80990926c</TermId>
+        </TermInfo>
+      </Terms>
+    </e349cd3f156b4e7d8653c9cd4f2d8fb4>
+    <c2f1b796fca04ddbb48af271e99c8750 xmlns="04e01bb1-6d80-42e9-ae53-416b1e8aa845">
+      <Terms xmlns="http://schemas.microsoft.com/office/infopath/2007/PartnerControls"/>
+    </c2f1b796fca04ddbb48af271e99c8750>
+  </documentManagement>
+</p:properties>
 </file>
 
 <file path=customXml/itemProps1.xml><?xml version="1.0" encoding="utf-8"?>
-<ds:datastoreItem xmlns:ds="http://schemas.openxmlformats.org/officeDocument/2006/customXml" ds:itemID="{F990F116-B58F-4255-B05B-DA3808E0E5C6}">
+<ds:datastoreItem xmlns:ds="http://schemas.openxmlformats.org/officeDocument/2006/customXml" ds:itemID="{758FDAC0-319D-4A54-8D8E-1D42CB1F8004}">
   <ds:schemaRefs>
-    <ds:schemaRef ds:uri="230e9df3-be65-4c73-a93b-d1236ebd677e"/>
-    <ds:schemaRef ds:uri="http://schemas.microsoft.com/office/2006/documentManagement/types"/>
-    <ds:schemaRef ds:uri="http://schemas.microsoft.com/sharepoint/v3"/>
-    <ds:schemaRef ds:uri="http://purl.org/dc/elements/1.1/"/>
-    <ds:schemaRef ds:uri="http://schemas.microsoft.com/office/2006/metadata/properties"/>
-    <ds:schemaRef ds:uri="04e01bb1-6d80-42e9-ae53-416b1e8aa845"/>
-    <ds:schemaRef ds:uri="http://schemas.microsoft.com/office/infopath/2007/PartnerControls"/>
-    <ds:schemaRef ds:uri="http://purl.org/dc/terms/"/>
-    <ds:schemaRef ds:uri="http://schemas.openxmlformats.org/package/2006/metadata/core-properties"/>
-    <ds:schemaRef ds:uri="e889e55c-35cf-43c7-aaf4-cf2500919dd8"/>
-    <ds:schemaRef ds:uri="http://www.w3.org/XML/1998/namespace"/>
-    <ds:schemaRef ds:uri="http://purl.org/dc/dcmitype/"/>
+    <ds:schemaRef ds:uri="http://schemas.microsoft.com/sharepoint/v3/contenttype/forms"/>
   </ds:schemaRefs>
 </ds:datastoreItem>
 </file>
@@ -15638,9 +18553,20 @@
 </file>
 
 <file path=customXml/itemProps3.xml><?xml version="1.0" encoding="utf-8"?>
-<ds:datastoreItem xmlns:ds="http://schemas.openxmlformats.org/officeDocument/2006/customXml" ds:itemID="{758FDAC0-319D-4A54-8D8E-1D42CB1F8004}">
+<ds:datastoreItem xmlns:ds="http://schemas.openxmlformats.org/officeDocument/2006/customXml" ds:itemID="{F990F116-B58F-4255-B05B-DA3808E0E5C6}">
   <ds:schemaRefs>
-    <ds:schemaRef ds:uri="http://schemas.microsoft.com/sharepoint/v3/contenttype/forms"/>
+    <ds:schemaRef ds:uri="230e9df3-be65-4c73-a93b-d1236ebd677e"/>
+    <ds:schemaRef ds:uri="http://schemas.microsoft.com/office/2006/documentManagement/types"/>
+    <ds:schemaRef ds:uri="http://schemas.microsoft.com/sharepoint/v3"/>
+    <ds:schemaRef ds:uri="http://purl.org/dc/elements/1.1/"/>
+    <ds:schemaRef ds:uri="http://schemas.microsoft.com/office/2006/metadata/properties"/>
+    <ds:schemaRef ds:uri="04e01bb1-6d80-42e9-ae53-416b1e8aa845"/>
+    <ds:schemaRef ds:uri="http://schemas.microsoft.com/office/infopath/2007/PartnerControls"/>
+    <ds:schemaRef ds:uri="http://purl.org/dc/terms/"/>
+    <ds:schemaRef ds:uri="http://schemas.openxmlformats.org/package/2006/metadata/core-properties"/>
+    <ds:schemaRef ds:uri="e889e55c-35cf-43c7-aaf4-cf2500919dd8"/>
+    <ds:schemaRef ds:uri="http://www.w3.org/XML/1998/namespace"/>
+    <ds:schemaRef ds:uri="http://purl.org/dc/dcmitype/"/>
   </ds:schemaRefs>
 </ds:datastoreItem>
 </file>
--- a/active_learning_workshop.pptx
+++ b/active_learning_workshop.pptx
@@ -6,10 +6,10 @@
     <p:sldMasterId id="2147484501" r:id="rId5"/>
   </p:sldMasterIdLst>
   <p:notesMasterIdLst>
-    <p:notesMasterId r:id="rId18"/>
+    <p:notesMasterId r:id="rId19"/>
   </p:notesMasterIdLst>
   <p:handoutMasterIdLst>
-    <p:handoutMasterId r:id="rId19"/>
+    <p:handoutMasterId r:id="rId20"/>
   </p:handoutMasterIdLst>
   <p:sldIdLst>
     <p:sldId id="1502" r:id="rId6"/>
@@ -23,7 +23,8 @@
     <p:sldId id="1530" r:id="rId14"/>
     <p:sldId id="1550" r:id="rId15"/>
     <p:sldId id="1535" r:id="rId16"/>
-    <p:sldId id="1516" r:id="rId17"/>
+    <p:sldId id="1572" r:id="rId17"/>
+    <p:sldId id="1516" r:id="rId18"/>
   </p:sldIdLst>
   <p:sldSz cx="12436475" cy="6994525"/>
   <p:notesSz cx="6858000" cy="9144000"/>
@@ -138,6 +139,7 @@
             <p14:sldId id="1530"/>
             <p14:sldId id="1550"/>
             <p14:sldId id="1535"/>
+            <p14:sldId id="1572"/>
             <p14:sldId id="1516"/>
           </p14:sldIdLst>
         </p14:section>
@@ -2026,7 +2028,7 @@
                 </a:solidFill>
               </a:rPr>
               <a:pPr/>
-              <a:t>12</a:t>
+              <a:t>13</a:t>
             </a:fld>
             <a:endParaRPr lang="en-US" dirty="0">
               <a:solidFill>
@@ -13627,6 +13629,271 @@
 </file>
 
 <file path=ppt/slides/slide12.xml><?xml version="1.0" encoding="utf-8"?>
+<p:sld xmlns:a="http://schemas.openxmlformats.org/drawingml/2006/main" xmlns:r="http://schemas.openxmlformats.org/officeDocument/2006/relationships" xmlns:p="http://schemas.openxmlformats.org/presentationml/2006/main">
+  <p:cSld>
+    <p:spTree>
+      <p:nvGrpSpPr>
+        <p:cNvPr id="1" name=""/>
+        <p:cNvGrpSpPr/>
+        <p:nvPr/>
+      </p:nvGrpSpPr>
+      <p:grpSpPr>
+        <a:xfrm>
+          <a:off x="0" y="0"/>
+          <a:ext cx="0" cy="0"/>
+          <a:chOff x="0" y="0"/>
+          <a:chExt cx="0" cy="0"/>
+        </a:xfrm>
+      </p:grpSpPr>
+      <p:pic>
+        <p:nvPicPr>
+          <p:cNvPr id="1026" name="Picture 2" descr="Image result for omar alonso crowdsourcing">
+            <a:extLst>
+              <a:ext uri="{FF2B5EF4-FFF2-40B4-BE49-F238E27FC236}">
+                <a16:creationId xmlns:a16="http://schemas.microsoft.com/office/drawing/2014/main" id="{C17B8A20-CE26-4FA2-B8F0-E1D698EA3A4A}"/>
+              </a:ext>
+            </a:extLst>
+          </p:cNvPr>
+          <p:cNvPicPr>
+            <a:picLocks noChangeAspect="1" noChangeArrowheads="1"/>
+          </p:cNvPicPr>
+          <p:nvPr/>
+        </p:nvPicPr>
+        <p:blipFill>
+          <a:blip r:embed="rId2">
+            <a:extLst>
+              <a:ext uri="{28A0092B-C50C-407E-A947-70E740481C1C}">
+                <a14:useLocalDpi xmlns:a14="http://schemas.microsoft.com/office/drawing/2010/main" val="0"/>
+              </a:ext>
+            </a:extLst>
+          </a:blip>
+          <a:srcRect/>
+          <a:stretch>
+            <a:fillRect/>
+          </a:stretch>
+        </p:blipFill>
+        <p:spPr bwMode="auto">
+          <a:xfrm>
+            <a:off x="9037637" y="3725862"/>
+            <a:ext cx="3124200" cy="3124200"/>
+          </a:xfrm>
+          <a:prstGeom prst="rect">
+            <a:avLst/>
+          </a:prstGeom>
+          <a:noFill/>
+          <a:extLst>
+            <a:ext uri="{909E8E84-426E-40DD-AFC4-6F175D3DCCD1}">
+              <a14:hiddenFill xmlns:a14="http://schemas.microsoft.com/office/drawing/2010/main">
+                <a:solidFill>
+                  <a:srgbClr val="FFFFFF"/>
+                </a:solidFill>
+              </a14:hiddenFill>
+            </a:ext>
+          </a:extLst>
+        </p:spPr>
+      </p:pic>
+      <p:sp>
+        <p:nvSpPr>
+          <p:cNvPr id="2" name="TextBox 1">
+            <a:extLst>
+              <a:ext uri="{FF2B5EF4-FFF2-40B4-BE49-F238E27FC236}">
+                <a16:creationId xmlns:a16="http://schemas.microsoft.com/office/drawing/2014/main" id="{C37859F4-9F1D-4FD2-97B9-8B4D8872565A}"/>
+              </a:ext>
+            </a:extLst>
+          </p:cNvPr>
+          <p:cNvSpPr txBox="1"/>
+          <p:nvPr/>
+        </p:nvSpPr>
+        <p:spPr>
+          <a:xfrm>
+            <a:off x="731837" y="754062"/>
+            <a:ext cx="7543800" cy="4170372"/>
+          </a:xfrm>
+          <a:prstGeom prst="rect">
+            <a:avLst/>
+          </a:prstGeom>
+          <a:noFill/>
+        </p:spPr>
+        <p:txBody>
+          <a:bodyPr wrap="square" lIns="182880" tIns="146304" rIns="182880" bIns="146304" rtlCol="0">
+            <a:spAutoFit/>
+          </a:bodyPr>
+          <a:lstStyle/>
+          <a:p>
+            <a:pPr>
+              <a:lnSpc>
+                <a:spcPct val="90000"/>
+              </a:lnSpc>
+              <a:spcAft>
+                <a:spcPts val="600"/>
+              </a:spcAft>
+            </a:pPr>
+            <a:r>
+              <a:rPr lang="en-US" sz="3600" b="1" i="1" dirty="0">
+                <a:gradFill>
+                  <a:gsLst>
+                    <a:gs pos="2917">
+                      <a:schemeClr val="tx1"/>
+                    </a:gs>
+                    <a:gs pos="30000">
+                      <a:schemeClr val="tx1"/>
+                    </a:gs>
+                  </a:gsLst>
+                  <a:lin ang="5400000" scaled="0"/>
+                </a:gradFill>
+              </a:rPr>
+              <a:t>The Practice of Crowdsourcing</a:t>
+            </a:r>
+          </a:p>
+          <a:p>
+            <a:pPr>
+              <a:lnSpc>
+                <a:spcPct val="90000"/>
+              </a:lnSpc>
+              <a:spcAft>
+                <a:spcPts val="600"/>
+              </a:spcAft>
+            </a:pPr>
+            <a:endParaRPr lang="en-US" sz="3600" dirty="0">
+              <a:gradFill>
+                <a:gsLst>
+                  <a:gs pos="2917">
+                    <a:schemeClr val="tx1"/>
+                  </a:gs>
+                  <a:gs pos="30000">
+                    <a:schemeClr val="tx1"/>
+                  </a:gs>
+                </a:gsLst>
+                <a:lin ang="5400000" scaled="0"/>
+              </a:gradFill>
+            </a:endParaRPr>
+          </a:p>
+          <a:p>
+            <a:pPr>
+              <a:lnSpc>
+                <a:spcPct val="90000"/>
+              </a:lnSpc>
+              <a:spcAft>
+                <a:spcPts val="600"/>
+              </a:spcAft>
+            </a:pPr>
+            <a:r>
+              <a:rPr lang="en-US" sz="3600" dirty="0">
+                <a:gradFill>
+                  <a:gsLst>
+                    <a:gs pos="2917">
+                      <a:schemeClr val="tx1"/>
+                    </a:gs>
+                    <a:gs pos="30000">
+                      <a:schemeClr val="tx1"/>
+                    </a:gs>
+                  </a:gsLst>
+                  <a:lin ang="5400000" scaled="0"/>
+                </a:gradFill>
+              </a:rPr>
+              <a:t>Coming this Fall to a bookstore near you!</a:t>
+            </a:r>
+          </a:p>
+          <a:p>
+            <a:pPr>
+              <a:lnSpc>
+                <a:spcPct val="90000"/>
+              </a:lnSpc>
+              <a:spcAft>
+                <a:spcPts val="600"/>
+              </a:spcAft>
+            </a:pPr>
+            <a:endParaRPr lang="en-US" sz="3600" dirty="0">
+              <a:gradFill>
+                <a:gsLst>
+                  <a:gs pos="2917">
+                    <a:schemeClr val="tx1"/>
+                  </a:gs>
+                  <a:gs pos="30000">
+                    <a:schemeClr val="tx1"/>
+                  </a:gs>
+                </a:gsLst>
+                <a:lin ang="5400000" scaled="0"/>
+              </a:gradFill>
+            </a:endParaRPr>
+          </a:p>
+          <a:p>
+            <a:pPr>
+              <a:lnSpc>
+                <a:spcPct val="90000"/>
+              </a:lnSpc>
+              <a:spcAft>
+                <a:spcPts val="600"/>
+              </a:spcAft>
+            </a:pPr>
+            <a:endParaRPr lang="en-US" sz="3600" dirty="0">
+              <a:gradFill>
+                <a:gsLst>
+                  <a:gs pos="2917">
+                    <a:schemeClr val="tx1"/>
+                  </a:gs>
+                  <a:gs pos="30000">
+                    <a:schemeClr val="tx1"/>
+                  </a:gs>
+                </a:gsLst>
+                <a:lin ang="5400000" scaled="0"/>
+              </a:gradFill>
+            </a:endParaRPr>
+          </a:p>
+          <a:p>
+            <a:pPr>
+              <a:lnSpc>
+                <a:spcPct val="90000"/>
+              </a:lnSpc>
+              <a:spcAft>
+                <a:spcPts val="600"/>
+              </a:spcAft>
+            </a:pPr>
+            <a:r>
+              <a:rPr lang="en-US" sz="3600" dirty="0">
+                <a:gradFill>
+                  <a:gsLst>
+                    <a:gs pos="2917">
+                      <a:schemeClr val="tx1"/>
+                    </a:gs>
+                    <a:gs pos="30000">
+                      <a:schemeClr val="tx1"/>
+                    </a:gs>
+                  </a:gsLst>
+                  <a:lin ang="5400000" scaled="0"/>
+                </a:gradFill>
+              </a:rPr>
+              <a:t>Omar Alonso</a:t>
+            </a:r>
+          </a:p>
+        </p:txBody>
+      </p:sp>
+    </p:spTree>
+    <p:extLst>
+      <p:ext uri="{BB962C8B-B14F-4D97-AF65-F5344CB8AC3E}">
+        <p14:creationId xmlns:p14="http://schemas.microsoft.com/office/powerpoint/2010/main" val="282637279"/>
+      </p:ext>
+    </p:extLst>
+  </p:cSld>
+  <p:clrMapOvr>
+    <a:masterClrMapping/>
+  </p:clrMapOvr>
+  <mc:AlternateContent xmlns:mc="http://schemas.openxmlformats.org/markup-compatibility/2006" xmlns:p14="http://schemas.microsoft.com/office/powerpoint/2010/main">
+    <mc:Choice Requires="p14">
+      <p:transition spd="med" p14:dur="700">
+        <p:fade/>
+      </p:transition>
+    </mc:Choice>
+    <mc:Fallback xmlns="">
+      <p:transition spd="med">
+        <p:fade/>
+      </p:transition>
+    </mc:Fallback>
+  </mc:AlternateContent>
+</p:sld>
+</file>
+
+<file path=ppt/slides/slide13.xml><?xml version="1.0" encoding="utf-8"?>
 <p:sld xmlns:a="http://schemas.openxmlformats.org/drawingml/2006/main" xmlns:r="http://schemas.openxmlformats.org/officeDocument/2006/relationships" xmlns:p="http://schemas.openxmlformats.org/presentationml/2006/main">
   <p:cSld>
     <p:spTree>
